--- a/Presentation1.pptx
+++ b/Presentation1.pptx
@@ -5,11 +5,11 @@
     <p:sldMasterId id="2147483824" r:id="rId1"/>
   </p:sldMasterIdLst>
   <p:sldIdLst>
-    <p:sldId id="268" r:id="rId2"/>
-    <p:sldId id="264" r:id="rId3"/>
-    <p:sldId id="265" r:id="rId4"/>
-    <p:sldId id="266" r:id="rId5"/>
-    <p:sldId id="267" r:id="rId6"/>
+    <p:sldId id="269" r:id="rId2"/>
+    <p:sldId id="270" r:id="rId3"/>
+    <p:sldId id="268" r:id="rId4"/>
+    <p:sldId id="264" r:id="rId5"/>
+    <p:sldId id="265" r:id="rId6"/>
     <p:sldId id="256" r:id="rId7"/>
     <p:sldId id="257" r:id="rId8"/>
     <p:sldId id="258" r:id="rId9"/>
@@ -174,7 +174,7 @@
           <a:noFill/>
           <a:extLst>
             <a:ext uri="{909E8E84-426E-40dd-AFC4-6F175D3DCCD1}">
-              <a14:hiddenFill xmlns:a14="http://schemas.microsoft.com/office/drawing/2010/main" xmlns="">
+              <a14:hiddenFill xmlns="" xmlns:a14="http://schemas.microsoft.com/office/drawing/2010/main">
                 <a:solidFill>
                   <a:srgbClr val="FFFFFF"/>
                 </a:solidFill>
@@ -234,7 +234,7 @@
             </a:ln>
             <a:extLst>
               <a:ext uri="{91240B29-F687-4f45-9708-019B960494DF}">
-                <a14:hiddenLine xmlns:a14="http://schemas.microsoft.com/office/drawing/2010/main" xmlns="" w="9525">
+                <a14:hiddenLine xmlns="" xmlns:a14="http://schemas.microsoft.com/office/drawing/2010/main" w="9525">
                   <a:solidFill>
                     <a:srgbClr val="000000"/>
                   </a:solidFill>
@@ -324,7 +324,7 @@
             </a:ln>
             <a:extLst>
               <a:ext uri="{91240B29-F687-4f45-9708-019B960494DF}">
-                <a14:hiddenLine xmlns:a14="http://schemas.microsoft.com/office/drawing/2010/main" xmlns="" w="9525">
+                <a14:hiddenLine xmlns="" xmlns:a14="http://schemas.microsoft.com/office/drawing/2010/main" w="9525">
                   <a:solidFill>
                     <a:srgbClr val="000000"/>
                   </a:solidFill>
@@ -414,7 +414,7 @@
             </a:ln>
             <a:extLst>
               <a:ext uri="{91240B29-F687-4f45-9708-019B960494DF}">
-                <a14:hiddenLine xmlns:a14="http://schemas.microsoft.com/office/drawing/2010/main" xmlns="" w="9525">
+                <a14:hiddenLine xmlns="" xmlns:a14="http://schemas.microsoft.com/office/drawing/2010/main" w="9525">
                   <a:solidFill>
                     <a:srgbClr val="000000"/>
                   </a:solidFill>
@@ -448,7 +448,7 @@
             </a:ln>
             <a:extLst>
               <a:ext uri="{91240B29-F687-4f45-9708-019B960494DF}">
-                <a14:hiddenLine xmlns:a14="http://schemas.microsoft.com/office/drawing/2010/main" xmlns="" w="9525">
+                <a14:hiddenLine xmlns="" xmlns:a14="http://schemas.microsoft.com/office/drawing/2010/main" w="9525">
                   <a:solidFill>
                     <a:srgbClr val="000000"/>
                   </a:solidFill>
@@ -538,7 +538,7 @@
             </a:ln>
             <a:extLst>
               <a:ext uri="{91240B29-F687-4f45-9708-019B960494DF}">
-                <a14:hiddenLine xmlns:a14="http://schemas.microsoft.com/office/drawing/2010/main" xmlns="" w="9525">
+                <a14:hiddenLine xmlns="" xmlns:a14="http://schemas.microsoft.com/office/drawing/2010/main" w="9525">
                   <a:solidFill>
                     <a:srgbClr val="000000"/>
                   </a:solidFill>
@@ -600,7 +600,7 @@
             </a:ln>
             <a:extLst>
               <a:ext uri="{91240B29-F687-4f45-9708-019B960494DF}">
-                <a14:hiddenLine xmlns:a14="http://schemas.microsoft.com/office/drawing/2010/main" xmlns="" w="9525">
+                <a14:hiddenLine xmlns="" xmlns:a14="http://schemas.microsoft.com/office/drawing/2010/main" w="9525">
                   <a:solidFill>
                     <a:srgbClr val="000000"/>
                   </a:solidFill>
@@ -662,7 +662,7 @@
             </a:ln>
             <a:extLst>
               <a:ext uri="{91240B29-F687-4f45-9708-019B960494DF}">
-                <a14:hiddenLine xmlns:a14="http://schemas.microsoft.com/office/drawing/2010/main" xmlns="" w="9525">
+                <a14:hiddenLine xmlns="" xmlns:a14="http://schemas.microsoft.com/office/drawing/2010/main" w="9525">
                   <a:solidFill>
                     <a:srgbClr val="000000"/>
                   </a:solidFill>
@@ -752,7 +752,7 @@
             </a:ln>
             <a:extLst>
               <a:ext uri="{91240B29-F687-4f45-9708-019B960494DF}">
-                <a14:hiddenLine xmlns:a14="http://schemas.microsoft.com/office/drawing/2010/main" xmlns="" w="9525">
+                <a14:hiddenLine xmlns="" xmlns:a14="http://schemas.microsoft.com/office/drawing/2010/main" w="9525">
                   <a:solidFill>
                     <a:srgbClr val="000000"/>
                   </a:solidFill>
@@ -814,7 +814,7 @@
             </a:ln>
             <a:extLst>
               <a:ext uri="{91240B29-F687-4f45-9708-019B960494DF}">
-                <a14:hiddenLine xmlns:a14="http://schemas.microsoft.com/office/drawing/2010/main" xmlns="" w="9525">
+                <a14:hiddenLine xmlns="" xmlns:a14="http://schemas.microsoft.com/office/drawing/2010/main" w="9525">
                   <a:solidFill>
                     <a:srgbClr val="000000"/>
                   </a:solidFill>
@@ -876,7 +876,7 @@
             </a:ln>
             <a:extLst>
               <a:ext uri="{91240B29-F687-4f45-9708-019B960494DF}">
-                <a14:hiddenLine xmlns:a14="http://schemas.microsoft.com/office/drawing/2010/main" xmlns="" w="9525">
+                <a14:hiddenLine xmlns="" xmlns:a14="http://schemas.microsoft.com/office/drawing/2010/main" w="9525">
                   <a:solidFill>
                     <a:srgbClr val="000000"/>
                   </a:solidFill>
@@ -966,7 +966,7 @@
             </a:ln>
             <a:extLst>
               <a:ext uri="{91240B29-F687-4f45-9708-019B960494DF}">
-                <a14:hiddenLine xmlns:a14="http://schemas.microsoft.com/office/drawing/2010/main" xmlns="" w="9525">
+                <a14:hiddenLine xmlns="" xmlns:a14="http://schemas.microsoft.com/office/drawing/2010/main" w="9525">
                   <a:solidFill>
                     <a:srgbClr val="000000"/>
                   </a:solidFill>
@@ -1056,7 +1056,7 @@
             </a:ln>
             <a:extLst>
               <a:ext uri="{91240B29-F687-4f45-9708-019B960494DF}">
-                <a14:hiddenLine xmlns:a14="http://schemas.microsoft.com/office/drawing/2010/main" xmlns="" w="9525">
+                <a14:hiddenLine xmlns="" xmlns:a14="http://schemas.microsoft.com/office/drawing/2010/main" w="9525">
                   <a:solidFill>
                     <a:srgbClr val="000000"/>
                   </a:solidFill>
@@ -1118,7 +1118,7 @@
             </a:ln>
             <a:extLst>
               <a:ext uri="{91240B29-F687-4f45-9708-019B960494DF}">
-                <a14:hiddenLine xmlns:a14="http://schemas.microsoft.com/office/drawing/2010/main" xmlns="" w="9525">
+                <a14:hiddenLine xmlns="" xmlns:a14="http://schemas.microsoft.com/office/drawing/2010/main" w="9525">
                   <a:solidFill>
                     <a:srgbClr val="000000"/>
                   </a:solidFill>
@@ -1228,7 +1228,7 @@
             </a:ln>
             <a:extLst>
               <a:ext uri="{91240B29-F687-4f45-9708-019B960494DF}">
-                <a14:hiddenLine xmlns:a14="http://schemas.microsoft.com/office/drawing/2010/main" xmlns="" w="9525">
+                <a14:hiddenLine xmlns="" xmlns:a14="http://schemas.microsoft.com/office/drawing/2010/main" w="9525">
                   <a:solidFill>
                     <a:srgbClr val="000000"/>
                   </a:solidFill>
@@ -1290,7 +1290,7 @@
             </a:ln>
             <a:extLst>
               <a:ext uri="{91240B29-F687-4f45-9708-019B960494DF}">
-                <a14:hiddenLine xmlns:a14="http://schemas.microsoft.com/office/drawing/2010/main" xmlns="" w="9525">
+                <a14:hiddenLine xmlns="" xmlns:a14="http://schemas.microsoft.com/office/drawing/2010/main" w="9525">
                   <a:solidFill>
                     <a:srgbClr val="000000"/>
                   </a:solidFill>
@@ -1380,7 +1380,7 @@
             </a:ln>
             <a:extLst>
               <a:ext uri="{91240B29-F687-4f45-9708-019B960494DF}">
-                <a14:hiddenLine xmlns:a14="http://schemas.microsoft.com/office/drawing/2010/main" xmlns="" w="9525">
+                <a14:hiddenLine xmlns="" xmlns:a14="http://schemas.microsoft.com/office/drawing/2010/main" w="9525">
                   <a:solidFill>
                     <a:srgbClr val="000000"/>
                   </a:solidFill>
@@ -1470,7 +1470,7 @@
             </a:ln>
             <a:extLst>
               <a:ext uri="{91240B29-F687-4f45-9708-019B960494DF}">
-                <a14:hiddenLine xmlns:a14="http://schemas.microsoft.com/office/drawing/2010/main" xmlns="" w="9525">
+                <a14:hiddenLine xmlns="" xmlns:a14="http://schemas.microsoft.com/office/drawing/2010/main" w="9525">
                   <a:solidFill>
                     <a:srgbClr val="000000"/>
                   </a:solidFill>
@@ -1532,7 +1532,7 @@
             </a:ln>
             <a:extLst>
               <a:ext uri="{91240B29-F687-4f45-9708-019B960494DF}">
-                <a14:hiddenLine xmlns:a14="http://schemas.microsoft.com/office/drawing/2010/main" xmlns="" w="9525">
+                <a14:hiddenLine xmlns="" xmlns:a14="http://schemas.microsoft.com/office/drawing/2010/main" w="9525">
                   <a:solidFill>
                     <a:srgbClr val="000000"/>
                   </a:solidFill>
@@ -1622,7 +1622,7 @@
             </a:ln>
             <a:extLst>
               <a:ext uri="{91240B29-F687-4f45-9708-019B960494DF}">
-                <a14:hiddenLine xmlns:a14="http://schemas.microsoft.com/office/drawing/2010/main" xmlns="" w="9525">
+                <a14:hiddenLine xmlns="" xmlns:a14="http://schemas.microsoft.com/office/drawing/2010/main" w="9525">
                   <a:solidFill>
                     <a:srgbClr val="000000"/>
                   </a:solidFill>
@@ -1712,7 +1712,7 @@
             </a:ln>
             <a:extLst>
               <a:ext uri="{91240B29-F687-4f45-9708-019B960494DF}">
-                <a14:hiddenLine xmlns:a14="http://schemas.microsoft.com/office/drawing/2010/main" xmlns="" w="9525">
+                <a14:hiddenLine xmlns="" xmlns:a14="http://schemas.microsoft.com/office/drawing/2010/main" w="9525">
                   <a:solidFill>
                     <a:srgbClr val="000000"/>
                   </a:solidFill>
@@ -1768,7 +1768,7 @@
             </a:ln>
             <a:extLst>
               <a:ext uri="{91240B29-F687-4f45-9708-019B960494DF}">
-                <a14:hiddenLine xmlns:a14="http://schemas.microsoft.com/office/drawing/2010/main" xmlns="" w="9525">
+                <a14:hiddenLine xmlns="" xmlns:a14="http://schemas.microsoft.com/office/drawing/2010/main" w="9525">
                   <a:solidFill>
                     <a:srgbClr val="000000"/>
                   </a:solidFill>
@@ -1858,7 +1858,7 @@
             </a:ln>
             <a:extLst>
               <a:ext uri="{91240B29-F687-4f45-9708-019B960494DF}">
-                <a14:hiddenLine xmlns:a14="http://schemas.microsoft.com/office/drawing/2010/main" xmlns="" w="9525">
+                <a14:hiddenLine xmlns="" xmlns:a14="http://schemas.microsoft.com/office/drawing/2010/main" w="9525">
                   <a:solidFill>
                     <a:srgbClr val="000000"/>
                   </a:solidFill>
@@ -1914,7 +1914,7 @@
             </a:ln>
             <a:extLst>
               <a:ext uri="{91240B29-F687-4f45-9708-019B960494DF}">
-                <a14:hiddenLine xmlns:a14="http://schemas.microsoft.com/office/drawing/2010/main" xmlns="" w="9525">
+                <a14:hiddenLine xmlns="" xmlns:a14="http://schemas.microsoft.com/office/drawing/2010/main" w="9525">
                   <a:solidFill>
                     <a:srgbClr val="000000"/>
                   </a:solidFill>
@@ -2004,7 +2004,7 @@
             </a:ln>
             <a:extLst>
               <a:ext uri="{91240B29-F687-4f45-9708-019B960494DF}">
-                <a14:hiddenLine xmlns:a14="http://schemas.microsoft.com/office/drawing/2010/main" xmlns="" w="9525">
+                <a14:hiddenLine xmlns="" xmlns:a14="http://schemas.microsoft.com/office/drawing/2010/main" w="9525">
                   <a:solidFill>
                     <a:srgbClr val="000000"/>
                   </a:solidFill>
@@ -2072,7 +2072,7 @@
             </a:ln>
             <a:extLst>
               <a:ext uri="{91240B29-F687-4f45-9708-019B960494DF}">
-                <a14:hiddenLine xmlns:a14="http://schemas.microsoft.com/office/drawing/2010/main" xmlns="" w="9525">
+                <a14:hiddenLine xmlns="" xmlns:a14="http://schemas.microsoft.com/office/drawing/2010/main" w="9525">
                   <a:solidFill>
                     <a:srgbClr val="000000"/>
                   </a:solidFill>
@@ -2162,7 +2162,7 @@
             </a:ln>
             <a:extLst>
               <a:ext uri="{91240B29-F687-4f45-9708-019B960494DF}">
-                <a14:hiddenLine xmlns:a14="http://schemas.microsoft.com/office/drawing/2010/main" xmlns="" w="9525">
+                <a14:hiddenLine xmlns="" xmlns:a14="http://schemas.microsoft.com/office/drawing/2010/main" w="9525">
                   <a:solidFill>
                     <a:srgbClr val="000000"/>
                   </a:solidFill>
@@ -2230,7 +2230,7 @@
             </a:ln>
             <a:extLst>
               <a:ext uri="{91240B29-F687-4f45-9708-019B960494DF}">
-                <a14:hiddenLine xmlns:a14="http://schemas.microsoft.com/office/drawing/2010/main" xmlns="" w="9525">
+                <a14:hiddenLine xmlns="" xmlns:a14="http://schemas.microsoft.com/office/drawing/2010/main" w="9525">
                   <a:solidFill>
                     <a:srgbClr val="000000"/>
                   </a:solidFill>
@@ -2320,7 +2320,7 @@
             </a:ln>
             <a:extLst>
               <a:ext uri="{91240B29-F687-4f45-9708-019B960494DF}">
-                <a14:hiddenLine xmlns:a14="http://schemas.microsoft.com/office/drawing/2010/main" xmlns="" w="9525">
+                <a14:hiddenLine xmlns="" xmlns:a14="http://schemas.microsoft.com/office/drawing/2010/main" w="9525">
                   <a:solidFill>
                     <a:srgbClr val="000000"/>
                   </a:solidFill>
@@ -2354,7 +2354,7 @@
             </a:ln>
             <a:extLst>
               <a:ext uri="{91240B29-F687-4f45-9708-019B960494DF}">
-                <a14:hiddenLine xmlns:a14="http://schemas.microsoft.com/office/drawing/2010/main" xmlns="" w="9525">
+                <a14:hiddenLine xmlns="" xmlns:a14="http://schemas.microsoft.com/office/drawing/2010/main" w="9525">
                   <a:solidFill>
                     <a:srgbClr val="000000"/>
                   </a:solidFill>
@@ -2444,7 +2444,7 @@
             </a:ln>
             <a:extLst>
               <a:ext uri="{91240B29-F687-4f45-9708-019B960494DF}">
-                <a14:hiddenLine xmlns:a14="http://schemas.microsoft.com/office/drawing/2010/main" xmlns="" w="9525">
+                <a14:hiddenLine xmlns="" xmlns:a14="http://schemas.microsoft.com/office/drawing/2010/main" w="9525">
                   <a:solidFill>
                     <a:srgbClr val="000000"/>
                   </a:solidFill>
@@ -2506,7 +2506,7 @@
             </a:ln>
             <a:extLst>
               <a:ext uri="{91240B29-F687-4f45-9708-019B960494DF}">
-                <a14:hiddenLine xmlns:a14="http://schemas.microsoft.com/office/drawing/2010/main" xmlns="" w="9525">
+                <a14:hiddenLine xmlns="" xmlns:a14="http://schemas.microsoft.com/office/drawing/2010/main" w="9525">
                   <a:solidFill>
                     <a:srgbClr val="000000"/>
                   </a:solidFill>
@@ -2568,7 +2568,7 @@
             </a:ln>
             <a:extLst>
               <a:ext uri="{91240B29-F687-4f45-9708-019B960494DF}">
-                <a14:hiddenLine xmlns:a14="http://schemas.microsoft.com/office/drawing/2010/main" xmlns="" w="9525">
+                <a14:hiddenLine xmlns="" xmlns:a14="http://schemas.microsoft.com/office/drawing/2010/main" w="9525">
                   <a:solidFill>
                     <a:srgbClr val="000000"/>
                   </a:solidFill>
@@ -2658,7 +2658,7 @@
             </a:ln>
             <a:extLst>
               <a:ext uri="{91240B29-F687-4f45-9708-019B960494DF}">
-                <a14:hiddenLine xmlns:a14="http://schemas.microsoft.com/office/drawing/2010/main" xmlns="" w="9525">
+                <a14:hiddenLine xmlns="" xmlns:a14="http://schemas.microsoft.com/office/drawing/2010/main" w="9525">
                   <a:solidFill>
                     <a:srgbClr val="000000"/>
                   </a:solidFill>
@@ -2726,7 +2726,7 @@
             </a:ln>
             <a:extLst>
               <a:ext uri="{91240B29-F687-4f45-9708-019B960494DF}">
-                <a14:hiddenLine xmlns:a14="http://schemas.microsoft.com/office/drawing/2010/main" xmlns="" w="9525">
+                <a14:hiddenLine xmlns="" xmlns:a14="http://schemas.microsoft.com/office/drawing/2010/main" w="9525">
                   <a:solidFill>
                     <a:srgbClr val="000000"/>
                   </a:solidFill>
@@ -2788,7 +2788,7 @@
             </a:ln>
             <a:extLst>
               <a:ext uri="{91240B29-F687-4f45-9708-019B960494DF}">
-                <a14:hiddenLine xmlns:a14="http://schemas.microsoft.com/office/drawing/2010/main" xmlns="" w="9525">
+                <a14:hiddenLine xmlns="" xmlns:a14="http://schemas.microsoft.com/office/drawing/2010/main" w="9525">
                   <a:solidFill>
                     <a:srgbClr val="000000"/>
                   </a:solidFill>
@@ -2878,7 +2878,7 @@
             </a:ln>
             <a:extLst>
               <a:ext uri="{91240B29-F687-4f45-9708-019B960494DF}">
-                <a14:hiddenLine xmlns:a14="http://schemas.microsoft.com/office/drawing/2010/main" xmlns="" w="9525">
+                <a14:hiddenLine xmlns="" xmlns:a14="http://schemas.microsoft.com/office/drawing/2010/main" w="9525">
                   <a:solidFill>
                     <a:srgbClr val="000000"/>
                   </a:solidFill>
@@ -2940,7 +2940,7 @@
             </a:ln>
             <a:extLst>
               <a:ext uri="{91240B29-F687-4f45-9708-019B960494DF}">
-                <a14:hiddenLine xmlns:a14="http://schemas.microsoft.com/office/drawing/2010/main" xmlns="" w="9525">
+                <a14:hiddenLine xmlns="" xmlns:a14="http://schemas.microsoft.com/office/drawing/2010/main" w="9525">
                   <a:solidFill>
                     <a:srgbClr val="000000"/>
                   </a:solidFill>
@@ -3030,7 +3030,7 @@
             </a:ln>
             <a:extLst>
               <a:ext uri="{91240B29-F687-4f45-9708-019B960494DF}">
-                <a14:hiddenLine xmlns:a14="http://schemas.microsoft.com/office/drawing/2010/main" xmlns="" w="9525">
+                <a14:hiddenLine xmlns="" xmlns:a14="http://schemas.microsoft.com/office/drawing/2010/main" w="9525">
                   <a:solidFill>
                     <a:srgbClr val="000000"/>
                   </a:solidFill>
@@ -3092,7 +3092,7 @@
             </a:ln>
             <a:extLst>
               <a:ext uri="{91240B29-F687-4f45-9708-019B960494DF}">
-                <a14:hiddenLine xmlns:a14="http://schemas.microsoft.com/office/drawing/2010/main" xmlns="" w="9525">
+                <a14:hiddenLine xmlns="" xmlns:a14="http://schemas.microsoft.com/office/drawing/2010/main" w="9525">
                   <a:solidFill>
                     <a:srgbClr val="000000"/>
                   </a:solidFill>
@@ -3182,7 +3182,7 @@
             </a:ln>
             <a:extLst>
               <a:ext uri="{91240B29-F687-4f45-9708-019B960494DF}">
-                <a14:hiddenLine xmlns:a14="http://schemas.microsoft.com/office/drawing/2010/main" xmlns="" w="9525">
+                <a14:hiddenLine xmlns="" xmlns:a14="http://schemas.microsoft.com/office/drawing/2010/main" w="9525">
                   <a:solidFill>
                     <a:srgbClr val="000000"/>
                   </a:solidFill>
@@ -3216,7 +3216,7 @@
             </a:ln>
             <a:extLst>
               <a:ext uri="{91240B29-F687-4f45-9708-019B960494DF}">
-                <a14:hiddenLine xmlns:a14="http://schemas.microsoft.com/office/drawing/2010/main" xmlns="" w="9525">
+                <a14:hiddenLine xmlns="" xmlns:a14="http://schemas.microsoft.com/office/drawing/2010/main" w="9525">
                   <a:solidFill>
                     <a:srgbClr val="000000"/>
                   </a:solidFill>
@@ -3281,7 +3281,7 @@
             </a:ln>
             <a:extLst>
               <a:ext uri="{91240B29-F687-4f45-9708-019B960494DF}">
-                <a14:hiddenLine xmlns:a14="http://schemas.microsoft.com/office/drawing/2010/main" xmlns="" w="9525">
+                <a14:hiddenLine xmlns="" xmlns:a14="http://schemas.microsoft.com/office/drawing/2010/main" w="9525">
                   <a:solidFill>
                     <a:srgbClr val="000000"/>
                   </a:solidFill>
@@ -3371,7 +3371,7 @@
             </a:ln>
             <a:extLst>
               <a:ext uri="{91240B29-F687-4f45-9708-019B960494DF}">
-                <a14:hiddenLine xmlns:a14="http://schemas.microsoft.com/office/drawing/2010/main" xmlns="" w="9525">
+                <a14:hiddenLine xmlns="" xmlns:a14="http://schemas.microsoft.com/office/drawing/2010/main" w="9525">
                   <a:solidFill>
                     <a:srgbClr val="000000"/>
                   </a:solidFill>
@@ -3433,7 +3433,7 @@
             </a:ln>
             <a:extLst>
               <a:ext uri="{91240B29-F687-4f45-9708-019B960494DF}">
-                <a14:hiddenLine xmlns:a14="http://schemas.microsoft.com/office/drawing/2010/main" xmlns="" w="9525">
+                <a14:hiddenLine xmlns="" xmlns:a14="http://schemas.microsoft.com/office/drawing/2010/main" w="9525">
                   <a:solidFill>
                     <a:srgbClr val="000000"/>
                   </a:solidFill>
@@ -3523,7 +3523,7 @@
             </a:ln>
             <a:extLst>
               <a:ext uri="{91240B29-F687-4f45-9708-019B960494DF}">
-                <a14:hiddenLine xmlns:a14="http://schemas.microsoft.com/office/drawing/2010/main" xmlns="" w="9525">
+                <a14:hiddenLine xmlns="" xmlns:a14="http://schemas.microsoft.com/office/drawing/2010/main" w="9525">
                   <a:solidFill>
                     <a:srgbClr val="000000"/>
                   </a:solidFill>
@@ -3613,7 +3613,7 @@
             </a:ln>
             <a:extLst>
               <a:ext uri="{91240B29-F687-4f45-9708-019B960494DF}">
-                <a14:hiddenLine xmlns:a14="http://schemas.microsoft.com/office/drawing/2010/main" xmlns="" w="9525">
+                <a14:hiddenLine xmlns="" xmlns:a14="http://schemas.microsoft.com/office/drawing/2010/main" w="9525">
                   <a:solidFill>
                     <a:srgbClr val="000000"/>
                   </a:solidFill>
@@ -3678,7 +3678,7 @@
             </a:ln>
             <a:extLst>
               <a:ext uri="{91240B29-F687-4f45-9708-019B960494DF}">
-                <a14:hiddenLine xmlns:a14="http://schemas.microsoft.com/office/drawing/2010/main" xmlns="" w="9525">
+                <a14:hiddenLine xmlns="" xmlns:a14="http://schemas.microsoft.com/office/drawing/2010/main" w="9525">
                   <a:solidFill>
                     <a:srgbClr val="000000"/>
                   </a:solidFill>
@@ -3740,7 +3740,7 @@
             </a:ln>
             <a:extLst>
               <a:ext uri="{91240B29-F687-4f45-9708-019B960494DF}">
-                <a14:hiddenLine xmlns:a14="http://schemas.microsoft.com/office/drawing/2010/main" xmlns="" w="9525">
+                <a14:hiddenLine xmlns="" xmlns:a14="http://schemas.microsoft.com/office/drawing/2010/main" w="9525">
                   <a:solidFill>
                     <a:srgbClr val="000000"/>
                   </a:solidFill>
@@ -3830,7 +3830,7 @@
             </a:ln>
             <a:extLst>
               <a:ext uri="{91240B29-F687-4f45-9708-019B960494DF}">
-                <a14:hiddenLine xmlns:a14="http://schemas.microsoft.com/office/drawing/2010/main" xmlns="" w="9525">
+                <a14:hiddenLine xmlns="" xmlns:a14="http://schemas.microsoft.com/office/drawing/2010/main" w="9525">
                   <a:solidFill>
                     <a:srgbClr val="000000"/>
                   </a:solidFill>
@@ -3920,7 +3920,7 @@
             </a:ln>
             <a:extLst>
               <a:ext uri="{91240B29-F687-4f45-9708-019B960494DF}">
-                <a14:hiddenLine xmlns:a14="http://schemas.microsoft.com/office/drawing/2010/main" xmlns="" w="9525">
+                <a14:hiddenLine xmlns="" xmlns:a14="http://schemas.microsoft.com/office/drawing/2010/main" w="9525">
                   <a:solidFill>
                     <a:srgbClr val="000000"/>
                   </a:solidFill>
@@ -3982,7 +3982,7 @@
             </a:ln>
             <a:extLst>
               <a:ext uri="{91240B29-F687-4f45-9708-019B960494DF}">
-                <a14:hiddenLine xmlns:a14="http://schemas.microsoft.com/office/drawing/2010/main" xmlns="" w="9525">
+                <a14:hiddenLine xmlns="" xmlns:a14="http://schemas.microsoft.com/office/drawing/2010/main" w="9525">
                   <a:solidFill>
                     <a:srgbClr val="000000"/>
                   </a:solidFill>
@@ -4102,7 +4102,7 @@
             </a:ln>
             <a:extLst>
               <a:ext uri="{91240B29-F687-4f45-9708-019B960494DF}">
-                <a14:hiddenLine xmlns:a14="http://schemas.microsoft.com/office/drawing/2010/main" xmlns="" w="9525">
+                <a14:hiddenLine xmlns="" xmlns:a14="http://schemas.microsoft.com/office/drawing/2010/main" w="9525">
                   <a:solidFill>
                     <a:srgbClr val="000000"/>
                   </a:solidFill>
@@ -4170,7 +4170,7 @@
             </a:ln>
             <a:extLst>
               <a:ext uri="{91240B29-F687-4f45-9708-019B960494DF}">
-                <a14:hiddenLine xmlns:a14="http://schemas.microsoft.com/office/drawing/2010/main" xmlns="" w="9525">
+                <a14:hiddenLine xmlns="" xmlns:a14="http://schemas.microsoft.com/office/drawing/2010/main" w="9525">
                   <a:solidFill>
                     <a:srgbClr val="000000"/>
                   </a:solidFill>
@@ -4260,7 +4260,7 @@
             </a:ln>
             <a:extLst>
               <a:ext uri="{91240B29-F687-4f45-9708-019B960494DF}">
-                <a14:hiddenLine xmlns:a14="http://schemas.microsoft.com/office/drawing/2010/main" xmlns="" w="9525">
+                <a14:hiddenLine xmlns="" xmlns:a14="http://schemas.microsoft.com/office/drawing/2010/main" w="9525">
                   <a:solidFill>
                     <a:srgbClr val="000000"/>
                   </a:solidFill>
@@ -4400,7 +4400,7 @@
           <a:p>
             <a:fld id="{5524D296-0460-4634-A626-0E9261899428}" type="datetimeFigureOut">
               <a:rPr lang="en-US" smtClean="0"/>
-              <a:t>11/23/2023</a:t>
+              <a:t>11/24/2023</a:t>
             </a:fld>
             <a:endParaRPr lang="en-US"/>
           </a:p>
@@ -4667,7 +4667,7 @@
           <a:p>
             <a:fld id="{5524D296-0460-4634-A626-0E9261899428}" type="datetimeFigureOut">
               <a:rPr lang="en-US" smtClean="0"/>
-              <a:t>11/23/2023</a:t>
+              <a:t>11/24/2023</a:t>
             </a:fld>
             <a:endParaRPr lang="en-US"/>
           </a:p>
@@ -4863,7 +4863,7 @@
           <a:p>
             <a:fld id="{5524D296-0460-4634-A626-0E9261899428}" type="datetimeFigureOut">
               <a:rPr lang="en-US" smtClean="0"/>
-              <a:t>11/23/2023</a:t>
+              <a:t>11/24/2023</a:t>
             </a:fld>
             <a:endParaRPr lang="en-US"/>
           </a:p>
@@ -5126,7 +5126,7 @@
           <a:p>
             <a:fld id="{5524D296-0460-4634-A626-0E9261899428}" type="datetimeFigureOut">
               <a:rPr lang="en-US" smtClean="0"/>
-              <a:t>11/23/2023</a:t>
+              <a:t>11/24/2023</a:t>
             </a:fld>
             <a:endParaRPr lang="en-US"/>
           </a:p>
@@ -5560,7 +5560,7 @@
           <a:p>
             <a:fld id="{5524D296-0460-4634-A626-0E9261899428}" type="datetimeFigureOut">
               <a:rPr lang="en-US" smtClean="0"/>
-              <a:t>11/23/2023</a:t>
+              <a:t>11/24/2023</a:t>
             </a:fld>
             <a:endParaRPr lang="en-US"/>
           </a:p>
@@ -6106,7 +6106,7 @@
           <a:p>
             <a:fld id="{5524D296-0460-4634-A626-0E9261899428}" type="datetimeFigureOut">
               <a:rPr lang="en-US" smtClean="0"/>
-              <a:t>11/23/2023</a:t>
+              <a:t>11/24/2023</a:t>
             </a:fld>
             <a:endParaRPr lang="en-US"/>
           </a:p>
@@ -6826,7 +6826,7 @@
           <a:p>
             <a:fld id="{5524D296-0460-4634-A626-0E9261899428}" type="datetimeFigureOut">
               <a:rPr lang="en-US" smtClean="0"/>
-              <a:t>11/23/2023</a:t>
+              <a:t>11/24/2023</a:t>
             </a:fld>
             <a:endParaRPr lang="en-US"/>
           </a:p>
@@ -6996,7 +6996,7 @@
           <a:p>
             <a:fld id="{5524D296-0460-4634-A626-0E9261899428}" type="datetimeFigureOut">
               <a:rPr lang="en-US" smtClean="0"/>
-              <a:t>11/23/2023</a:t>
+              <a:t>11/24/2023</a:t>
             </a:fld>
             <a:endParaRPr lang="en-US"/>
           </a:p>
@@ -7176,7 +7176,7 @@
           <a:p>
             <a:fld id="{5524D296-0460-4634-A626-0E9261899428}" type="datetimeFigureOut">
               <a:rPr lang="en-US" smtClean="0"/>
-              <a:t>11/23/2023</a:t>
+              <a:t>11/24/2023</a:t>
             </a:fld>
             <a:endParaRPr lang="en-US"/>
           </a:p>
@@ -7346,7 +7346,7 @@
           <a:p>
             <a:fld id="{5524D296-0460-4634-A626-0E9261899428}" type="datetimeFigureOut">
               <a:rPr lang="en-US" smtClean="0"/>
-              <a:t>11/23/2023</a:t>
+              <a:t>11/24/2023</a:t>
             </a:fld>
             <a:endParaRPr lang="en-US"/>
           </a:p>
@@ -7596,7 +7596,7 @@
           <a:p>
             <a:fld id="{5524D296-0460-4634-A626-0E9261899428}" type="datetimeFigureOut">
               <a:rPr lang="en-US" smtClean="0"/>
-              <a:t>11/23/2023</a:t>
+              <a:t>11/24/2023</a:t>
             </a:fld>
             <a:endParaRPr lang="en-US"/>
           </a:p>
@@ -7828,7 +7828,7 @@
           <a:p>
             <a:fld id="{5524D296-0460-4634-A626-0E9261899428}" type="datetimeFigureOut">
               <a:rPr lang="en-US" smtClean="0"/>
-              <a:t>11/23/2023</a:t>
+              <a:t>11/24/2023</a:t>
             </a:fld>
             <a:endParaRPr lang="en-US"/>
           </a:p>
@@ -8209,7 +8209,7 @@
           <a:p>
             <a:fld id="{5524D296-0460-4634-A626-0E9261899428}" type="datetimeFigureOut">
               <a:rPr lang="en-US" smtClean="0"/>
-              <a:t>11/23/2023</a:t>
+              <a:t>11/24/2023</a:t>
             </a:fld>
             <a:endParaRPr lang="en-US"/>
           </a:p>
@@ -8327,7 +8327,7 @@
           <a:p>
             <a:fld id="{5524D296-0460-4634-A626-0E9261899428}" type="datetimeFigureOut">
               <a:rPr lang="en-US" smtClean="0"/>
-              <a:t>11/23/2023</a:t>
+              <a:t>11/24/2023</a:t>
             </a:fld>
             <a:endParaRPr lang="en-US"/>
           </a:p>
@@ -8422,7 +8422,7 @@
           <a:p>
             <a:fld id="{5524D296-0460-4634-A626-0E9261899428}" type="datetimeFigureOut">
               <a:rPr lang="en-US" smtClean="0"/>
-              <a:t>11/23/2023</a:t>
+              <a:t>11/24/2023</a:t>
             </a:fld>
             <a:endParaRPr lang="en-US"/>
           </a:p>
@@ -8671,7 +8671,7 @@
           <a:p>
             <a:fld id="{5524D296-0460-4634-A626-0E9261899428}" type="datetimeFigureOut">
               <a:rPr lang="en-US" smtClean="0"/>
-              <a:t>11/23/2023</a:t>
+              <a:t>11/24/2023</a:t>
             </a:fld>
             <a:endParaRPr lang="en-US"/>
           </a:p>
@@ -8951,7 +8951,7 @@
           <a:p>
             <a:fld id="{5524D296-0460-4634-A626-0E9261899428}" type="datetimeFigureOut">
               <a:rPr lang="en-US" smtClean="0"/>
-              <a:t>11/23/2023</a:t>
+              <a:t>11/24/2023</a:t>
             </a:fld>
             <a:endParaRPr lang="en-US"/>
           </a:p>
@@ -9067,7 +9067,7 @@
           <a:noFill/>
           <a:extLst>
             <a:ext uri="{909E8E84-426E-40dd-AFC4-6F175D3DCCD1}">
-              <a14:hiddenFill xmlns:a14="http://schemas.microsoft.com/office/drawing/2010/main" xmlns="">
+              <a14:hiddenFill xmlns="" xmlns:a14="http://schemas.microsoft.com/office/drawing/2010/main">
                 <a:solidFill>
                   <a:srgbClr val="FFFFFF"/>
                 </a:solidFill>
@@ -9141,7 +9141,7 @@
               </a:ln>
               <a:extLst>
                 <a:ext uri="{91240B29-F687-4f45-9708-019B960494DF}">
-                  <a14:hiddenLine xmlns:a14="http://schemas.microsoft.com/office/drawing/2010/main" xmlns="" w="9525">
+                  <a14:hiddenLine xmlns="" xmlns:a14="http://schemas.microsoft.com/office/drawing/2010/main" w="9525">
                     <a:solidFill>
                       <a:srgbClr val="000000"/>
                     </a:solidFill>
@@ -9231,7 +9231,7 @@
               </a:ln>
               <a:extLst>
                 <a:ext uri="{91240B29-F687-4f45-9708-019B960494DF}">
-                  <a14:hiddenLine xmlns:a14="http://schemas.microsoft.com/office/drawing/2010/main" xmlns="" w="9525">
+                  <a14:hiddenLine xmlns="" xmlns:a14="http://schemas.microsoft.com/office/drawing/2010/main" w="9525">
                     <a:solidFill>
                       <a:srgbClr val="000000"/>
                     </a:solidFill>
@@ -9321,7 +9321,7 @@
               </a:ln>
               <a:extLst>
                 <a:ext uri="{91240B29-F687-4f45-9708-019B960494DF}">
-                  <a14:hiddenLine xmlns:a14="http://schemas.microsoft.com/office/drawing/2010/main" xmlns="" w="9525">
+                  <a14:hiddenLine xmlns="" xmlns:a14="http://schemas.microsoft.com/office/drawing/2010/main" w="9525">
                     <a:solidFill>
                       <a:srgbClr val="000000"/>
                     </a:solidFill>
@@ -9383,7 +9383,7 @@
               </a:ln>
               <a:extLst>
                 <a:ext uri="{91240B29-F687-4f45-9708-019B960494DF}">
-                  <a14:hiddenLine xmlns:a14="http://schemas.microsoft.com/office/drawing/2010/main" xmlns="" w="9525">
+                  <a14:hiddenLine xmlns="" xmlns:a14="http://schemas.microsoft.com/office/drawing/2010/main" w="9525">
                     <a:solidFill>
                       <a:srgbClr val="000000"/>
                     </a:solidFill>
@@ -9473,7 +9473,7 @@
               </a:ln>
               <a:extLst>
                 <a:ext uri="{91240B29-F687-4f45-9708-019B960494DF}">
-                  <a14:hiddenLine xmlns:a14="http://schemas.microsoft.com/office/drawing/2010/main" xmlns="" w="9525">
+                  <a14:hiddenLine xmlns="" xmlns:a14="http://schemas.microsoft.com/office/drawing/2010/main" w="9525">
                     <a:solidFill>
                       <a:srgbClr val="000000"/>
                     </a:solidFill>
@@ -9535,7 +9535,7 @@
               </a:ln>
               <a:extLst>
                 <a:ext uri="{91240B29-F687-4f45-9708-019B960494DF}">
-                  <a14:hiddenLine xmlns:a14="http://schemas.microsoft.com/office/drawing/2010/main" xmlns="" w="9525">
+                  <a14:hiddenLine xmlns="" xmlns:a14="http://schemas.microsoft.com/office/drawing/2010/main" w="9525">
                     <a:solidFill>
                       <a:srgbClr val="000000"/>
                     </a:solidFill>
@@ -9597,7 +9597,7 @@
               </a:ln>
               <a:extLst>
                 <a:ext uri="{91240B29-F687-4f45-9708-019B960494DF}">
-                  <a14:hiddenLine xmlns:a14="http://schemas.microsoft.com/office/drawing/2010/main" xmlns="" w="9525">
+                  <a14:hiddenLine xmlns="" xmlns:a14="http://schemas.microsoft.com/office/drawing/2010/main" w="9525">
                     <a:solidFill>
                       <a:srgbClr val="000000"/>
                     </a:solidFill>
@@ -9687,7 +9687,7 @@
               </a:ln>
               <a:extLst>
                 <a:ext uri="{91240B29-F687-4f45-9708-019B960494DF}">
-                  <a14:hiddenLine xmlns:a14="http://schemas.microsoft.com/office/drawing/2010/main" xmlns="" w="9525">
+                  <a14:hiddenLine xmlns="" xmlns:a14="http://schemas.microsoft.com/office/drawing/2010/main" w="9525">
                     <a:solidFill>
                       <a:srgbClr val="000000"/>
                     </a:solidFill>
@@ -9777,7 +9777,7 @@
               </a:ln>
               <a:extLst>
                 <a:ext uri="{91240B29-F687-4f45-9708-019B960494DF}">
-                  <a14:hiddenLine xmlns:a14="http://schemas.microsoft.com/office/drawing/2010/main" xmlns="" w="9525">
+                  <a14:hiddenLine xmlns="" xmlns:a14="http://schemas.microsoft.com/office/drawing/2010/main" w="9525">
                     <a:solidFill>
                       <a:srgbClr val="000000"/>
                     </a:solidFill>
@@ -9839,7 +9839,7 @@
               </a:ln>
               <a:extLst>
                 <a:ext uri="{91240B29-F687-4f45-9708-019B960494DF}">
-                  <a14:hiddenLine xmlns:a14="http://schemas.microsoft.com/office/drawing/2010/main" xmlns="" w="9525">
+                  <a14:hiddenLine xmlns="" xmlns:a14="http://schemas.microsoft.com/office/drawing/2010/main" w="9525">
                     <a:solidFill>
                       <a:srgbClr val="000000"/>
                     </a:solidFill>
@@ -9949,7 +9949,7 @@
               </a:ln>
               <a:extLst>
                 <a:ext uri="{91240B29-F687-4f45-9708-019B960494DF}">
-                  <a14:hiddenLine xmlns:a14="http://schemas.microsoft.com/office/drawing/2010/main" xmlns="" w="9525">
+                  <a14:hiddenLine xmlns="" xmlns:a14="http://schemas.microsoft.com/office/drawing/2010/main" w="9525">
                     <a:solidFill>
                       <a:srgbClr val="000000"/>
                     </a:solidFill>
@@ -10033,7 +10033,7 @@
               </a:ln>
               <a:extLst>
                 <a:ext uri="{91240B29-F687-4f45-9708-019B960494DF}">
-                  <a14:hiddenLine xmlns:a14="http://schemas.microsoft.com/office/drawing/2010/main" xmlns="" w="9525">
+                  <a14:hiddenLine xmlns="" xmlns:a14="http://schemas.microsoft.com/office/drawing/2010/main" w="9525">
                     <a:solidFill>
                       <a:srgbClr val="000000"/>
                     </a:solidFill>
@@ -10095,7 +10095,7 @@
               </a:ln>
               <a:extLst>
                 <a:ext uri="{91240B29-F687-4f45-9708-019B960494DF}">
-                  <a14:hiddenLine xmlns:a14="http://schemas.microsoft.com/office/drawing/2010/main" xmlns="" w="9525">
+                  <a14:hiddenLine xmlns="" xmlns:a14="http://schemas.microsoft.com/office/drawing/2010/main" w="9525">
                     <a:solidFill>
                       <a:srgbClr val="000000"/>
                     </a:solidFill>
@@ -10157,7 +10157,7 @@
               </a:ln>
               <a:extLst>
                 <a:ext uri="{91240B29-F687-4f45-9708-019B960494DF}">
-                  <a14:hiddenLine xmlns:a14="http://schemas.microsoft.com/office/drawing/2010/main" xmlns="" w="9525">
+                  <a14:hiddenLine xmlns="" xmlns:a14="http://schemas.microsoft.com/office/drawing/2010/main" w="9525">
                     <a:solidFill>
                       <a:srgbClr val="000000"/>
                     </a:solidFill>
@@ -10247,7 +10247,7 @@
               </a:ln>
               <a:extLst>
                 <a:ext uri="{91240B29-F687-4f45-9708-019B960494DF}">
-                  <a14:hiddenLine xmlns:a14="http://schemas.microsoft.com/office/drawing/2010/main" xmlns="" w="9525">
+                  <a14:hiddenLine xmlns="" xmlns:a14="http://schemas.microsoft.com/office/drawing/2010/main" w="9525">
                     <a:solidFill>
                       <a:srgbClr val="000000"/>
                     </a:solidFill>
@@ -10281,7 +10281,7 @@
               </a:ln>
               <a:extLst>
                 <a:ext uri="{91240B29-F687-4f45-9708-019B960494DF}">
-                  <a14:hiddenLine xmlns:a14="http://schemas.microsoft.com/office/drawing/2010/main" xmlns="" w="9525">
+                  <a14:hiddenLine xmlns="" xmlns:a14="http://schemas.microsoft.com/office/drawing/2010/main" w="9525">
                     <a:solidFill>
                       <a:srgbClr val="000000"/>
                     </a:solidFill>
@@ -10346,7 +10346,7 @@
               </a:ln>
               <a:extLst>
                 <a:ext uri="{91240B29-F687-4f45-9708-019B960494DF}">
-                  <a14:hiddenLine xmlns:a14="http://schemas.microsoft.com/office/drawing/2010/main" xmlns="" w="9525">
+                  <a14:hiddenLine xmlns="" xmlns:a14="http://schemas.microsoft.com/office/drawing/2010/main" w="9525">
                     <a:solidFill>
                       <a:srgbClr val="000000"/>
                     </a:solidFill>
@@ -10436,7 +10436,7 @@
               </a:ln>
               <a:extLst>
                 <a:ext uri="{91240B29-F687-4f45-9708-019B960494DF}">
-                  <a14:hiddenLine xmlns:a14="http://schemas.microsoft.com/office/drawing/2010/main" xmlns="" w="9525">
+                  <a14:hiddenLine xmlns="" xmlns:a14="http://schemas.microsoft.com/office/drawing/2010/main" w="9525">
                     <a:solidFill>
                       <a:srgbClr val="000000"/>
                     </a:solidFill>
@@ -10498,7 +10498,7 @@
               </a:ln>
               <a:extLst>
                 <a:ext uri="{91240B29-F687-4f45-9708-019B960494DF}">
-                  <a14:hiddenLine xmlns:a14="http://schemas.microsoft.com/office/drawing/2010/main" xmlns="" w="9525">
+                  <a14:hiddenLine xmlns="" xmlns:a14="http://schemas.microsoft.com/office/drawing/2010/main" w="9525">
                     <a:solidFill>
                       <a:srgbClr val="000000"/>
                     </a:solidFill>
@@ -10588,7 +10588,7 @@
               </a:ln>
               <a:extLst>
                 <a:ext uri="{91240B29-F687-4f45-9708-019B960494DF}">
-                  <a14:hiddenLine xmlns:a14="http://schemas.microsoft.com/office/drawing/2010/main" xmlns="" w="9525">
+                  <a14:hiddenLine xmlns="" xmlns:a14="http://schemas.microsoft.com/office/drawing/2010/main" w="9525">
                     <a:solidFill>
                       <a:srgbClr val="000000"/>
                     </a:solidFill>
@@ -10653,7 +10653,7 @@
               </a:ln>
               <a:extLst>
                 <a:ext uri="{91240B29-F687-4f45-9708-019B960494DF}">
-                  <a14:hiddenLine xmlns:a14="http://schemas.microsoft.com/office/drawing/2010/main" xmlns="" w="9525">
+                  <a14:hiddenLine xmlns="" xmlns:a14="http://schemas.microsoft.com/office/drawing/2010/main" w="9525">
                     <a:solidFill>
                       <a:srgbClr val="000000"/>
                     </a:solidFill>
@@ -10715,7 +10715,7 @@
               </a:ln>
               <a:extLst>
                 <a:ext uri="{91240B29-F687-4f45-9708-019B960494DF}">
-                  <a14:hiddenLine xmlns:a14="http://schemas.microsoft.com/office/drawing/2010/main" xmlns="" w="9525">
+                  <a14:hiddenLine xmlns="" xmlns:a14="http://schemas.microsoft.com/office/drawing/2010/main" w="9525">
                     <a:solidFill>
                       <a:srgbClr val="000000"/>
                     </a:solidFill>
@@ -10805,7 +10805,7 @@
               </a:ln>
               <a:extLst>
                 <a:ext uri="{91240B29-F687-4f45-9708-019B960494DF}">
-                  <a14:hiddenLine xmlns:a14="http://schemas.microsoft.com/office/drawing/2010/main" xmlns="" w="9525">
+                  <a14:hiddenLine xmlns="" xmlns:a14="http://schemas.microsoft.com/office/drawing/2010/main" w="9525">
                     <a:solidFill>
                       <a:srgbClr val="000000"/>
                     </a:solidFill>
@@ -10895,7 +10895,7 @@
               </a:ln>
               <a:extLst>
                 <a:ext uri="{91240B29-F687-4f45-9708-019B960494DF}">
-                  <a14:hiddenLine xmlns:a14="http://schemas.microsoft.com/office/drawing/2010/main" xmlns="" w="9525">
+                  <a14:hiddenLine xmlns="" xmlns:a14="http://schemas.microsoft.com/office/drawing/2010/main" w="9525">
                     <a:solidFill>
                       <a:srgbClr val="000000"/>
                     </a:solidFill>
@@ -10960,7 +10960,7 @@
               </a:ln>
               <a:extLst>
                 <a:ext uri="{91240B29-F687-4f45-9708-019B960494DF}">
-                  <a14:hiddenLine xmlns:a14="http://schemas.microsoft.com/office/drawing/2010/main" xmlns="" w="9525">
+                  <a14:hiddenLine xmlns="" xmlns:a14="http://schemas.microsoft.com/office/drawing/2010/main" w="9525">
                     <a:solidFill>
                       <a:srgbClr val="000000"/>
                     </a:solidFill>
@@ -11080,7 +11080,7 @@
               </a:ln>
               <a:extLst>
                 <a:ext uri="{91240B29-F687-4f45-9708-019B960494DF}">
-                  <a14:hiddenLine xmlns:a14="http://schemas.microsoft.com/office/drawing/2010/main" xmlns="" w="9525">
+                  <a14:hiddenLine xmlns="" xmlns:a14="http://schemas.microsoft.com/office/drawing/2010/main" w="9525">
                     <a:solidFill>
                       <a:srgbClr val="000000"/>
                     </a:solidFill>
@@ -11178,7 +11178,7 @@
               </a:ln>
               <a:extLst>
                 <a:ext uri="{91240B29-F687-4f45-9708-019B960494DF}">
-                  <a14:hiddenLine xmlns:a14="http://schemas.microsoft.com/office/drawing/2010/main" xmlns="" w="9525">
+                  <a14:hiddenLine xmlns="" xmlns:a14="http://schemas.microsoft.com/office/drawing/2010/main" w="9525">
                     <a:solidFill>
                       <a:srgbClr val="000000"/>
                     </a:solidFill>
@@ -11293,7 +11293,7 @@
               </a:ln>
               <a:extLst>
                 <a:ext uri="{91240B29-F687-4f45-9708-019B960494DF}">
-                  <a14:hiddenLine xmlns:a14="http://schemas.microsoft.com/office/drawing/2010/main" xmlns="" w="9525">
+                  <a14:hiddenLine xmlns="" xmlns:a14="http://schemas.microsoft.com/office/drawing/2010/main" w="9525">
                     <a:solidFill>
                       <a:srgbClr val="000000"/>
                     </a:solidFill>
@@ -11383,7 +11383,7 @@
               </a:ln>
               <a:extLst>
                 <a:ext uri="{91240B29-F687-4f45-9708-019B960494DF}">
-                  <a14:hiddenLine xmlns:a14="http://schemas.microsoft.com/office/drawing/2010/main" xmlns="" w="9525">
+                  <a14:hiddenLine xmlns="" xmlns:a14="http://schemas.microsoft.com/office/drawing/2010/main" w="9525">
                     <a:solidFill>
                       <a:srgbClr val="000000"/>
                     </a:solidFill>
@@ -11448,7 +11448,7 @@
               </a:ln>
               <a:extLst>
                 <a:ext uri="{91240B29-F687-4f45-9708-019B960494DF}">
-                  <a14:hiddenLine xmlns:a14="http://schemas.microsoft.com/office/drawing/2010/main" xmlns="" w="9525">
+                  <a14:hiddenLine xmlns="" xmlns:a14="http://schemas.microsoft.com/office/drawing/2010/main" w="9525">
                     <a:solidFill>
                       <a:srgbClr val="000000"/>
                     </a:solidFill>
@@ -11538,7 +11538,7 @@
               </a:ln>
               <a:extLst>
                 <a:ext uri="{91240B29-F687-4f45-9708-019B960494DF}">
-                  <a14:hiddenLine xmlns:a14="http://schemas.microsoft.com/office/drawing/2010/main" xmlns="" w="9525">
+                  <a14:hiddenLine xmlns="" xmlns:a14="http://schemas.microsoft.com/office/drawing/2010/main" w="9525">
                     <a:solidFill>
                       <a:srgbClr val="000000"/>
                     </a:solidFill>
@@ -11606,7 +11606,7 @@
               </a:ln>
               <a:extLst>
                 <a:ext uri="{91240B29-F687-4f45-9708-019B960494DF}">
-                  <a14:hiddenLine xmlns:a14="http://schemas.microsoft.com/office/drawing/2010/main" xmlns="" w="9525">
+                  <a14:hiddenLine xmlns="" xmlns:a14="http://schemas.microsoft.com/office/drawing/2010/main" w="9525">
                     <a:solidFill>
                       <a:srgbClr val="000000"/>
                     </a:solidFill>
@@ -11696,7 +11696,7 @@
               </a:ln>
               <a:extLst>
                 <a:ext uri="{91240B29-F687-4f45-9708-019B960494DF}">
-                  <a14:hiddenLine xmlns:a14="http://schemas.microsoft.com/office/drawing/2010/main" xmlns="" w="9525">
+                  <a14:hiddenLine xmlns="" xmlns:a14="http://schemas.microsoft.com/office/drawing/2010/main" w="9525">
                     <a:solidFill>
                       <a:srgbClr val="000000"/>
                     </a:solidFill>
@@ -11764,7 +11764,7 @@
               </a:ln>
               <a:extLst>
                 <a:ext uri="{91240B29-F687-4f45-9708-019B960494DF}">
-                  <a14:hiddenLine xmlns:a14="http://schemas.microsoft.com/office/drawing/2010/main" xmlns="" w="9525">
+                  <a14:hiddenLine xmlns="" xmlns:a14="http://schemas.microsoft.com/office/drawing/2010/main" w="9525">
                     <a:solidFill>
                       <a:srgbClr val="000000"/>
                     </a:solidFill>
@@ -11854,7 +11854,7 @@
               </a:ln>
               <a:extLst>
                 <a:ext uri="{91240B29-F687-4f45-9708-019B960494DF}">
-                  <a14:hiddenLine xmlns:a14="http://schemas.microsoft.com/office/drawing/2010/main" xmlns="" w="9525">
+                  <a14:hiddenLine xmlns="" xmlns:a14="http://schemas.microsoft.com/office/drawing/2010/main" w="9525">
                     <a:solidFill>
                       <a:srgbClr val="000000"/>
                     </a:solidFill>
@@ -11888,7 +11888,7 @@
               </a:ln>
               <a:extLst>
                 <a:ext uri="{91240B29-F687-4f45-9708-019B960494DF}">
-                  <a14:hiddenLine xmlns:a14="http://schemas.microsoft.com/office/drawing/2010/main" xmlns="" w="9525">
+                  <a14:hiddenLine xmlns="" xmlns:a14="http://schemas.microsoft.com/office/drawing/2010/main" w="9525">
                     <a:solidFill>
                       <a:srgbClr val="000000"/>
                     </a:solidFill>
@@ -12028,7 +12028,7 @@
           <a:p>
             <a:fld id="{5524D296-0460-4634-A626-0E9261899428}" type="datetimeFigureOut">
               <a:rPr lang="en-US" smtClean="0"/>
-              <a:t>11/23/2023</a:t>
+              <a:t>11/24/2023</a:t>
             </a:fld>
             <a:endParaRPr lang="en-US"/>
           </a:p>
@@ -12448,668 +12448,374 @@
           <a:chExt cx="0" cy="0"/>
         </a:xfrm>
       </p:grpSpPr>
-      <p:sp>
-        <p:nvSpPr>
-          <p:cNvPr id="3" name="Subtitle 2">
+      <p:pic>
+        <p:nvPicPr>
+          <p:cNvPr id="5" name="Picture 4">
             <a:extLst>
               <a:ext uri="{FF2B5EF4-FFF2-40B4-BE49-F238E27FC236}">
-                <a16:creationId xmlns:a16="http://schemas.microsoft.com/office/drawing/2014/main" id="{60DB3748-48D4-4BCD-6971-6BA5A9680932}"/>
+                <a16:creationId xmlns:a16="http://schemas.microsoft.com/office/drawing/2014/main" id="{0F9567A7-A090-152A-0E8B-093E0C58591C}"/>
+              </a:ext>
+              <a:ext uri="{C183D7F6-B498-43B3-948B-1728B52AA6E4}">
+                <adec:decorative xmlns:adec="http://schemas.microsoft.com/office/drawing/2017/decorative" val="1"/>
               </a:ext>
             </a:extLst>
           </p:cNvPr>
-          <p:cNvSpPr>
-            <a:spLocks noGrp="1"/>
-          </p:cNvSpPr>
-          <p:nvPr>
-            <p:ph type="subTitle" idx="1"/>
-          </p:nvPr>
+          <p:cNvPicPr>
+            <a:picLocks noChangeAspect="1"/>
+          </p:cNvPicPr>
+          <p:nvPr/>
+        </p:nvPicPr>
+        <p:blipFill rotWithShape="1">
+          <a:blip r:embed="rId2"/>
+          <a:srcRect r="52444" b="-1"/>
+          <a:stretch/>
+        </p:blipFill>
+        <p:spPr>
+          <a:xfrm>
+            <a:off x="20" y="0"/>
+            <a:ext cx="12191980" cy="6858000"/>
+          </a:xfrm>
+          <a:prstGeom prst="rect">
+            <a:avLst/>
+          </a:prstGeom>
+        </p:spPr>
+      </p:pic>
+      <p:sp>
+        <p:nvSpPr>
+          <p:cNvPr id="6" name="Rectangle 5">
+            <a:extLst>
+              <a:ext uri="{FF2B5EF4-FFF2-40B4-BE49-F238E27FC236}">
+                <a16:creationId xmlns:a16="http://schemas.microsoft.com/office/drawing/2014/main" id="{267EA952-7837-5B95-128E-8A6E5A88C7F9}"/>
+              </a:ext>
+            </a:extLst>
+          </p:cNvPr>
+          <p:cNvSpPr/>
+          <p:nvPr/>
         </p:nvSpPr>
         <p:spPr>
           <a:xfrm>
-            <a:off x="2540000" y="3597026"/>
-            <a:ext cx="7742334" cy="2365236"/>
+            <a:off x="5494867" y="4470400"/>
+            <a:ext cx="6697133" cy="1295400"/>
           </a:xfrm>
+          <a:prstGeom prst="rect">
+            <a:avLst/>
+          </a:prstGeom>
+          <a:solidFill>
+            <a:schemeClr val="bg2"/>
+          </a:solidFill>
         </p:spPr>
+        <p:style>
+          <a:lnRef idx="2">
+            <a:schemeClr val="accent1">
+              <a:shade val="15000"/>
+            </a:schemeClr>
+          </a:lnRef>
+          <a:fillRef idx="1">
+            <a:schemeClr val="accent1"/>
+          </a:fillRef>
+          <a:effectRef idx="0">
+            <a:schemeClr val="accent1"/>
+          </a:effectRef>
+          <a:fontRef idx="minor">
+            <a:schemeClr val="lt1"/>
+          </a:fontRef>
+        </p:style>
         <p:txBody>
-          <a:bodyPr>
-            <a:noAutofit/>
-          </a:bodyPr>
+          <a:bodyPr rtlCol="0" anchor="ctr"/>
           <a:lstStyle/>
           <a:p>
-            <a:pPr algn="l"/>
-            <a:r>
-              <a:rPr lang="en-US" sz="1600" b="1" i="0" dirty="0">
-                <a:solidFill>
-                  <a:srgbClr val="0F0F0F"/>
-                </a:solidFill>
-                <a:effectLst/>
-                <a:latin typeface="Söhne"/>
-              </a:rPr>
-              <a:t>GPT-3 (Generative Pre-trained Transformer 3):</a:t>
-            </a:r>
-            <a:endParaRPr lang="en-US" sz="1600" b="0" i="0" dirty="0">
+            <a:pPr algn="ctr"/>
+            <a:endParaRPr lang="en-US">
+              <a:ln>
+                <a:solidFill>
+                  <a:schemeClr val="bg1"/>
+                </a:solidFill>
+              </a:ln>
               <a:solidFill>
-                <a:srgbClr val="0F0F0F"/>
+                <a:schemeClr val="bg1"/>
               </a:solidFill>
-              <a:effectLst/>
-              <a:latin typeface="Söhne"/>
-            </a:endParaRPr>
-          </a:p>
-          <a:p>
-            <a:pPr algn="l">
-              <a:buFont typeface="Arial" panose="020B0604020202020204" pitchFamily="34" charset="0"/>
-              <a:buChar char="•"/>
-            </a:pPr>
-            <a:r>
-              <a:rPr lang="en-US" sz="1600" b="0" i="0" dirty="0">
-                <a:solidFill>
-                  <a:srgbClr val="0F0F0F"/>
-                </a:solidFill>
-                <a:effectLst/>
-                <a:latin typeface="Söhne"/>
-              </a:rPr>
-              <a:t>OpenAI </a:t>
-            </a:r>
-            <a:r>
-              <a:rPr lang="en-US" sz="1600" b="0" i="0" dirty="0" err="1">
-                <a:solidFill>
-                  <a:srgbClr val="0F0F0F"/>
-                </a:solidFill>
-                <a:effectLst/>
-                <a:latin typeface="Söhne"/>
-              </a:rPr>
-              <a:t>tomonidan</a:t>
-            </a:r>
-            <a:r>
-              <a:rPr lang="en-US" sz="1600" b="0" i="0" dirty="0">
-                <a:solidFill>
-                  <a:srgbClr val="0F0F0F"/>
-                </a:solidFill>
-                <a:effectLst/>
-                <a:latin typeface="Söhne"/>
-              </a:rPr>
-              <a:t> </a:t>
-            </a:r>
-            <a:r>
-              <a:rPr lang="en-US" sz="1600" b="0" i="0" dirty="0" err="1">
-                <a:solidFill>
-                  <a:srgbClr val="0F0F0F"/>
-                </a:solidFill>
-                <a:effectLst/>
-                <a:latin typeface="Söhne"/>
-              </a:rPr>
-              <a:t>ishlab</a:t>
-            </a:r>
-            <a:r>
-              <a:rPr lang="en-US" sz="1600" b="0" i="0" dirty="0">
-                <a:solidFill>
-                  <a:srgbClr val="0F0F0F"/>
-                </a:solidFill>
-                <a:effectLst/>
-                <a:latin typeface="Söhne"/>
-              </a:rPr>
-              <a:t> </a:t>
-            </a:r>
-            <a:r>
-              <a:rPr lang="en-US" sz="1600" b="0" i="0" dirty="0" err="1">
-                <a:solidFill>
-                  <a:srgbClr val="0F0F0F"/>
-                </a:solidFill>
-                <a:effectLst/>
-                <a:latin typeface="Söhne"/>
-              </a:rPr>
-              <a:t>chiqilgan</a:t>
-            </a:r>
-            <a:r>
-              <a:rPr lang="en-US" sz="1600" b="0" i="0" dirty="0">
-                <a:solidFill>
-                  <a:srgbClr val="0F0F0F"/>
-                </a:solidFill>
-                <a:effectLst/>
-                <a:latin typeface="Söhne"/>
-              </a:rPr>
-              <a:t> GPT-3, </a:t>
-            </a:r>
-            <a:r>
-              <a:rPr lang="en-US" sz="1600" b="0" i="0" dirty="0" err="1">
-                <a:solidFill>
-                  <a:srgbClr val="0F0F0F"/>
-                </a:solidFill>
-                <a:effectLst/>
-                <a:latin typeface="Söhne"/>
-              </a:rPr>
-              <a:t>dunyodagi</a:t>
-            </a:r>
-            <a:r>
-              <a:rPr lang="en-US" sz="1600" b="0" i="0" dirty="0">
-                <a:solidFill>
-                  <a:srgbClr val="0F0F0F"/>
-                </a:solidFill>
-                <a:effectLst/>
-                <a:latin typeface="Söhne"/>
-              </a:rPr>
-              <a:t> </a:t>
-            </a:r>
-            <a:r>
-              <a:rPr lang="en-US" sz="1600" b="0" i="0" dirty="0" err="1">
-                <a:solidFill>
-                  <a:srgbClr val="0F0F0F"/>
-                </a:solidFill>
-                <a:effectLst/>
-                <a:latin typeface="Söhne"/>
-              </a:rPr>
-              <a:t>eng</a:t>
-            </a:r>
-            <a:r>
-              <a:rPr lang="en-US" sz="1600" b="0" i="0" dirty="0">
-                <a:solidFill>
-                  <a:srgbClr val="0F0F0F"/>
-                </a:solidFill>
-                <a:effectLst/>
-                <a:latin typeface="Söhne"/>
-              </a:rPr>
-              <a:t> </a:t>
-            </a:r>
-            <a:r>
-              <a:rPr lang="en-US" sz="1600" b="0" i="0" dirty="0" err="1">
-                <a:solidFill>
-                  <a:srgbClr val="0F0F0F"/>
-                </a:solidFill>
-                <a:effectLst/>
-                <a:latin typeface="Söhne"/>
-              </a:rPr>
-              <a:t>katta</a:t>
-            </a:r>
-            <a:r>
-              <a:rPr lang="en-US" sz="1600" b="0" i="0" dirty="0">
-                <a:solidFill>
-                  <a:srgbClr val="0F0F0F"/>
-                </a:solidFill>
-                <a:effectLst/>
-                <a:latin typeface="Söhne"/>
-              </a:rPr>
-              <a:t> </a:t>
-            </a:r>
-            <a:r>
-              <a:rPr lang="en-US" sz="1600" b="0" i="0" dirty="0" err="1">
-                <a:solidFill>
-                  <a:srgbClr val="0F0F0F"/>
-                </a:solidFill>
-                <a:effectLst/>
-                <a:latin typeface="Söhne"/>
-              </a:rPr>
-              <a:t>ma'lumotlar</a:t>
-            </a:r>
-            <a:r>
-              <a:rPr lang="en-US" sz="1600" b="0" i="0" dirty="0">
-                <a:solidFill>
-                  <a:srgbClr val="0F0F0F"/>
-                </a:solidFill>
-                <a:effectLst/>
-                <a:latin typeface="Söhne"/>
-              </a:rPr>
-              <a:t> </a:t>
-            </a:r>
-            <a:r>
-              <a:rPr lang="en-US" sz="1600" b="0" i="0" dirty="0" err="1">
-                <a:solidFill>
-                  <a:srgbClr val="0F0F0F"/>
-                </a:solidFill>
-                <a:effectLst/>
-                <a:latin typeface="Söhne"/>
-              </a:rPr>
-              <a:t>bazasiga</a:t>
-            </a:r>
-            <a:r>
-              <a:rPr lang="en-US" sz="1600" b="0" i="0" dirty="0">
-                <a:solidFill>
-                  <a:srgbClr val="0F0F0F"/>
-                </a:solidFill>
-                <a:effectLst/>
-                <a:latin typeface="Söhne"/>
-              </a:rPr>
-              <a:t> </a:t>
-            </a:r>
-            <a:r>
-              <a:rPr lang="en-US" sz="1600" b="0" i="0" dirty="0" err="1">
-                <a:solidFill>
-                  <a:srgbClr val="0F0F0F"/>
-                </a:solidFill>
-                <a:effectLst/>
-                <a:latin typeface="Söhne"/>
-              </a:rPr>
-              <a:t>ega</a:t>
-            </a:r>
-            <a:r>
-              <a:rPr lang="en-US" sz="1600" b="0" i="0" dirty="0">
-                <a:solidFill>
-                  <a:srgbClr val="0F0F0F"/>
-                </a:solidFill>
-                <a:effectLst/>
-                <a:latin typeface="Söhne"/>
-              </a:rPr>
-              <a:t> </a:t>
-            </a:r>
-            <a:r>
-              <a:rPr lang="en-US" sz="1600" b="0" i="0" dirty="0" err="1">
-                <a:solidFill>
-                  <a:srgbClr val="0F0F0F"/>
-                </a:solidFill>
-                <a:effectLst/>
-                <a:latin typeface="Söhne"/>
-              </a:rPr>
-              <a:t>bo'lgan</a:t>
-            </a:r>
-            <a:r>
-              <a:rPr lang="en-US" sz="1600" b="0" i="0" dirty="0">
-                <a:solidFill>
-                  <a:srgbClr val="0F0F0F"/>
-                </a:solidFill>
-                <a:effectLst/>
-                <a:latin typeface="Söhne"/>
-              </a:rPr>
-              <a:t> </a:t>
-            </a:r>
-            <a:r>
-              <a:rPr lang="en-US" sz="1600" b="0" i="0" dirty="0" err="1">
-                <a:solidFill>
-                  <a:srgbClr val="0F0F0F"/>
-                </a:solidFill>
-                <a:effectLst/>
-                <a:latin typeface="Söhne"/>
-              </a:rPr>
-              <a:t>Sun'iy</a:t>
-            </a:r>
-            <a:r>
-              <a:rPr lang="en-US" sz="1600" b="0" i="0" dirty="0">
-                <a:solidFill>
-                  <a:srgbClr val="0F0F0F"/>
-                </a:solidFill>
-                <a:effectLst/>
-                <a:latin typeface="Söhne"/>
-              </a:rPr>
-              <a:t> </a:t>
-            </a:r>
-            <a:r>
-              <a:rPr lang="en-US" sz="1600" b="0" i="0" dirty="0" err="1">
-                <a:solidFill>
-                  <a:srgbClr val="0F0F0F"/>
-                </a:solidFill>
-                <a:effectLst/>
-                <a:latin typeface="Söhne"/>
-              </a:rPr>
-              <a:t>intellekt</a:t>
-            </a:r>
-            <a:r>
-              <a:rPr lang="en-US" sz="1600" b="0" i="0" dirty="0">
-                <a:solidFill>
-                  <a:srgbClr val="0F0F0F"/>
-                </a:solidFill>
-                <a:effectLst/>
-                <a:latin typeface="Söhne"/>
-              </a:rPr>
-              <a:t> </a:t>
-            </a:r>
-            <a:r>
-              <a:rPr lang="en-US" sz="1600" b="0" i="0" dirty="0" err="1">
-                <a:solidFill>
-                  <a:srgbClr val="0F0F0F"/>
-                </a:solidFill>
-                <a:effectLst/>
-                <a:latin typeface="Söhne"/>
-              </a:rPr>
-              <a:t>modellardan</a:t>
-            </a:r>
-            <a:r>
-              <a:rPr lang="en-US" sz="1600" b="0" i="0" dirty="0">
-                <a:solidFill>
-                  <a:srgbClr val="0F0F0F"/>
-                </a:solidFill>
-                <a:effectLst/>
-                <a:latin typeface="Söhne"/>
-              </a:rPr>
-              <a:t> </a:t>
-            </a:r>
-            <a:r>
-              <a:rPr lang="en-US" sz="1600" b="0" i="0" dirty="0" err="1">
-                <a:solidFill>
-                  <a:srgbClr val="0F0F0F"/>
-                </a:solidFill>
-                <a:effectLst/>
-                <a:latin typeface="Söhne"/>
-              </a:rPr>
-              <a:t>biridir</a:t>
-            </a:r>
-            <a:r>
-              <a:rPr lang="en-US" sz="1600" b="0" i="0" dirty="0">
-                <a:solidFill>
-                  <a:srgbClr val="0F0F0F"/>
-                </a:solidFill>
-                <a:effectLst/>
-                <a:latin typeface="Söhne"/>
-              </a:rPr>
-              <a:t>.</a:t>
-            </a:r>
-          </a:p>
-          <a:p>
-            <a:pPr algn="l">
-              <a:buFont typeface="Arial" panose="020B0604020202020204" pitchFamily="34" charset="0"/>
-              <a:buChar char="•"/>
-            </a:pPr>
-            <a:r>
-              <a:rPr lang="en-US" sz="1600" b="0" i="0" dirty="0">
-                <a:solidFill>
-                  <a:srgbClr val="0F0F0F"/>
-                </a:solidFill>
-                <a:effectLst/>
-                <a:latin typeface="Söhne"/>
-              </a:rPr>
-              <a:t>GPT-3 </a:t>
-            </a:r>
-            <a:r>
-              <a:rPr lang="en-US" sz="1600" b="0" i="0" dirty="0" err="1">
-                <a:solidFill>
-                  <a:srgbClr val="0F0F0F"/>
-                </a:solidFill>
-                <a:effectLst/>
-                <a:latin typeface="Söhne"/>
-              </a:rPr>
-              <a:t>matn</a:t>
-            </a:r>
-            <a:r>
-              <a:rPr lang="en-US" sz="1600" b="0" i="0" dirty="0">
-                <a:solidFill>
-                  <a:srgbClr val="0F0F0F"/>
-                </a:solidFill>
-                <a:effectLst/>
-                <a:latin typeface="Söhne"/>
-              </a:rPr>
-              <a:t>, </a:t>
-            </a:r>
-            <a:r>
-              <a:rPr lang="en-US" sz="1600" b="0" i="0" dirty="0" err="1">
-                <a:solidFill>
-                  <a:srgbClr val="0F0F0F"/>
-                </a:solidFill>
-                <a:effectLst/>
-                <a:latin typeface="Söhne"/>
-              </a:rPr>
-              <a:t>tasviriy</a:t>
-            </a:r>
-            <a:r>
-              <a:rPr lang="en-US" sz="1600" b="0" i="0" dirty="0">
-                <a:solidFill>
-                  <a:srgbClr val="0F0F0F"/>
-                </a:solidFill>
-                <a:effectLst/>
-                <a:latin typeface="Söhne"/>
-              </a:rPr>
-              <a:t> </a:t>
-            </a:r>
-            <a:r>
-              <a:rPr lang="en-US" sz="1600" b="0" i="0" dirty="0" err="1">
-                <a:solidFill>
-                  <a:srgbClr val="0F0F0F"/>
-                </a:solidFill>
-                <a:effectLst/>
-                <a:latin typeface="Söhne"/>
-              </a:rPr>
-              <a:t>ma'lumotlar</a:t>
-            </a:r>
-            <a:r>
-              <a:rPr lang="en-US" sz="1600" b="0" i="0" dirty="0">
-                <a:solidFill>
-                  <a:srgbClr val="0F0F0F"/>
-                </a:solidFill>
-                <a:effectLst/>
-                <a:latin typeface="Söhne"/>
-              </a:rPr>
-              <a:t> </a:t>
-            </a:r>
-            <a:r>
-              <a:rPr lang="en-US" sz="1600" b="0" i="0" dirty="0" err="1">
-                <a:solidFill>
-                  <a:srgbClr val="0F0F0F"/>
-                </a:solidFill>
-                <a:effectLst/>
-                <a:latin typeface="Söhne"/>
-              </a:rPr>
-              <a:t>va</a:t>
-            </a:r>
-            <a:r>
-              <a:rPr lang="en-US" sz="1600" b="0" i="0" dirty="0">
-                <a:solidFill>
-                  <a:srgbClr val="0F0F0F"/>
-                </a:solidFill>
-                <a:effectLst/>
-                <a:latin typeface="Söhne"/>
-              </a:rPr>
-              <a:t> </a:t>
-            </a:r>
-            <a:r>
-              <a:rPr lang="en-US" sz="1600" b="0" i="0" dirty="0" err="1">
-                <a:solidFill>
-                  <a:srgbClr val="0F0F0F"/>
-                </a:solidFill>
-                <a:effectLst/>
-                <a:latin typeface="Söhne"/>
-              </a:rPr>
-              <a:t>boshqa</a:t>
-            </a:r>
-            <a:r>
-              <a:rPr lang="en-US" sz="1600" b="0" i="0" dirty="0">
-                <a:solidFill>
-                  <a:srgbClr val="0F0F0F"/>
-                </a:solidFill>
-                <a:effectLst/>
-                <a:latin typeface="Söhne"/>
-              </a:rPr>
-              <a:t> </a:t>
-            </a:r>
-            <a:r>
-              <a:rPr lang="en-US" sz="1600" b="0" i="0" dirty="0" err="1">
-                <a:solidFill>
-                  <a:srgbClr val="0F0F0F"/>
-                </a:solidFill>
-                <a:effectLst/>
-                <a:latin typeface="Söhne"/>
-              </a:rPr>
-              <a:t>turlar</a:t>
-            </a:r>
-            <a:r>
-              <a:rPr lang="en-US" sz="1600" b="0" i="0" dirty="0">
-                <a:solidFill>
-                  <a:srgbClr val="0F0F0F"/>
-                </a:solidFill>
-                <a:effectLst/>
-                <a:latin typeface="Söhne"/>
-              </a:rPr>
-              <a:t> </a:t>
-            </a:r>
-            <a:r>
-              <a:rPr lang="en-US" sz="1600" b="0" i="0" dirty="0" err="1">
-                <a:solidFill>
-                  <a:srgbClr val="0F0F0F"/>
-                </a:solidFill>
-                <a:effectLst/>
-                <a:latin typeface="Söhne"/>
-              </a:rPr>
-              <a:t>bo'yicha</a:t>
-            </a:r>
-            <a:r>
-              <a:rPr lang="en-US" sz="1600" b="0" i="0" dirty="0">
-                <a:solidFill>
-                  <a:srgbClr val="0F0F0F"/>
-                </a:solidFill>
-                <a:effectLst/>
-                <a:latin typeface="Söhne"/>
-              </a:rPr>
-              <a:t> </a:t>
-            </a:r>
-            <a:r>
-              <a:rPr lang="en-US" sz="1600" b="0" i="0" dirty="0" err="1">
-                <a:solidFill>
-                  <a:srgbClr val="0F0F0F"/>
-                </a:solidFill>
-                <a:effectLst/>
-                <a:latin typeface="Söhne"/>
-              </a:rPr>
-              <a:t>eng</a:t>
-            </a:r>
-            <a:r>
-              <a:rPr lang="en-US" sz="1600" b="0" i="0" dirty="0">
-                <a:solidFill>
-                  <a:srgbClr val="0F0F0F"/>
-                </a:solidFill>
-                <a:effectLst/>
-                <a:latin typeface="Söhne"/>
-              </a:rPr>
-              <a:t> </a:t>
-            </a:r>
-            <a:r>
-              <a:rPr lang="en-US" sz="1600" b="0" i="0" dirty="0" err="1">
-                <a:solidFill>
-                  <a:srgbClr val="0F0F0F"/>
-                </a:solidFill>
-                <a:effectLst/>
-                <a:latin typeface="Söhne"/>
-              </a:rPr>
-              <a:t>taniqli</a:t>
-            </a:r>
-            <a:r>
-              <a:rPr lang="en-US" sz="1600" b="0" i="0" dirty="0">
-                <a:solidFill>
-                  <a:srgbClr val="0F0F0F"/>
-                </a:solidFill>
-                <a:effectLst/>
-                <a:latin typeface="Söhne"/>
-              </a:rPr>
-              <a:t> </a:t>
-            </a:r>
-            <a:r>
-              <a:rPr lang="en-US" sz="1600" b="0" i="0" dirty="0" err="1">
-                <a:solidFill>
-                  <a:srgbClr val="0F0F0F"/>
-                </a:solidFill>
-                <a:effectLst/>
-                <a:latin typeface="Söhne"/>
-              </a:rPr>
-              <a:t>loyihalardan</a:t>
-            </a:r>
-            <a:r>
-              <a:rPr lang="en-US" sz="1600" b="0" i="0" dirty="0">
-                <a:solidFill>
-                  <a:srgbClr val="0F0F0F"/>
-                </a:solidFill>
-                <a:effectLst/>
-                <a:latin typeface="Söhne"/>
-              </a:rPr>
-              <a:t> </a:t>
-            </a:r>
-            <a:r>
-              <a:rPr lang="en-US" sz="1600" b="0" i="0" dirty="0" err="1">
-                <a:solidFill>
-                  <a:srgbClr val="0F0F0F"/>
-                </a:solidFill>
-                <a:effectLst/>
-                <a:latin typeface="Söhne"/>
-              </a:rPr>
-              <a:t>biri</a:t>
-            </a:r>
-            <a:r>
-              <a:rPr lang="en-US" sz="1600" b="0" i="0" dirty="0">
-                <a:solidFill>
-                  <a:srgbClr val="0F0F0F"/>
-                </a:solidFill>
-                <a:effectLst/>
-                <a:latin typeface="Söhne"/>
-              </a:rPr>
-              <a:t> </a:t>
-            </a:r>
-            <a:r>
-              <a:rPr lang="en-US" sz="1600" b="0" i="0" dirty="0" err="1">
-                <a:solidFill>
-                  <a:srgbClr val="0F0F0F"/>
-                </a:solidFill>
-                <a:effectLst/>
-                <a:latin typeface="Söhne"/>
-              </a:rPr>
-              <a:t>hisoblanadi</a:t>
-            </a:r>
-            <a:r>
-              <a:rPr lang="en-US" sz="1600" b="0" i="0" dirty="0">
-                <a:solidFill>
-                  <a:srgbClr val="0F0F0F"/>
-                </a:solidFill>
-                <a:effectLst/>
-                <a:latin typeface="Söhne"/>
-              </a:rPr>
-              <a:t>.</a:t>
-            </a:r>
-          </a:p>
-          <a:p>
-            <a:pPr algn="l"/>
-            <a:endParaRPr lang="en-US" sz="1800" b="0" i="0" dirty="0">
-              <a:solidFill>
-                <a:schemeClr val="tx1"/>
-              </a:solidFill>
-              <a:effectLst/>
-              <a:latin typeface="Söhne"/>
             </a:endParaRPr>
           </a:p>
         </p:txBody>
       </p:sp>
-      <p:pic>
-        <p:nvPicPr>
-          <p:cNvPr id="2050" name="Picture 2">
+      <p:cxnSp>
+        <p:nvCxnSpPr>
+          <p:cNvPr id="8" name="Straight Connector 7">
             <a:extLst>
               <a:ext uri="{FF2B5EF4-FFF2-40B4-BE49-F238E27FC236}">
-                <a16:creationId xmlns:a16="http://schemas.microsoft.com/office/drawing/2014/main" id="{02E40CD1-937E-C99A-F00D-438936B51208}"/>
+                <a16:creationId xmlns:a16="http://schemas.microsoft.com/office/drawing/2014/main" id="{859391D7-FF11-9AEE-F523-363CE8743579}"/>
               </a:ext>
             </a:extLst>
           </p:cNvPr>
-          <p:cNvPicPr>
-            <a:picLocks noChangeAspect="1" noChangeArrowheads="1"/>
-          </p:cNvPicPr>
+          <p:cNvCxnSpPr>
+            <a:cxnSpLocks/>
+          </p:cNvCxnSpPr>
           <p:nvPr/>
-        </p:nvPicPr>
-        <p:blipFill>
-          <a:blip r:embed="rId2">
+        </p:nvCxnSpPr>
+        <p:spPr>
+          <a:xfrm>
+            <a:off x="6544733" y="5274733"/>
+            <a:ext cx="4648200" cy="0"/>
+          </a:xfrm>
+          <a:prstGeom prst="line">
+            <a:avLst/>
+          </a:prstGeom>
+          <a:ln w="38100">
+            <a:solidFill>
+              <a:schemeClr val="tx1"/>
+            </a:solidFill>
+          </a:ln>
+        </p:spPr>
+        <p:style>
+          <a:lnRef idx="1">
+            <a:schemeClr val="accent1"/>
+          </a:lnRef>
+          <a:fillRef idx="0">
+            <a:schemeClr val="accent1"/>
+          </a:fillRef>
+          <a:effectRef idx="0">
+            <a:schemeClr val="accent1"/>
+          </a:effectRef>
+          <a:fontRef idx="minor">
+            <a:schemeClr val="tx1"/>
+          </a:fontRef>
+        </p:style>
+      </p:cxnSp>
+      <p:sp>
+        <p:nvSpPr>
+          <p:cNvPr id="11" name="TextBox 10">
             <a:extLst>
-              <a:ext uri="{28A0092B-C50C-407E-A947-70E740481C1C}">
-                <a14:useLocalDpi xmlns:a14="http://schemas.microsoft.com/office/drawing/2010/main" val="0"/>
+              <a:ext uri="{FF2B5EF4-FFF2-40B4-BE49-F238E27FC236}">
+                <a16:creationId xmlns:a16="http://schemas.microsoft.com/office/drawing/2014/main" id="{5CEB78D7-7E3D-E7B0-7AC1-C2353F895EC0}"/>
               </a:ext>
             </a:extLst>
-          </a:blip>
-          <a:srcRect/>
-          <a:stretch>
-            <a:fillRect/>
-          </a:stretch>
-        </p:blipFill>
-        <p:spPr bwMode="auto">
+          </p:cNvPr>
+          <p:cNvSpPr txBox="1"/>
+          <p:nvPr/>
+        </p:nvSpPr>
+        <p:spPr>
           <a:xfrm>
-            <a:off x="2910137" y="375881"/>
-            <a:ext cx="6371726" cy="3053119"/>
+            <a:off x="7188181" y="4518624"/>
+            <a:ext cx="3141153" cy="707886"/>
           </a:xfrm>
           <a:prstGeom prst="rect">
             <a:avLst/>
           </a:prstGeom>
           <a:noFill/>
-          <a:extLst>
-            <a:ext uri="{909E8E84-426E-40DD-AFC4-6F175D3DCCD1}">
-              <a14:hiddenFill xmlns:a14="http://schemas.microsoft.com/office/drawing/2010/main">
+        </p:spPr>
+        <p:txBody>
+          <a:bodyPr wrap="square">
+            <a:spAutoFit/>
+          </a:bodyPr>
+          <a:lstStyle/>
+          <a:p>
+            <a:r>
+              <a:rPr lang="en-US" sz="4000" dirty="0" err="1">
                 <a:solidFill>
                   <a:srgbClr val="FFFFFF"/>
                 </a:solidFill>
-              </a14:hiddenFill>
-            </a:ext>
-          </a:extLst>
+              </a:rPr>
+              <a:t>Sun’iy</a:t>
+            </a:r>
+            <a:r>
+              <a:rPr lang="en-US" sz="4000" dirty="0">
+                <a:solidFill>
+                  <a:srgbClr val="FFFFFF"/>
+                </a:solidFill>
+              </a:rPr>
+              <a:t> </a:t>
+            </a:r>
+            <a:r>
+              <a:rPr lang="en-US" sz="4000" dirty="0" err="1">
+                <a:solidFill>
+                  <a:srgbClr val="FFFFFF"/>
+                </a:solidFill>
+              </a:rPr>
+              <a:t>intellekt</a:t>
+            </a:r>
+            <a:endParaRPr lang="en-US" sz="4000" dirty="0"/>
+          </a:p>
+        </p:txBody>
+      </p:sp>
+      <p:sp>
+        <p:nvSpPr>
+          <p:cNvPr id="13" name="TextBox 12">
+            <a:extLst>
+              <a:ext uri="{FF2B5EF4-FFF2-40B4-BE49-F238E27FC236}">
+                <a16:creationId xmlns:a16="http://schemas.microsoft.com/office/drawing/2014/main" id="{96EB3F5D-578F-1151-FAEE-7A52AE2AE72E}"/>
+              </a:ext>
+            </a:extLst>
+          </p:cNvPr>
+          <p:cNvSpPr txBox="1"/>
+          <p:nvPr/>
+        </p:nvSpPr>
+        <p:spPr>
+          <a:xfrm>
+            <a:off x="5494866" y="5274733"/>
+            <a:ext cx="7052733" cy="338554"/>
+          </a:xfrm>
+          <a:prstGeom prst="rect">
+            <a:avLst/>
+          </a:prstGeom>
+          <a:noFill/>
         </p:spPr>
-      </p:pic>
+        <p:txBody>
+          <a:bodyPr wrap="square">
+            <a:spAutoFit/>
+          </a:bodyPr>
+          <a:lstStyle/>
+          <a:p>
+            <a:r>
+              <a:rPr lang="en-US" sz="1600" dirty="0" err="1">
+                <a:solidFill>
+                  <a:srgbClr val="FFFFFF"/>
+                </a:solidFill>
+              </a:rPr>
+              <a:t>Raqamli</a:t>
+            </a:r>
+            <a:r>
+              <a:rPr lang="en-US" sz="1600" dirty="0">
+                <a:solidFill>
+                  <a:srgbClr val="FFFFFF"/>
+                </a:solidFill>
+              </a:rPr>
+              <a:t> </a:t>
+            </a:r>
+            <a:r>
+              <a:rPr lang="en-US" sz="1600" dirty="0" err="1">
+                <a:solidFill>
+                  <a:srgbClr val="FFFFFF"/>
+                </a:solidFill>
+              </a:rPr>
+              <a:t>texnologiyalar</a:t>
+            </a:r>
+            <a:r>
+              <a:rPr lang="en-US" sz="1600" dirty="0">
+                <a:solidFill>
+                  <a:srgbClr val="FFFFFF"/>
+                </a:solidFill>
+              </a:rPr>
+              <a:t> </a:t>
+            </a:r>
+            <a:r>
+              <a:rPr lang="en-US" sz="1600" dirty="0" err="1">
+                <a:solidFill>
+                  <a:srgbClr val="FFFFFF"/>
+                </a:solidFill>
+              </a:rPr>
+              <a:t>va</a:t>
+            </a:r>
+            <a:r>
+              <a:rPr lang="en-US" sz="1600" dirty="0">
+                <a:solidFill>
+                  <a:srgbClr val="FFFFFF"/>
+                </a:solidFill>
+              </a:rPr>
+              <a:t> </a:t>
+            </a:r>
+            <a:r>
+              <a:rPr lang="en-US" sz="1600" dirty="0" err="1">
+                <a:solidFill>
+                  <a:srgbClr val="FFFFFF"/>
+                </a:solidFill>
+              </a:rPr>
+              <a:t>sun’iy</a:t>
+            </a:r>
+            <a:r>
+              <a:rPr lang="en-US" sz="1600" dirty="0">
+                <a:solidFill>
+                  <a:srgbClr val="FFFFFF"/>
+                </a:solidFill>
+              </a:rPr>
+              <a:t> </a:t>
+            </a:r>
+            <a:r>
+              <a:rPr lang="en-US" sz="1600" dirty="0" err="1">
+                <a:solidFill>
+                  <a:srgbClr val="FFFFFF"/>
+                </a:solidFill>
+              </a:rPr>
+              <a:t>intellektni</a:t>
+            </a:r>
+            <a:r>
+              <a:rPr lang="en-US" sz="1600" dirty="0">
+                <a:solidFill>
+                  <a:srgbClr val="FFFFFF"/>
+                </a:solidFill>
+              </a:rPr>
+              <a:t> </a:t>
+            </a:r>
+            <a:r>
+              <a:rPr lang="en-US" sz="1600" dirty="0" err="1">
+                <a:solidFill>
+                  <a:srgbClr val="FFFFFF"/>
+                </a:solidFill>
+              </a:rPr>
+              <a:t>rivojlantirish</a:t>
+            </a:r>
+            <a:r>
+              <a:rPr lang="en-US" sz="1600" dirty="0">
+                <a:solidFill>
+                  <a:srgbClr val="FFFFFF"/>
+                </a:solidFill>
+              </a:rPr>
+              <a:t> </a:t>
+            </a:r>
+            <a:r>
+              <a:rPr lang="en-US" sz="1600" dirty="0" err="1">
+                <a:solidFill>
+                  <a:srgbClr val="FFFFFF"/>
+                </a:solidFill>
+              </a:rPr>
+              <a:t>ilmiy</a:t>
+            </a:r>
+            <a:r>
+              <a:rPr lang="en-US" sz="1600" dirty="0">
+                <a:solidFill>
+                  <a:srgbClr val="FFFFFF"/>
+                </a:solidFill>
+              </a:rPr>
+              <a:t> </a:t>
+            </a:r>
+            <a:r>
+              <a:rPr lang="en-US" sz="1600" dirty="0" err="1">
+                <a:solidFill>
+                  <a:srgbClr val="FFFFFF"/>
+                </a:solidFill>
+              </a:rPr>
+              <a:t>tadqiqot</a:t>
+            </a:r>
+            <a:r>
+              <a:rPr lang="en-US" sz="1600" dirty="0">
+                <a:solidFill>
+                  <a:srgbClr val="FFFFFF"/>
+                </a:solidFill>
+              </a:rPr>
+              <a:t> </a:t>
+            </a:r>
+            <a:r>
+              <a:rPr lang="en-US" sz="1600" dirty="0" err="1">
+                <a:solidFill>
+                  <a:srgbClr val="FFFFFF"/>
+                </a:solidFill>
+              </a:rPr>
+              <a:t>inistituti</a:t>
+            </a:r>
+            <a:r>
+              <a:rPr lang="en-US" sz="1600" dirty="0">
+                <a:solidFill>
+                  <a:srgbClr val="FFFFFF"/>
+                </a:solidFill>
+              </a:rPr>
+              <a:t>.</a:t>
+            </a:r>
+          </a:p>
+        </p:txBody>
+      </p:sp>
     </p:spTree>
     <p:extLst>
       <p:ext uri="{BB962C8B-B14F-4D97-AF65-F5344CB8AC3E}">
-        <p14:creationId xmlns:p14="http://schemas.microsoft.com/office/powerpoint/2010/main" val="1156275965"/>
+        <p14:creationId xmlns:p14="http://schemas.microsoft.com/office/powerpoint/2010/main" val="448666391"/>
       </p:ext>
     </p:extLst>
   </p:cSld>
@@ -15948,6 +15654,811 @@
 <file path=ppt/slides/slide2.xml><?xml version="1.0" encoding="utf-8"?>
 <p:sld xmlns:a="http://schemas.openxmlformats.org/drawingml/2006/main" xmlns:r="http://schemas.openxmlformats.org/officeDocument/2006/relationships" xmlns:p="http://schemas.openxmlformats.org/presentationml/2006/main">
   <p:cSld>
+    <p:spTree>
+      <p:nvGrpSpPr>
+        <p:cNvPr id="1" name=""/>
+        <p:cNvGrpSpPr/>
+        <p:nvPr/>
+      </p:nvGrpSpPr>
+      <p:grpSpPr>
+        <a:xfrm>
+          <a:off x="0" y="0"/>
+          <a:ext cx="0" cy="0"/>
+          <a:chOff x="0" y="0"/>
+          <a:chExt cx="0" cy="0"/>
+        </a:xfrm>
+      </p:grpSpPr>
+      <p:sp>
+        <p:nvSpPr>
+          <p:cNvPr id="2" name="Title 1">
+            <a:extLst>
+              <a:ext uri="{FF2B5EF4-FFF2-40B4-BE49-F238E27FC236}">
+                <a16:creationId xmlns:a16="http://schemas.microsoft.com/office/drawing/2014/main" id="{38F817B3-54B5-EEFA-AA68-E2589B13DBC3}"/>
+              </a:ext>
+            </a:extLst>
+          </p:cNvPr>
+          <p:cNvSpPr>
+            <a:spLocks noGrp="1"/>
+          </p:cNvSpPr>
+          <p:nvPr>
+            <p:ph type="title"/>
+          </p:nvPr>
+        </p:nvSpPr>
+        <p:spPr/>
+        <p:txBody>
+          <a:bodyPr/>
+          <a:lstStyle/>
+          <a:p>
+            <a:endParaRPr lang="en-US"/>
+          </a:p>
+        </p:txBody>
+      </p:sp>
+      <p:sp>
+        <p:nvSpPr>
+          <p:cNvPr id="3" name="Content Placeholder 2">
+            <a:extLst>
+              <a:ext uri="{FF2B5EF4-FFF2-40B4-BE49-F238E27FC236}">
+                <a16:creationId xmlns:a16="http://schemas.microsoft.com/office/drawing/2014/main" id="{26FEB4DA-98AA-0BC2-7EF8-CF0AACA89156}"/>
+              </a:ext>
+            </a:extLst>
+          </p:cNvPr>
+          <p:cNvSpPr>
+            <a:spLocks noGrp="1"/>
+          </p:cNvSpPr>
+          <p:nvPr>
+            <p:ph idx="1"/>
+          </p:nvPr>
+        </p:nvSpPr>
+        <p:spPr/>
+        <p:txBody>
+          <a:bodyPr/>
+          <a:lstStyle/>
+          <a:p>
+            <a:endParaRPr lang="en-US"/>
+          </a:p>
+        </p:txBody>
+      </p:sp>
+      <p:pic>
+        <p:nvPicPr>
+          <p:cNvPr id="4" name="Picture Placeholder 17" descr="Learn to Draw Background">
+            <a:extLst>
+              <a:ext uri="{FF2B5EF4-FFF2-40B4-BE49-F238E27FC236}">
+                <a16:creationId xmlns:a16="http://schemas.microsoft.com/office/drawing/2014/main" id="{7D34574A-9AF2-EF43-4C5B-C2E2C864307E}"/>
+              </a:ext>
+            </a:extLst>
+          </p:cNvPr>
+          <p:cNvPicPr>
+            <a:picLocks noChangeAspect="1"/>
+          </p:cNvPicPr>
+          <p:nvPr/>
+        </p:nvPicPr>
+        <p:blipFill>
+          <a:blip r:embed="rId2">
+            <a:extLst>
+              <a:ext uri="{28A0092B-C50C-407E-A947-70E740481C1C}">
+                <a14:useLocalDpi xmlns:a14="http://schemas.microsoft.com/office/drawing/2010/main" val="0"/>
+              </a:ext>
+            </a:extLst>
+          </a:blip>
+          <a:srcRect/>
+          <a:stretch>
+            <a:fillRect/>
+          </a:stretch>
+        </p:blipFill>
+        <p:spPr>
+          <a:xfrm>
+            <a:off x="0" y="-27432"/>
+            <a:ext cx="12192000" cy="6912864"/>
+          </a:xfrm>
+          <a:prstGeom prst="rect">
+            <a:avLst/>
+          </a:prstGeom>
+        </p:spPr>
+      </p:pic>
+    </p:spTree>
+    <p:extLst>
+      <p:ext uri="{BB962C8B-B14F-4D97-AF65-F5344CB8AC3E}">
+        <p14:creationId xmlns:p14="http://schemas.microsoft.com/office/powerpoint/2010/main" val="1068901969"/>
+      </p:ext>
+    </p:extLst>
+  </p:cSld>
+  <p:clrMapOvr>
+    <a:masterClrMapping/>
+  </p:clrMapOvr>
+</p:sld>
+</file>
+
+<file path=ppt/slides/slide3.xml><?xml version="1.0" encoding="utf-8"?>
+<p:sld xmlns:a="http://schemas.openxmlformats.org/drawingml/2006/main" xmlns:r="http://schemas.openxmlformats.org/officeDocument/2006/relationships" xmlns:p="http://schemas.openxmlformats.org/presentationml/2006/main">
+  <p:cSld>
+    <p:spTree>
+      <p:nvGrpSpPr>
+        <p:cNvPr id="1" name=""/>
+        <p:cNvGrpSpPr/>
+        <p:nvPr/>
+      </p:nvGrpSpPr>
+      <p:grpSpPr>
+        <a:xfrm>
+          <a:off x="0" y="0"/>
+          <a:ext cx="0" cy="0"/>
+          <a:chOff x="0" y="0"/>
+          <a:chExt cx="0" cy="0"/>
+        </a:xfrm>
+      </p:grpSpPr>
+      <p:sp>
+        <p:nvSpPr>
+          <p:cNvPr id="3" name="Subtitle 2">
+            <a:extLst>
+              <a:ext uri="{FF2B5EF4-FFF2-40B4-BE49-F238E27FC236}">
+                <a16:creationId xmlns:a16="http://schemas.microsoft.com/office/drawing/2014/main" id="{60DB3748-48D4-4BCD-6971-6BA5A9680932}"/>
+              </a:ext>
+            </a:extLst>
+          </p:cNvPr>
+          <p:cNvSpPr>
+            <a:spLocks noGrp="1"/>
+          </p:cNvSpPr>
+          <p:nvPr>
+            <p:ph type="subTitle" idx="1"/>
+          </p:nvPr>
+        </p:nvSpPr>
+        <p:spPr>
+          <a:xfrm>
+            <a:off x="2540000" y="3597026"/>
+            <a:ext cx="7742334" cy="2365236"/>
+          </a:xfrm>
+        </p:spPr>
+        <p:txBody>
+          <a:bodyPr>
+            <a:noAutofit/>
+          </a:bodyPr>
+          <a:lstStyle/>
+          <a:p>
+            <a:pPr algn="l"/>
+            <a:r>
+              <a:rPr lang="en-US" sz="1600" b="1" i="0" dirty="0">
+                <a:solidFill>
+                  <a:schemeClr val="tx1"/>
+                </a:solidFill>
+                <a:effectLst/>
+                <a:latin typeface="Söhne"/>
+              </a:rPr>
+              <a:t>GPT-3 (Generative Pre-trained Transformer 3):</a:t>
+            </a:r>
+            <a:endParaRPr lang="en-US" sz="1600" b="0" i="0" dirty="0">
+              <a:solidFill>
+                <a:schemeClr val="tx1"/>
+              </a:solidFill>
+              <a:effectLst/>
+              <a:latin typeface="Söhne"/>
+            </a:endParaRPr>
+          </a:p>
+          <a:p>
+            <a:pPr algn="l">
+              <a:buFont typeface="Arial" panose="020B0604020202020204" pitchFamily="34" charset="0"/>
+              <a:buChar char="•"/>
+            </a:pPr>
+            <a:r>
+              <a:rPr lang="en-US" sz="1600" b="0" i="0" dirty="0">
+                <a:solidFill>
+                  <a:schemeClr val="tx1"/>
+                </a:solidFill>
+                <a:effectLst/>
+                <a:latin typeface="Söhne"/>
+              </a:rPr>
+              <a:t>OpenAI </a:t>
+            </a:r>
+            <a:r>
+              <a:rPr lang="en-US" sz="1600" b="0" i="0" dirty="0" err="1">
+                <a:solidFill>
+                  <a:schemeClr val="tx1"/>
+                </a:solidFill>
+                <a:effectLst/>
+                <a:latin typeface="Söhne"/>
+              </a:rPr>
+              <a:t>tomonidan</a:t>
+            </a:r>
+            <a:r>
+              <a:rPr lang="en-US" sz="1600" b="0" i="0" dirty="0">
+                <a:solidFill>
+                  <a:schemeClr val="tx1"/>
+                </a:solidFill>
+                <a:effectLst/>
+                <a:latin typeface="Söhne"/>
+              </a:rPr>
+              <a:t> </a:t>
+            </a:r>
+            <a:r>
+              <a:rPr lang="en-US" sz="1600" b="0" i="0" dirty="0" err="1">
+                <a:solidFill>
+                  <a:schemeClr val="tx1"/>
+                </a:solidFill>
+                <a:effectLst/>
+                <a:latin typeface="Söhne"/>
+              </a:rPr>
+              <a:t>ishlab</a:t>
+            </a:r>
+            <a:r>
+              <a:rPr lang="en-US" sz="1600" b="0" i="0" dirty="0">
+                <a:solidFill>
+                  <a:schemeClr val="tx1"/>
+                </a:solidFill>
+                <a:effectLst/>
+                <a:latin typeface="Söhne"/>
+              </a:rPr>
+              <a:t> </a:t>
+            </a:r>
+            <a:r>
+              <a:rPr lang="en-US" sz="1600" b="0" i="0" dirty="0" err="1">
+                <a:solidFill>
+                  <a:schemeClr val="tx1"/>
+                </a:solidFill>
+                <a:effectLst/>
+                <a:latin typeface="Söhne"/>
+              </a:rPr>
+              <a:t>chiqilgan</a:t>
+            </a:r>
+            <a:r>
+              <a:rPr lang="en-US" sz="1600" b="0" i="0" dirty="0">
+                <a:solidFill>
+                  <a:schemeClr val="tx1"/>
+                </a:solidFill>
+                <a:effectLst/>
+                <a:latin typeface="Söhne"/>
+              </a:rPr>
+              <a:t> GPT-3, </a:t>
+            </a:r>
+            <a:r>
+              <a:rPr lang="en-US" sz="1600" b="0" i="0" dirty="0" err="1">
+                <a:solidFill>
+                  <a:schemeClr val="tx1"/>
+                </a:solidFill>
+                <a:effectLst/>
+                <a:latin typeface="Söhne"/>
+              </a:rPr>
+              <a:t>dunyodagi</a:t>
+            </a:r>
+            <a:r>
+              <a:rPr lang="en-US" sz="1600" b="0" i="0" dirty="0">
+                <a:solidFill>
+                  <a:schemeClr val="tx1"/>
+                </a:solidFill>
+                <a:effectLst/>
+                <a:latin typeface="Söhne"/>
+              </a:rPr>
+              <a:t> </a:t>
+            </a:r>
+            <a:r>
+              <a:rPr lang="en-US" sz="1600" b="0" i="0" dirty="0" err="1">
+                <a:solidFill>
+                  <a:schemeClr val="tx1"/>
+                </a:solidFill>
+                <a:effectLst/>
+                <a:latin typeface="Söhne"/>
+              </a:rPr>
+              <a:t>eng</a:t>
+            </a:r>
+            <a:r>
+              <a:rPr lang="en-US" sz="1600" b="0" i="0" dirty="0">
+                <a:solidFill>
+                  <a:schemeClr val="tx1"/>
+                </a:solidFill>
+                <a:effectLst/>
+                <a:latin typeface="Söhne"/>
+              </a:rPr>
+              <a:t> </a:t>
+            </a:r>
+            <a:r>
+              <a:rPr lang="en-US" sz="1600" b="0" i="0" dirty="0" err="1">
+                <a:solidFill>
+                  <a:schemeClr val="tx1"/>
+                </a:solidFill>
+                <a:effectLst/>
+                <a:latin typeface="Söhne"/>
+              </a:rPr>
+              <a:t>katta</a:t>
+            </a:r>
+            <a:r>
+              <a:rPr lang="en-US" sz="1600" b="0" i="0" dirty="0">
+                <a:solidFill>
+                  <a:schemeClr val="tx1"/>
+                </a:solidFill>
+                <a:effectLst/>
+                <a:latin typeface="Söhne"/>
+              </a:rPr>
+              <a:t> </a:t>
+            </a:r>
+            <a:r>
+              <a:rPr lang="en-US" sz="1600" b="0" i="0" dirty="0" err="1">
+                <a:solidFill>
+                  <a:schemeClr val="tx1"/>
+                </a:solidFill>
+                <a:effectLst/>
+                <a:latin typeface="Söhne"/>
+              </a:rPr>
+              <a:t>ma'lumotlar</a:t>
+            </a:r>
+            <a:r>
+              <a:rPr lang="en-US" sz="1600" b="0" i="0" dirty="0">
+                <a:solidFill>
+                  <a:schemeClr val="tx1"/>
+                </a:solidFill>
+                <a:effectLst/>
+                <a:latin typeface="Söhne"/>
+              </a:rPr>
+              <a:t> </a:t>
+            </a:r>
+            <a:r>
+              <a:rPr lang="en-US" sz="1600" b="0" i="0" dirty="0" err="1">
+                <a:solidFill>
+                  <a:schemeClr val="tx1"/>
+                </a:solidFill>
+                <a:effectLst/>
+                <a:latin typeface="Söhne"/>
+              </a:rPr>
+              <a:t>bazasiga</a:t>
+            </a:r>
+            <a:r>
+              <a:rPr lang="en-US" sz="1600" b="0" i="0" dirty="0">
+                <a:solidFill>
+                  <a:schemeClr val="tx1"/>
+                </a:solidFill>
+                <a:effectLst/>
+                <a:latin typeface="Söhne"/>
+              </a:rPr>
+              <a:t> </a:t>
+            </a:r>
+            <a:r>
+              <a:rPr lang="en-US" sz="1600" b="0" i="0" dirty="0" err="1">
+                <a:solidFill>
+                  <a:schemeClr val="tx1"/>
+                </a:solidFill>
+                <a:effectLst/>
+                <a:latin typeface="Söhne"/>
+              </a:rPr>
+              <a:t>ega</a:t>
+            </a:r>
+            <a:r>
+              <a:rPr lang="en-US" sz="1600" b="0" i="0" dirty="0">
+                <a:solidFill>
+                  <a:schemeClr val="tx1"/>
+                </a:solidFill>
+                <a:effectLst/>
+                <a:latin typeface="Söhne"/>
+              </a:rPr>
+              <a:t> </a:t>
+            </a:r>
+            <a:r>
+              <a:rPr lang="en-US" sz="1600" b="0" i="0" dirty="0" err="1">
+                <a:solidFill>
+                  <a:schemeClr val="tx1"/>
+                </a:solidFill>
+                <a:effectLst/>
+                <a:latin typeface="Söhne"/>
+              </a:rPr>
+              <a:t>bo'lgan</a:t>
+            </a:r>
+            <a:r>
+              <a:rPr lang="en-US" sz="1600" b="0" i="0" dirty="0">
+                <a:solidFill>
+                  <a:schemeClr val="tx1"/>
+                </a:solidFill>
+                <a:effectLst/>
+                <a:latin typeface="Söhne"/>
+              </a:rPr>
+              <a:t> </a:t>
+            </a:r>
+            <a:r>
+              <a:rPr lang="en-US" sz="1600" b="0" i="0" dirty="0" err="1">
+                <a:solidFill>
+                  <a:schemeClr val="tx1"/>
+                </a:solidFill>
+                <a:effectLst/>
+                <a:latin typeface="Söhne"/>
+              </a:rPr>
+              <a:t>Sun'iy</a:t>
+            </a:r>
+            <a:r>
+              <a:rPr lang="en-US" sz="1600" b="0" i="0" dirty="0">
+                <a:solidFill>
+                  <a:schemeClr val="tx1"/>
+                </a:solidFill>
+                <a:effectLst/>
+                <a:latin typeface="Söhne"/>
+              </a:rPr>
+              <a:t> </a:t>
+            </a:r>
+            <a:r>
+              <a:rPr lang="en-US" sz="1600" b="0" i="0" dirty="0" err="1">
+                <a:solidFill>
+                  <a:schemeClr val="tx1"/>
+                </a:solidFill>
+                <a:effectLst/>
+                <a:latin typeface="Söhne"/>
+              </a:rPr>
+              <a:t>intellekt</a:t>
+            </a:r>
+            <a:r>
+              <a:rPr lang="en-US" sz="1600" b="0" i="0" dirty="0">
+                <a:solidFill>
+                  <a:schemeClr val="tx1"/>
+                </a:solidFill>
+                <a:effectLst/>
+                <a:latin typeface="Söhne"/>
+              </a:rPr>
+              <a:t> </a:t>
+            </a:r>
+            <a:r>
+              <a:rPr lang="en-US" sz="1600" b="0" i="0" dirty="0" err="1">
+                <a:solidFill>
+                  <a:schemeClr val="tx1"/>
+                </a:solidFill>
+                <a:effectLst/>
+                <a:latin typeface="Söhne"/>
+              </a:rPr>
+              <a:t>modellardan</a:t>
+            </a:r>
+            <a:r>
+              <a:rPr lang="en-US" sz="1600" b="0" i="0" dirty="0">
+                <a:solidFill>
+                  <a:schemeClr val="tx1"/>
+                </a:solidFill>
+                <a:effectLst/>
+                <a:latin typeface="Söhne"/>
+              </a:rPr>
+              <a:t> </a:t>
+            </a:r>
+            <a:r>
+              <a:rPr lang="en-US" sz="1600" b="0" i="0" dirty="0" err="1">
+                <a:solidFill>
+                  <a:schemeClr val="tx1"/>
+                </a:solidFill>
+                <a:effectLst/>
+                <a:latin typeface="Söhne"/>
+              </a:rPr>
+              <a:t>biridir</a:t>
+            </a:r>
+            <a:r>
+              <a:rPr lang="en-US" sz="1600" b="0" i="0" dirty="0">
+                <a:solidFill>
+                  <a:schemeClr val="tx1"/>
+                </a:solidFill>
+                <a:effectLst/>
+                <a:latin typeface="Söhne"/>
+              </a:rPr>
+              <a:t>.</a:t>
+            </a:r>
+          </a:p>
+          <a:p>
+            <a:pPr algn="l">
+              <a:buFont typeface="Arial" panose="020B0604020202020204" pitchFamily="34" charset="0"/>
+              <a:buChar char="•"/>
+            </a:pPr>
+            <a:r>
+              <a:rPr lang="en-US" sz="1600" b="0" i="0" dirty="0">
+                <a:solidFill>
+                  <a:schemeClr val="tx1"/>
+                </a:solidFill>
+                <a:effectLst/>
+                <a:latin typeface="Söhne"/>
+              </a:rPr>
+              <a:t>GPT-3 </a:t>
+            </a:r>
+            <a:r>
+              <a:rPr lang="en-US" sz="1600" b="0" i="0" dirty="0" err="1">
+                <a:solidFill>
+                  <a:schemeClr val="tx1"/>
+                </a:solidFill>
+                <a:effectLst/>
+                <a:latin typeface="Söhne"/>
+              </a:rPr>
+              <a:t>matn</a:t>
+            </a:r>
+            <a:r>
+              <a:rPr lang="en-US" sz="1600" b="0" i="0" dirty="0">
+                <a:solidFill>
+                  <a:schemeClr val="tx1"/>
+                </a:solidFill>
+                <a:effectLst/>
+                <a:latin typeface="Söhne"/>
+              </a:rPr>
+              <a:t>, </a:t>
+            </a:r>
+            <a:r>
+              <a:rPr lang="en-US" sz="1600" b="0" i="0" dirty="0" err="1">
+                <a:solidFill>
+                  <a:schemeClr val="tx1"/>
+                </a:solidFill>
+                <a:effectLst/>
+                <a:latin typeface="Söhne"/>
+              </a:rPr>
+              <a:t>tasviriy</a:t>
+            </a:r>
+            <a:r>
+              <a:rPr lang="en-US" sz="1600" b="0" i="0" dirty="0">
+                <a:solidFill>
+                  <a:schemeClr val="tx1"/>
+                </a:solidFill>
+                <a:effectLst/>
+                <a:latin typeface="Söhne"/>
+              </a:rPr>
+              <a:t> </a:t>
+            </a:r>
+            <a:r>
+              <a:rPr lang="en-US" sz="1600" b="0" i="0" dirty="0" err="1">
+                <a:solidFill>
+                  <a:schemeClr val="tx1"/>
+                </a:solidFill>
+                <a:effectLst/>
+                <a:latin typeface="Söhne"/>
+              </a:rPr>
+              <a:t>ma'lumotlar</a:t>
+            </a:r>
+            <a:r>
+              <a:rPr lang="en-US" sz="1600" b="0" i="0" dirty="0">
+                <a:solidFill>
+                  <a:schemeClr val="tx1"/>
+                </a:solidFill>
+                <a:effectLst/>
+                <a:latin typeface="Söhne"/>
+              </a:rPr>
+              <a:t> </a:t>
+            </a:r>
+            <a:r>
+              <a:rPr lang="en-US" sz="1600" b="0" i="0" dirty="0" err="1">
+                <a:solidFill>
+                  <a:schemeClr val="tx1"/>
+                </a:solidFill>
+                <a:effectLst/>
+                <a:latin typeface="Söhne"/>
+              </a:rPr>
+              <a:t>va</a:t>
+            </a:r>
+            <a:r>
+              <a:rPr lang="en-US" sz="1600" b="0" i="0" dirty="0">
+                <a:solidFill>
+                  <a:schemeClr val="tx1"/>
+                </a:solidFill>
+                <a:effectLst/>
+                <a:latin typeface="Söhne"/>
+              </a:rPr>
+              <a:t> </a:t>
+            </a:r>
+            <a:r>
+              <a:rPr lang="en-US" sz="1600" b="0" i="0" dirty="0" err="1">
+                <a:solidFill>
+                  <a:schemeClr val="tx1"/>
+                </a:solidFill>
+                <a:effectLst/>
+                <a:latin typeface="Söhne"/>
+              </a:rPr>
+              <a:t>boshqa</a:t>
+            </a:r>
+            <a:r>
+              <a:rPr lang="en-US" sz="1600" b="0" i="0" dirty="0">
+                <a:solidFill>
+                  <a:schemeClr val="tx1"/>
+                </a:solidFill>
+                <a:effectLst/>
+                <a:latin typeface="Söhne"/>
+              </a:rPr>
+              <a:t> </a:t>
+            </a:r>
+            <a:r>
+              <a:rPr lang="en-US" sz="1600" b="0" i="0" dirty="0" err="1">
+                <a:solidFill>
+                  <a:schemeClr val="tx1"/>
+                </a:solidFill>
+                <a:effectLst/>
+                <a:latin typeface="Söhne"/>
+              </a:rPr>
+              <a:t>turlar</a:t>
+            </a:r>
+            <a:r>
+              <a:rPr lang="en-US" sz="1600" b="0" i="0" dirty="0">
+                <a:solidFill>
+                  <a:schemeClr val="tx1"/>
+                </a:solidFill>
+                <a:effectLst/>
+                <a:latin typeface="Söhne"/>
+              </a:rPr>
+              <a:t> </a:t>
+            </a:r>
+            <a:r>
+              <a:rPr lang="en-US" sz="1600" b="0" i="0" dirty="0" err="1">
+                <a:solidFill>
+                  <a:schemeClr val="tx1"/>
+                </a:solidFill>
+                <a:effectLst/>
+                <a:latin typeface="Söhne"/>
+              </a:rPr>
+              <a:t>bo'yicha</a:t>
+            </a:r>
+            <a:r>
+              <a:rPr lang="en-US" sz="1600" b="0" i="0" dirty="0">
+                <a:solidFill>
+                  <a:schemeClr val="tx1"/>
+                </a:solidFill>
+                <a:effectLst/>
+                <a:latin typeface="Söhne"/>
+              </a:rPr>
+              <a:t> </a:t>
+            </a:r>
+            <a:r>
+              <a:rPr lang="en-US" sz="1600" b="0" i="0" dirty="0" err="1">
+                <a:solidFill>
+                  <a:schemeClr val="tx1"/>
+                </a:solidFill>
+                <a:effectLst/>
+                <a:latin typeface="Söhne"/>
+              </a:rPr>
+              <a:t>eng</a:t>
+            </a:r>
+            <a:r>
+              <a:rPr lang="en-US" sz="1600" b="0" i="0" dirty="0">
+                <a:solidFill>
+                  <a:schemeClr val="tx1"/>
+                </a:solidFill>
+                <a:effectLst/>
+                <a:latin typeface="Söhne"/>
+              </a:rPr>
+              <a:t> </a:t>
+            </a:r>
+            <a:r>
+              <a:rPr lang="en-US" sz="1600" b="0" i="0" dirty="0" err="1">
+                <a:solidFill>
+                  <a:schemeClr val="tx1"/>
+                </a:solidFill>
+                <a:effectLst/>
+                <a:latin typeface="Söhne"/>
+              </a:rPr>
+              <a:t>taniqli</a:t>
+            </a:r>
+            <a:r>
+              <a:rPr lang="en-US" sz="1600" b="0" i="0" dirty="0">
+                <a:solidFill>
+                  <a:schemeClr val="tx1"/>
+                </a:solidFill>
+                <a:effectLst/>
+                <a:latin typeface="Söhne"/>
+              </a:rPr>
+              <a:t> </a:t>
+            </a:r>
+            <a:r>
+              <a:rPr lang="en-US" sz="1600" b="0" i="0" dirty="0" err="1">
+                <a:solidFill>
+                  <a:schemeClr val="tx1"/>
+                </a:solidFill>
+                <a:effectLst/>
+                <a:latin typeface="Söhne"/>
+              </a:rPr>
+              <a:t>loyihalardan</a:t>
+            </a:r>
+            <a:r>
+              <a:rPr lang="en-US" sz="1600" b="0" i="0" dirty="0">
+                <a:solidFill>
+                  <a:schemeClr val="tx1"/>
+                </a:solidFill>
+                <a:effectLst/>
+                <a:latin typeface="Söhne"/>
+              </a:rPr>
+              <a:t> </a:t>
+            </a:r>
+            <a:r>
+              <a:rPr lang="en-US" sz="1600" b="0" i="0" dirty="0" err="1">
+                <a:solidFill>
+                  <a:schemeClr val="tx1"/>
+                </a:solidFill>
+                <a:effectLst/>
+                <a:latin typeface="Söhne"/>
+              </a:rPr>
+              <a:t>biri</a:t>
+            </a:r>
+            <a:r>
+              <a:rPr lang="en-US" sz="1600" b="0" i="0" dirty="0">
+                <a:solidFill>
+                  <a:schemeClr val="tx1"/>
+                </a:solidFill>
+                <a:effectLst/>
+                <a:latin typeface="Söhne"/>
+              </a:rPr>
+              <a:t> </a:t>
+            </a:r>
+            <a:r>
+              <a:rPr lang="en-US" sz="1600" b="0" i="0" dirty="0" err="1">
+                <a:solidFill>
+                  <a:schemeClr val="tx1"/>
+                </a:solidFill>
+                <a:effectLst/>
+                <a:latin typeface="Söhne"/>
+              </a:rPr>
+              <a:t>hisoblanadi</a:t>
+            </a:r>
+            <a:r>
+              <a:rPr lang="en-US" sz="1600" b="0" i="0" dirty="0">
+                <a:solidFill>
+                  <a:schemeClr val="tx1"/>
+                </a:solidFill>
+                <a:effectLst/>
+                <a:latin typeface="Söhne"/>
+              </a:rPr>
+              <a:t>.</a:t>
+            </a:r>
+          </a:p>
+          <a:p>
+            <a:pPr algn="l"/>
+            <a:endParaRPr lang="en-US" sz="1800" b="0" i="0" dirty="0">
+              <a:solidFill>
+                <a:schemeClr val="tx1"/>
+              </a:solidFill>
+              <a:effectLst/>
+              <a:latin typeface="Söhne"/>
+            </a:endParaRPr>
+          </a:p>
+        </p:txBody>
+      </p:sp>
+      <p:pic>
+        <p:nvPicPr>
+          <p:cNvPr id="2050" name="Picture 2">
+            <a:extLst>
+              <a:ext uri="{FF2B5EF4-FFF2-40B4-BE49-F238E27FC236}">
+                <a16:creationId xmlns:a16="http://schemas.microsoft.com/office/drawing/2014/main" id="{02E40CD1-937E-C99A-F00D-438936B51208}"/>
+              </a:ext>
+            </a:extLst>
+          </p:cNvPr>
+          <p:cNvPicPr>
+            <a:picLocks noChangeAspect="1" noChangeArrowheads="1"/>
+          </p:cNvPicPr>
+          <p:nvPr/>
+        </p:nvPicPr>
+        <p:blipFill>
+          <a:blip r:embed="rId2">
+            <a:extLst>
+              <a:ext uri="{28A0092B-C50C-407E-A947-70E740481C1C}">
+                <a14:useLocalDpi xmlns:a14="http://schemas.microsoft.com/office/drawing/2010/main" val="0"/>
+              </a:ext>
+            </a:extLst>
+          </a:blip>
+          <a:srcRect/>
+          <a:stretch>
+            <a:fillRect/>
+          </a:stretch>
+        </p:blipFill>
+        <p:spPr bwMode="auto">
+          <a:xfrm>
+            <a:off x="2910137" y="375881"/>
+            <a:ext cx="6371726" cy="3053119"/>
+          </a:xfrm>
+          <a:prstGeom prst="rect">
+            <a:avLst/>
+          </a:prstGeom>
+          <a:noFill/>
+          <a:extLst>
+            <a:ext uri="{909E8E84-426E-40DD-AFC4-6F175D3DCCD1}">
+              <a14:hiddenFill xmlns:a14="http://schemas.microsoft.com/office/drawing/2010/main">
+                <a:solidFill>
+                  <a:srgbClr val="FFFFFF"/>
+                </a:solidFill>
+              </a14:hiddenFill>
+            </a:ext>
+          </a:extLst>
+        </p:spPr>
+      </p:pic>
+    </p:spTree>
+    <p:extLst>
+      <p:ext uri="{BB962C8B-B14F-4D97-AF65-F5344CB8AC3E}">
+        <p14:creationId xmlns:p14="http://schemas.microsoft.com/office/powerpoint/2010/main" val="1156275965"/>
+      </p:ext>
+    </p:extLst>
+  </p:cSld>
+  <p:clrMapOvr>
+    <a:masterClrMapping/>
+  </p:clrMapOvr>
+</p:sld>
+</file>
+
+<file path=ppt/slides/slide4.xml><?xml version="1.0" encoding="utf-8"?>
+<p:sld xmlns:a="http://schemas.openxmlformats.org/drawingml/2006/main" xmlns:r="http://schemas.openxmlformats.org/officeDocument/2006/relationships" xmlns:p="http://schemas.openxmlformats.org/presentationml/2006/main">
+  <p:cSld>
     <p:bg>
       <p:bgPr>
         <a:pattFill prst="smGrid">
@@ -16726,7 +17237,7 @@
 </p:sld>
 </file>
 
-<file path=ppt/slides/slide3.xml><?xml version="1.0" encoding="utf-8"?>
+<file path=ppt/slides/slide5.xml><?xml version="1.0" encoding="utf-8"?>
 <p:sld xmlns:a="http://schemas.openxmlformats.org/drawingml/2006/main" xmlns:r="http://schemas.openxmlformats.org/officeDocument/2006/relationships" xmlns:p="http://schemas.openxmlformats.org/presentationml/2006/main">
   <p:cSld>
     <p:spTree>
@@ -16775,7 +17286,7 @@
             <a:r>
               <a:rPr lang="en-US" sz="1600" b="1" i="0" dirty="0">
                 <a:solidFill>
-                  <a:srgbClr val="0F0F0F"/>
+                  <a:schemeClr val="tx1"/>
                 </a:solidFill>
                 <a:effectLst/>
                 <a:latin typeface="Söhne"/>
@@ -16784,7 +17295,7 @@
             </a:r>
             <a:endParaRPr lang="en-US" sz="1600" b="0" i="0" dirty="0">
               <a:solidFill>
-                <a:srgbClr val="0F0F0F"/>
+                <a:schemeClr val="tx1"/>
               </a:solidFill>
               <a:effectLst/>
               <a:latin typeface="Söhne"/>
@@ -16798,7 +17309,7 @@
             <a:r>
               <a:rPr lang="en-US" sz="1600" b="0" i="0" dirty="0">
                 <a:solidFill>
-                  <a:srgbClr val="0F0F0F"/>
+                  <a:schemeClr val="tx1"/>
                 </a:solidFill>
                 <a:effectLst/>
                 <a:latin typeface="Söhne"/>
@@ -16808,7 +17319,7 @@
             <a:r>
               <a:rPr lang="en-US" sz="1600" b="0" i="0" dirty="0" err="1">
                 <a:solidFill>
-                  <a:srgbClr val="0F0F0F"/>
+                  <a:schemeClr val="tx1"/>
                 </a:solidFill>
                 <a:effectLst/>
                 <a:latin typeface="Söhne"/>
@@ -16818,7 +17329,7 @@
             <a:r>
               <a:rPr lang="en-US" sz="1600" b="0" i="0" dirty="0">
                 <a:solidFill>
-                  <a:srgbClr val="0F0F0F"/>
+                  <a:schemeClr val="tx1"/>
                 </a:solidFill>
                 <a:effectLst/>
                 <a:latin typeface="Söhne"/>
@@ -16828,7 +17339,7 @@
             <a:r>
               <a:rPr lang="en-US" sz="1600" b="0" i="0" dirty="0" err="1">
                 <a:solidFill>
-                  <a:srgbClr val="0F0F0F"/>
+                  <a:schemeClr val="tx1"/>
                 </a:solidFill>
                 <a:effectLst/>
                 <a:latin typeface="Söhne"/>
@@ -16838,7 +17349,7 @@
             <a:r>
               <a:rPr lang="en-US" sz="1600" b="0" i="0" dirty="0">
                 <a:solidFill>
-                  <a:srgbClr val="0F0F0F"/>
+                  <a:schemeClr val="tx1"/>
                 </a:solidFill>
                 <a:effectLst/>
                 <a:latin typeface="Söhne"/>
@@ -16848,7 +17359,7 @@
             <a:r>
               <a:rPr lang="en-US" sz="1600" b="0" i="0" dirty="0" err="1">
                 <a:solidFill>
-                  <a:srgbClr val="0F0F0F"/>
+                  <a:schemeClr val="tx1"/>
                 </a:solidFill>
                 <a:effectLst/>
                 <a:latin typeface="Söhne"/>
@@ -16858,7 +17369,7 @@
             <a:r>
               <a:rPr lang="en-US" sz="1600" b="0" i="0" dirty="0">
                 <a:solidFill>
-                  <a:srgbClr val="0F0F0F"/>
+                  <a:schemeClr val="tx1"/>
                 </a:solidFill>
                 <a:effectLst/>
                 <a:latin typeface="Söhne"/>
@@ -16868,7 +17379,7 @@
             <a:r>
               <a:rPr lang="en-US" sz="1600" b="0" i="0" dirty="0" err="1">
                 <a:solidFill>
-                  <a:srgbClr val="0F0F0F"/>
+                  <a:schemeClr val="tx1"/>
                 </a:solidFill>
                 <a:effectLst/>
                 <a:latin typeface="Söhne"/>
@@ -16878,7 +17389,7 @@
             <a:r>
               <a:rPr lang="en-US" sz="1600" b="0" i="0" dirty="0">
                 <a:solidFill>
-                  <a:srgbClr val="0F0F0F"/>
+                  <a:schemeClr val="tx1"/>
                 </a:solidFill>
                 <a:effectLst/>
                 <a:latin typeface="Söhne"/>
@@ -16888,7 +17399,7 @@
             <a:r>
               <a:rPr lang="en-US" sz="1600" b="0" i="0" dirty="0" err="1">
                 <a:solidFill>
-                  <a:srgbClr val="0F0F0F"/>
+                  <a:schemeClr val="tx1"/>
                 </a:solidFill>
                 <a:effectLst/>
                 <a:latin typeface="Söhne"/>
@@ -16898,7 +17409,7 @@
             <a:r>
               <a:rPr lang="en-US" sz="1600" b="0" i="0" dirty="0">
                 <a:solidFill>
-                  <a:srgbClr val="0F0F0F"/>
+                  <a:schemeClr val="tx1"/>
                 </a:solidFill>
                 <a:effectLst/>
                 <a:latin typeface="Söhne"/>
@@ -16908,7 +17419,7 @@
             <a:r>
               <a:rPr lang="en-US" sz="1600" b="0" i="0" dirty="0" err="1">
                 <a:solidFill>
-                  <a:srgbClr val="0F0F0F"/>
+                  <a:schemeClr val="tx1"/>
                 </a:solidFill>
                 <a:effectLst/>
                 <a:latin typeface="Söhne"/>
@@ -16918,7 +17429,7 @@
             <a:r>
               <a:rPr lang="en-US" sz="1600" b="0" i="0" dirty="0">
                 <a:solidFill>
-                  <a:srgbClr val="0F0F0F"/>
+                  <a:schemeClr val="tx1"/>
                 </a:solidFill>
                 <a:effectLst/>
                 <a:latin typeface="Söhne"/>
@@ -16928,7 +17439,7 @@
             <a:r>
               <a:rPr lang="en-US" sz="1600" b="0" i="0" dirty="0" err="1">
                 <a:solidFill>
-                  <a:srgbClr val="0F0F0F"/>
+                  <a:schemeClr val="tx1"/>
                 </a:solidFill>
                 <a:effectLst/>
                 <a:latin typeface="Söhne"/>
@@ -16938,7 +17449,7 @@
             <a:r>
               <a:rPr lang="en-US" sz="1600" b="0" i="0" dirty="0">
                 <a:solidFill>
-                  <a:srgbClr val="0F0F0F"/>
+                  <a:schemeClr val="tx1"/>
                 </a:solidFill>
                 <a:effectLst/>
                 <a:latin typeface="Söhne"/>
@@ -16948,7 +17459,7 @@
             <a:r>
               <a:rPr lang="en-US" sz="1600" b="0" i="0" dirty="0" err="1">
                 <a:solidFill>
-                  <a:srgbClr val="0F0F0F"/>
+                  <a:schemeClr val="tx1"/>
                 </a:solidFill>
                 <a:effectLst/>
                 <a:latin typeface="Söhne"/>
@@ -16958,7 +17469,7 @@
             <a:r>
               <a:rPr lang="en-US" sz="1600" b="0" i="0" dirty="0">
                 <a:solidFill>
-                  <a:srgbClr val="0F0F0F"/>
+                  <a:schemeClr val="tx1"/>
                 </a:solidFill>
                 <a:effectLst/>
                 <a:latin typeface="Söhne"/>
@@ -16968,7 +17479,7 @@
             <a:r>
               <a:rPr lang="en-US" sz="1600" b="0" i="0" dirty="0" err="1">
                 <a:solidFill>
-                  <a:srgbClr val="0F0F0F"/>
+                  <a:schemeClr val="tx1"/>
                 </a:solidFill>
                 <a:effectLst/>
                 <a:latin typeface="Söhne"/>
@@ -16978,7 +17489,7 @@
             <a:r>
               <a:rPr lang="en-US" sz="1600" b="0" i="0" dirty="0">
                 <a:solidFill>
-                  <a:srgbClr val="0F0F0F"/>
+                  <a:schemeClr val="tx1"/>
                 </a:solidFill>
                 <a:effectLst/>
                 <a:latin typeface="Söhne"/>
@@ -16988,7 +17499,7 @@
             <a:r>
               <a:rPr lang="en-US" sz="1600" b="0" i="0" dirty="0" err="1">
                 <a:solidFill>
-                  <a:srgbClr val="0F0F0F"/>
+                  <a:schemeClr val="tx1"/>
                 </a:solidFill>
                 <a:effectLst/>
                 <a:latin typeface="Söhne"/>
@@ -16998,7 +17509,7 @@
             <a:r>
               <a:rPr lang="en-US" sz="1600" b="0" i="0" dirty="0">
                 <a:solidFill>
-                  <a:srgbClr val="0F0F0F"/>
+                  <a:schemeClr val="tx1"/>
                 </a:solidFill>
                 <a:effectLst/>
                 <a:latin typeface="Söhne"/>
@@ -17008,7 +17519,7 @@
             <a:r>
               <a:rPr lang="en-US" sz="1600" b="0" i="0" dirty="0" err="1">
                 <a:solidFill>
-                  <a:srgbClr val="0F0F0F"/>
+                  <a:schemeClr val="tx1"/>
                 </a:solidFill>
                 <a:effectLst/>
                 <a:latin typeface="Söhne"/>
@@ -17018,7 +17529,7 @@
             <a:r>
               <a:rPr lang="en-US" sz="1600" b="0" i="0" dirty="0">
                 <a:solidFill>
-                  <a:srgbClr val="0F0F0F"/>
+                  <a:schemeClr val="tx1"/>
                 </a:solidFill>
                 <a:effectLst/>
                 <a:latin typeface="Söhne"/>
@@ -17028,7 +17539,7 @@
             <a:r>
               <a:rPr lang="en-US" sz="1600" b="0" i="0" dirty="0" err="1">
                 <a:solidFill>
-                  <a:srgbClr val="0F0F0F"/>
+                  <a:schemeClr val="tx1"/>
                 </a:solidFill>
                 <a:effectLst/>
                 <a:latin typeface="Söhne"/>
@@ -17038,7 +17549,7 @@
             <a:r>
               <a:rPr lang="en-US" sz="1600" b="0" i="0" dirty="0">
                 <a:solidFill>
-                  <a:srgbClr val="0F0F0F"/>
+                  <a:schemeClr val="tx1"/>
                 </a:solidFill>
                 <a:effectLst/>
                 <a:latin typeface="Söhne"/>
@@ -17048,7 +17559,7 @@
             <a:r>
               <a:rPr lang="en-US" sz="1600" b="0" i="0" dirty="0" err="1">
                 <a:solidFill>
-                  <a:srgbClr val="0F0F0F"/>
+                  <a:schemeClr val="tx1"/>
                 </a:solidFill>
                 <a:effectLst/>
                 <a:latin typeface="Söhne"/>
@@ -17058,7 +17569,7 @@
             <a:r>
               <a:rPr lang="en-US" sz="1600" b="0" i="0" dirty="0">
                 <a:solidFill>
-                  <a:srgbClr val="0F0F0F"/>
+                  <a:schemeClr val="tx1"/>
                 </a:solidFill>
                 <a:effectLst/>
                 <a:latin typeface="Söhne"/>
@@ -17074,7 +17585,7 @@
             <a:r>
               <a:rPr lang="en-US" sz="1600" b="0" i="0" dirty="0">
                 <a:solidFill>
-                  <a:srgbClr val="0F0F0F"/>
+                  <a:schemeClr val="tx1"/>
                 </a:solidFill>
                 <a:effectLst/>
                 <a:latin typeface="Söhne"/>
@@ -17084,7 +17595,7 @@
             <a:r>
               <a:rPr lang="en-US" sz="1600" b="0" i="0" dirty="0" err="1">
                 <a:solidFill>
-                  <a:srgbClr val="0F0F0F"/>
+                  <a:schemeClr val="tx1"/>
                 </a:solidFill>
                 <a:effectLst/>
                 <a:latin typeface="Söhne"/>
@@ -17094,7 +17605,7 @@
             <a:r>
               <a:rPr lang="en-US" sz="1600" b="0" i="0" dirty="0">
                 <a:solidFill>
-                  <a:srgbClr val="0F0F0F"/>
+                  <a:schemeClr val="tx1"/>
                 </a:solidFill>
                 <a:effectLst/>
                 <a:latin typeface="Söhne"/>
@@ -17104,7 +17615,7 @@
             <a:r>
               <a:rPr lang="en-US" sz="1600" b="0" i="0" dirty="0" err="1">
                 <a:solidFill>
-                  <a:srgbClr val="0F0F0F"/>
+                  <a:schemeClr val="tx1"/>
                 </a:solidFill>
                 <a:effectLst/>
                 <a:latin typeface="Söhne"/>
@@ -17114,7 +17625,7 @@
             <a:r>
               <a:rPr lang="en-US" sz="1600" b="0" i="0" dirty="0">
                 <a:solidFill>
-                  <a:srgbClr val="0F0F0F"/>
+                  <a:schemeClr val="tx1"/>
                 </a:solidFill>
                 <a:effectLst/>
                 <a:latin typeface="Söhne"/>
@@ -17124,7 +17635,7 @@
             <a:r>
               <a:rPr lang="en-US" sz="1600" b="0" i="0" dirty="0" err="1">
                 <a:solidFill>
-                  <a:srgbClr val="0F0F0F"/>
+                  <a:schemeClr val="tx1"/>
                 </a:solidFill>
                 <a:effectLst/>
                 <a:latin typeface="Söhne"/>
@@ -17134,7 +17645,7 @@
             <a:r>
               <a:rPr lang="en-US" sz="1600" b="0" i="0" dirty="0">
                 <a:solidFill>
-                  <a:srgbClr val="0F0F0F"/>
+                  <a:schemeClr val="tx1"/>
                 </a:solidFill>
                 <a:effectLst/>
                 <a:latin typeface="Söhne"/>
@@ -17144,7 +17655,7 @@
             <a:r>
               <a:rPr lang="en-US" sz="1600" b="0" i="0" dirty="0" err="1">
                 <a:solidFill>
-                  <a:srgbClr val="0F0F0F"/>
+                  <a:schemeClr val="tx1"/>
                 </a:solidFill>
                 <a:effectLst/>
                 <a:latin typeface="Söhne"/>
@@ -17154,7 +17665,7 @@
             <a:r>
               <a:rPr lang="en-US" sz="1600" b="0" i="0" dirty="0">
                 <a:solidFill>
-                  <a:srgbClr val="0F0F0F"/>
+                  <a:schemeClr val="tx1"/>
                 </a:solidFill>
                 <a:effectLst/>
                 <a:latin typeface="Söhne"/>
@@ -17164,7 +17675,7 @@
             <a:r>
               <a:rPr lang="en-US" sz="1600" b="0" i="0" dirty="0" err="1">
                 <a:solidFill>
-                  <a:srgbClr val="0F0F0F"/>
+                  <a:schemeClr val="tx1"/>
                 </a:solidFill>
                 <a:effectLst/>
                 <a:latin typeface="Söhne"/>
@@ -17174,7 +17685,7 @@
             <a:r>
               <a:rPr lang="en-US" sz="1600" b="0" i="0" dirty="0">
                 <a:solidFill>
-                  <a:srgbClr val="0F0F0F"/>
+                  <a:schemeClr val="tx1"/>
                 </a:solidFill>
                 <a:effectLst/>
                 <a:latin typeface="Söhne"/>
@@ -17184,7 +17695,7 @@
             <a:r>
               <a:rPr lang="en-US" sz="1600" b="0" i="0" dirty="0" err="1">
                 <a:solidFill>
-                  <a:srgbClr val="0F0F0F"/>
+                  <a:schemeClr val="tx1"/>
                 </a:solidFill>
                 <a:effectLst/>
                 <a:latin typeface="Söhne"/>
@@ -17194,7 +17705,7 @@
             <a:r>
               <a:rPr lang="en-US" sz="1600" b="0" i="0" dirty="0">
                 <a:solidFill>
-                  <a:srgbClr val="0F0F0F"/>
+                  <a:schemeClr val="tx1"/>
                 </a:solidFill>
                 <a:effectLst/>
                 <a:latin typeface="Söhne"/>
@@ -17204,7 +17715,7 @@
             <a:r>
               <a:rPr lang="en-US" sz="1600" b="0" i="0" dirty="0" err="1">
                 <a:solidFill>
-                  <a:srgbClr val="0F0F0F"/>
+                  <a:schemeClr val="tx1"/>
                 </a:solidFill>
                 <a:effectLst/>
                 <a:latin typeface="Söhne"/>
@@ -17214,7 +17725,7 @@
             <a:r>
               <a:rPr lang="en-US" sz="1600" b="0" i="0" dirty="0">
                 <a:solidFill>
-                  <a:srgbClr val="0F0F0F"/>
+                  <a:schemeClr val="tx1"/>
                 </a:solidFill>
                 <a:effectLst/>
                 <a:latin typeface="Söhne"/>
@@ -17224,7 +17735,7 @@
             <a:r>
               <a:rPr lang="en-US" sz="1600" b="0" i="0" dirty="0" err="1">
                 <a:solidFill>
-                  <a:srgbClr val="0F0F0F"/>
+                  <a:schemeClr val="tx1"/>
                 </a:solidFill>
                 <a:effectLst/>
                 <a:latin typeface="Söhne"/>
@@ -17234,7 +17745,7 @@
             <a:r>
               <a:rPr lang="en-US" sz="1600" b="0" i="0" dirty="0">
                 <a:solidFill>
-                  <a:srgbClr val="0F0F0F"/>
+                  <a:schemeClr val="tx1"/>
                 </a:solidFill>
                 <a:effectLst/>
                 <a:latin typeface="Söhne"/>
@@ -17244,7 +17755,7 @@
             <a:r>
               <a:rPr lang="en-US" sz="1600" b="0" i="0" dirty="0" err="1">
                 <a:solidFill>
-                  <a:srgbClr val="0F0F0F"/>
+                  <a:schemeClr val="tx1"/>
                 </a:solidFill>
                 <a:effectLst/>
                 <a:latin typeface="Söhne"/>
@@ -17254,7 +17765,7 @@
             <a:r>
               <a:rPr lang="en-US" sz="1600" b="0" i="0" dirty="0">
                 <a:solidFill>
-                  <a:srgbClr val="0F0F0F"/>
+                  <a:schemeClr val="tx1"/>
                 </a:solidFill>
                 <a:effectLst/>
                 <a:latin typeface="Söhne"/>
@@ -17264,7 +17775,7 @@
             <a:r>
               <a:rPr lang="en-US" sz="1600" b="0" i="0" dirty="0" err="1">
                 <a:solidFill>
-                  <a:srgbClr val="0F0F0F"/>
+                  <a:schemeClr val="tx1"/>
                 </a:solidFill>
                 <a:effectLst/>
                 <a:latin typeface="Söhne"/>
@@ -17274,7 +17785,7 @@
             <a:r>
               <a:rPr lang="en-US" sz="1600" b="0" i="0" dirty="0">
                 <a:solidFill>
-                  <a:srgbClr val="0F0F0F"/>
+                  <a:schemeClr val="tx1"/>
                 </a:solidFill>
                 <a:effectLst/>
                 <a:latin typeface="Söhne"/>
@@ -17284,7 +17795,7 @@
             <a:r>
               <a:rPr lang="en-US" sz="1600" b="0" i="0" dirty="0" err="1">
                 <a:solidFill>
-                  <a:srgbClr val="0F0F0F"/>
+                  <a:schemeClr val="tx1"/>
                 </a:solidFill>
                 <a:effectLst/>
                 <a:latin typeface="Söhne"/>
@@ -17294,7 +17805,7 @@
             <a:r>
               <a:rPr lang="en-US" sz="1600" b="0" i="0" dirty="0">
                 <a:solidFill>
-                  <a:srgbClr val="0F0F0F"/>
+                  <a:schemeClr val="tx1"/>
                 </a:solidFill>
                 <a:effectLst/>
                 <a:latin typeface="Söhne"/>
@@ -17304,7 +17815,7 @@
             <a:r>
               <a:rPr lang="en-US" sz="1600" b="0" i="0" dirty="0" err="1">
                 <a:solidFill>
-                  <a:srgbClr val="0F0F0F"/>
+                  <a:schemeClr val="tx1"/>
                 </a:solidFill>
                 <a:effectLst/>
                 <a:latin typeface="Söhne"/>
@@ -17314,7 +17825,7 @@
             <a:r>
               <a:rPr lang="en-US" sz="1600" b="0" i="0" dirty="0">
                 <a:solidFill>
-                  <a:srgbClr val="0F0F0F"/>
+                  <a:schemeClr val="tx1"/>
                 </a:solidFill>
                 <a:effectLst/>
                 <a:latin typeface="Söhne"/>
@@ -17324,7 +17835,7 @@
             <a:r>
               <a:rPr lang="en-US" sz="1600" b="0" i="0" dirty="0" err="1">
                 <a:solidFill>
-                  <a:srgbClr val="0F0F0F"/>
+                  <a:schemeClr val="tx1"/>
                 </a:solidFill>
                 <a:effectLst/>
                 <a:latin typeface="Söhne"/>
@@ -17334,7 +17845,7 @@
             <a:r>
               <a:rPr lang="en-US" sz="1600" b="0" i="0" dirty="0">
                 <a:solidFill>
-                  <a:srgbClr val="0F0F0F"/>
+                  <a:schemeClr val="tx1"/>
                 </a:solidFill>
                 <a:effectLst/>
                 <a:latin typeface="Söhne"/>
@@ -17344,7 +17855,7 @@
             <a:r>
               <a:rPr lang="en-US" sz="1600" b="0" i="0" dirty="0" err="1">
                 <a:solidFill>
-                  <a:srgbClr val="0F0F0F"/>
+                  <a:schemeClr val="tx1"/>
                 </a:solidFill>
                 <a:effectLst/>
                 <a:latin typeface="Söhne"/>
@@ -17354,7 +17865,7 @@
             <a:r>
               <a:rPr lang="en-US" sz="1600" b="0" i="0" dirty="0">
                 <a:solidFill>
-                  <a:srgbClr val="0F0F0F"/>
+                  <a:schemeClr val="tx1"/>
                 </a:solidFill>
                 <a:effectLst/>
                 <a:latin typeface="Söhne"/>
@@ -17408,1542 +17919,6 @@
     <p:extLst>
       <p:ext uri="{BB962C8B-B14F-4D97-AF65-F5344CB8AC3E}">
         <p14:creationId xmlns:p14="http://schemas.microsoft.com/office/powerpoint/2010/main" val="1472006795"/>
-      </p:ext>
-    </p:extLst>
-  </p:cSld>
-  <p:clrMapOvr>
-    <a:masterClrMapping/>
-  </p:clrMapOvr>
-</p:sld>
-</file>
-
-<file path=ppt/slides/slide4.xml><?xml version="1.0" encoding="utf-8"?>
-<p:sld xmlns:a="http://schemas.openxmlformats.org/drawingml/2006/main" xmlns:r="http://schemas.openxmlformats.org/officeDocument/2006/relationships" xmlns:p="http://schemas.openxmlformats.org/presentationml/2006/main">
-  <p:cSld>
-    <p:spTree>
-      <p:nvGrpSpPr>
-        <p:cNvPr id="1" name=""/>
-        <p:cNvGrpSpPr/>
-        <p:nvPr/>
-      </p:nvGrpSpPr>
-      <p:grpSpPr>
-        <a:xfrm>
-          <a:off x="0" y="0"/>
-          <a:ext cx="0" cy="0"/>
-          <a:chOff x="0" y="0"/>
-          <a:chExt cx="0" cy="0"/>
-        </a:xfrm>
-      </p:grpSpPr>
-      <p:sp>
-        <p:nvSpPr>
-          <p:cNvPr id="3" name="Subtitle 2">
-            <a:extLst>
-              <a:ext uri="{FF2B5EF4-FFF2-40B4-BE49-F238E27FC236}">
-                <a16:creationId xmlns:a16="http://schemas.microsoft.com/office/drawing/2014/main" id="{60DB3748-48D4-4BCD-6971-6BA5A9680932}"/>
-              </a:ext>
-            </a:extLst>
-          </p:cNvPr>
-          <p:cNvSpPr>
-            <a:spLocks noGrp="1"/>
-          </p:cNvSpPr>
-          <p:nvPr>
-            <p:ph type="subTitle" idx="1"/>
-          </p:nvPr>
-        </p:nvSpPr>
-        <p:spPr>
-          <a:xfrm>
-            <a:off x="2540000" y="3597026"/>
-            <a:ext cx="7742334" cy="2365236"/>
-          </a:xfrm>
-        </p:spPr>
-        <p:txBody>
-          <a:bodyPr>
-            <a:noAutofit/>
-          </a:bodyPr>
-          <a:lstStyle/>
-          <a:p>
-            <a:pPr algn="l"/>
-            <a:r>
-              <a:rPr lang="en-US" sz="1800" b="1" i="0" dirty="0">
-                <a:solidFill>
-                  <a:schemeClr val="tx1"/>
-                </a:solidFill>
-                <a:effectLst/>
-                <a:latin typeface="Söhne"/>
-              </a:rPr>
-              <a:t>BERT (Bidirectional Encoder Representations from Transformers):</a:t>
-            </a:r>
-            <a:endParaRPr lang="en-US" sz="1800" b="0" i="0" dirty="0">
-              <a:solidFill>
-                <a:schemeClr val="tx1"/>
-              </a:solidFill>
-              <a:effectLst/>
-              <a:latin typeface="Söhne"/>
-            </a:endParaRPr>
-          </a:p>
-          <a:p>
-            <a:pPr algn="l">
-              <a:buFont typeface="Arial" panose="020B0604020202020204" pitchFamily="34" charset="0"/>
-              <a:buChar char="•"/>
-            </a:pPr>
-            <a:r>
-              <a:rPr lang="en-US" sz="1800" b="0" i="0" dirty="0">
-                <a:solidFill>
-                  <a:schemeClr val="tx1"/>
-                </a:solidFill>
-                <a:effectLst/>
-                <a:latin typeface="Söhne"/>
-              </a:rPr>
-              <a:t>BERT, </a:t>
-            </a:r>
-            <a:r>
-              <a:rPr lang="en-US" sz="1800" b="0" i="0" dirty="0" err="1">
-                <a:solidFill>
-                  <a:schemeClr val="tx1"/>
-                </a:solidFill>
-                <a:effectLst/>
-                <a:latin typeface="Söhne"/>
-              </a:rPr>
-              <a:t>matn</a:t>
-            </a:r>
-            <a:r>
-              <a:rPr lang="en-US" sz="1800" b="0" i="0" dirty="0">
-                <a:solidFill>
-                  <a:schemeClr val="tx1"/>
-                </a:solidFill>
-                <a:effectLst/>
-                <a:latin typeface="Söhne"/>
-              </a:rPr>
-              <a:t> </a:t>
-            </a:r>
-            <a:r>
-              <a:rPr lang="en-US" sz="1800" b="0" i="0" dirty="0" err="1">
-                <a:solidFill>
-                  <a:schemeClr val="tx1"/>
-                </a:solidFill>
-                <a:effectLst/>
-                <a:latin typeface="Söhne"/>
-              </a:rPr>
-              <a:t>ma'lumotlarini</a:t>
-            </a:r>
-            <a:r>
-              <a:rPr lang="en-US" sz="1800" b="0" i="0" dirty="0">
-                <a:solidFill>
-                  <a:schemeClr val="tx1"/>
-                </a:solidFill>
-                <a:effectLst/>
-                <a:latin typeface="Söhne"/>
-              </a:rPr>
-              <a:t> </a:t>
-            </a:r>
-            <a:r>
-              <a:rPr lang="en-US" sz="1800" b="0" i="0" dirty="0" err="1">
-                <a:solidFill>
-                  <a:schemeClr val="tx1"/>
-                </a:solidFill>
-                <a:effectLst/>
-                <a:latin typeface="Söhne"/>
-              </a:rPr>
-              <a:t>tahlil</a:t>
-            </a:r>
-            <a:r>
-              <a:rPr lang="en-US" sz="1800" b="0" i="0" dirty="0">
-                <a:solidFill>
-                  <a:schemeClr val="tx1"/>
-                </a:solidFill>
-                <a:effectLst/>
-                <a:latin typeface="Söhne"/>
-              </a:rPr>
-              <a:t> </a:t>
-            </a:r>
-            <a:r>
-              <a:rPr lang="en-US" sz="1800" b="0" i="0" dirty="0" err="1">
-                <a:solidFill>
-                  <a:schemeClr val="tx1"/>
-                </a:solidFill>
-                <a:effectLst/>
-                <a:latin typeface="Söhne"/>
-              </a:rPr>
-              <a:t>qilishda</a:t>
-            </a:r>
-            <a:r>
-              <a:rPr lang="en-US" sz="1800" b="0" i="0" dirty="0">
-                <a:solidFill>
-                  <a:schemeClr val="tx1"/>
-                </a:solidFill>
-                <a:effectLst/>
-                <a:latin typeface="Söhne"/>
-              </a:rPr>
-              <a:t> </a:t>
-            </a:r>
-            <a:r>
-              <a:rPr lang="en-US" sz="1800" b="0" i="0" dirty="0" err="1">
-                <a:solidFill>
-                  <a:schemeClr val="tx1"/>
-                </a:solidFill>
-                <a:effectLst/>
-                <a:latin typeface="Söhne"/>
-              </a:rPr>
-              <a:t>yuqori</a:t>
-            </a:r>
-            <a:r>
-              <a:rPr lang="en-US" sz="1800" b="0" i="0" dirty="0">
-                <a:solidFill>
-                  <a:schemeClr val="tx1"/>
-                </a:solidFill>
-                <a:effectLst/>
-                <a:latin typeface="Söhne"/>
-              </a:rPr>
-              <a:t> </a:t>
-            </a:r>
-            <a:r>
-              <a:rPr lang="en-US" sz="1800" b="0" i="0" dirty="0" err="1">
-                <a:solidFill>
-                  <a:schemeClr val="tx1"/>
-                </a:solidFill>
-                <a:effectLst/>
-                <a:latin typeface="Söhne"/>
-              </a:rPr>
-              <a:t>darajada</a:t>
-            </a:r>
-            <a:r>
-              <a:rPr lang="en-US" sz="1800" b="0" i="0" dirty="0">
-                <a:solidFill>
-                  <a:schemeClr val="tx1"/>
-                </a:solidFill>
-                <a:effectLst/>
-                <a:latin typeface="Söhne"/>
-              </a:rPr>
-              <a:t>   </a:t>
-            </a:r>
-            <a:r>
-              <a:rPr lang="en-US" sz="1800" b="0" i="0" dirty="0" err="1">
-                <a:solidFill>
-                  <a:schemeClr val="tx1"/>
-                </a:solidFill>
-                <a:effectLst/>
-                <a:latin typeface="Söhne"/>
-              </a:rPr>
-              <a:t>muvaffaqiyatga</a:t>
-            </a:r>
-            <a:r>
-              <a:rPr lang="en-US" sz="1800" b="0" i="0" dirty="0">
-                <a:solidFill>
-                  <a:schemeClr val="tx1"/>
-                </a:solidFill>
-                <a:effectLst/>
-                <a:latin typeface="Söhne"/>
-              </a:rPr>
-              <a:t> </a:t>
-            </a:r>
-            <a:r>
-              <a:rPr lang="en-US" sz="1800" b="0" i="0" dirty="0" err="1">
-                <a:solidFill>
-                  <a:schemeClr val="tx1"/>
-                </a:solidFill>
-                <a:effectLst/>
-                <a:latin typeface="Söhne"/>
-              </a:rPr>
-              <a:t>ega</a:t>
-            </a:r>
-            <a:r>
-              <a:rPr lang="en-US" sz="1800" b="0" i="0" dirty="0">
-                <a:solidFill>
-                  <a:schemeClr val="tx1"/>
-                </a:solidFill>
-                <a:effectLst/>
-                <a:latin typeface="Söhne"/>
-              </a:rPr>
-              <a:t> </a:t>
-            </a:r>
-            <a:r>
-              <a:rPr lang="en-US" sz="1800" b="0" i="0" dirty="0" err="1">
-                <a:solidFill>
-                  <a:schemeClr val="tx1"/>
-                </a:solidFill>
-                <a:effectLst/>
-                <a:latin typeface="Söhne"/>
-              </a:rPr>
-              <a:t>bo'lgan</a:t>
-            </a:r>
-            <a:r>
-              <a:rPr lang="en-US" sz="1800" b="0" i="0" dirty="0">
-                <a:solidFill>
-                  <a:schemeClr val="tx1"/>
-                </a:solidFill>
-                <a:effectLst/>
-                <a:latin typeface="Söhne"/>
-              </a:rPr>
-              <a:t> </a:t>
-            </a:r>
-            <a:r>
-              <a:rPr lang="en-US" sz="1800" b="0" i="0" dirty="0" err="1">
-                <a:solidFill>
-                  <a:schemeClr val="tx1"/>
-                </a:solidFill>
-                <a:effectLst/>
-                <a:latin typeface="Söhne"/>
-              </a:rPr>
-              <a:t>loyihadir</a:t>
-            </a:r>
-            <a:r>
-              <a:rPr lang="en-US" sz="1800" b="0" i="0" dirty="0">
-                <a:solidFill>
-                  <a:schemeClr val="tx1"/>
-                </a:solidFill>
-                <a:effectLst/>
-                <a:latin typeface="Söhne"/>
-              </a:rPr>
-              <a:t>.</a:t>
-            </a:r>
-          </a:p>
-          <a:p>
-            <a:pPr algn="l">
-              <a:buFont typeface="Arial" panose="020B0604020202020204" pitchFamily="34" charset="0"/>
-              <a:buChar char="•"/>
-            </a:pPr>
-            <a:r>
-              <a:rPr lang="en-US" sz="1800" b="0" i="0" dirty="0" err="1">
-                <a:solidFill>
-                  <a:schemeClr val="tx1"/>
-                </a:solidFill>
-                <a:effectLst/>
-                <a:latin typeface="Söhne"/>
-              </a:rPr>
-              <a:t>Uning</a:t>
-            </a:r>
-            <a:r>
-              <a:rPr lang="en-US" sz="1800" b="0" i="0" dirty="0">
-                <a:solidFill>
-                  <a:schemeClr val="tx1"/>
-                </a:solidFill>
-                <a:effectLst/>
-                <a:latin typeface="Söhne"/>
-              </a:rPr>
-              <a:t> </a:t>
-            </a:r>
-            <a:r>
-              <a:rPr lang="en-US" sz="1800" b="0" i="0" dirty="0" err="1">
-                <a:solidFill>
-                  <a:schemeClr val="tx1"/>
-                </a:solidFill>
-                <a:effectLst/>
-                <a:latin typeface="Söhne"/>
-              </a:rPr>
-              <a:t>asosiy</a:t>
-            </a:r>
-            <a:r>
-              <a:rPr lang="en-US" sz="1800" b="0" i="0" dirty="0">
-                <a:solidFill>
-                  <a:schemeClr val="tx1"/>
-                </a:solidFill>
-                <a:effectLst/>
-                <a:latin typeface="Söhne"/>
-              </a:rPr>
-              <a:t> </a:t>
-            </a:r>
-            <a:r>
-              <a:rPr lang="en-US" sz="1800" b="0" i="0" dirty="0" err="1">
-                <a:solidFill>
-                  <a:schemeClr val="tx1"/>
-                </a:solidFill>
-                <a:effectLst/>
-                <a:latin typeface="Söhne"/>
-              </a:rPr>
-              <a:t>afzalliklari</a:t>
-            </a:r>
-            <a:r>
-              <a:rPr lang="en-US" sz="1800" b="0" i="0" dirty="0">
-                <a:solidFill>
-                  <a:schemeClr val="tx1"/>
-                </a:solidFill>
-                <a:effectLst/>
-                <a:latin typeface="Söhne"/>
-              </a:rPr>
-              <a:t> </a:t>
-            </a:r>
-            <a:r>
-              <a:rPr lang="en-US" sz="1800" b="0" i="0" dirty="0" err="1">
-                <a:solidFill>
-                  <a:schemeClr val="tx1"/>
-                </a:solidFill>
-                <a:effectLst/>
-                <a:latin typeface="Söhne"/>
-              </a:rPr>
-              <a:t>o'ziga</a:t>
-            </a:r>
-            <a:r>
-              <a:rPr lang="en-US" sz="1800" b="0" i="0" dirty="0">
-                <a:solidFill>
-                  <a:schemeClr val="tx1"/>
-                </a:solidFill>
-                <a:effectLst/>
-                <a:latin typeface="Söhne"/>
-              </a:rPr>
-              <a:t> </a:t>
-            </a:r>
-            <a:r>
-              <a:rPr lang="en-US" sz="1800" b="0" i="0" dirty="0" err="1">
-                <a:solidFill>
-                  <a:schemeClr val="tx1"/>
-                </a:solidFill>
-                <a:effectLst/>
-                <a:latin typeface="Söhne"/>
-              </a:rPr>
-              <a:t>xos</a:t>
-            </a:r>
-            <a:r>
-              <a:rPr lang="en-US" sz="1800" b="0" i="0" dirty="0">
-                <a:solidFill>
-                  <a:schemeClr val="tx1"/>
-                </a:solidFill>
-                <a:effectLst/>
-                <a:latin typeface="Söhne"/>
-              </a:rPr>
-              <a:t> </a:t>
-            </a:r>
-            <a:r>
-              <a:rPr lang="en-US" sz="1800" b="0" i="0" dirty="0" err="1">
-                <a:solidFill>
-                  <a:schemeClr val="tx1"/>
-                </a:solidFill>
-                <a:effectLst/>
-                <a:latin typeface="Söhne"/>
-              </a:rPr>
-              <a:t>usullar</a:t>
-            </a:r>
-            <a:r>
-              <a:rPr lang="en-US" sz="1800" b="0" i="0" dirty="0">
-                <a:solidFill>
-                  <a:schemeClr val="tx1"/>
-                </a:solidFill>
-                <a:effectLst/>
-                <a:latin typeface="Söhne"/>
-              </a:rPr>
-              <a:t> </a:t>
-            </a:r>
-            <a:r>
-              <a:rPr lang="en-US" sz="1800" b="0" i="0" dirty="0" err="1">
-                <a:solidFill>
-                  <a:schemeClr val="tx1"/>
-                </a:solidFill>
-                <a:effectLst/>
-                <a:latin typeface="Söhne"/>
-              </a:rPr>
-              <a:t>bilan</a:t>
-            </a:r>
-            <a:r>
-              <a:rPr lang="en-US" sz="1800" b="0" i="0" dirty="0">
-                <a:solidFill>
-                  <a:schemeClr val="tx1"/>
-                </a:solidFill>
-                <a:effectLst/>
-                <a:latin typeface="Söhne"/>
-              </a:rPr>
-              <a:t> </a:t>
-            </a:r>
-            <a:r>
-              <a:rPr lang="en-US" sz="1800" b="0" i="0" dirty="0" err="1">
-                <a:solidFill>
-                  <a:schemeClr val="tx1"/>
-                </a:solidFill>
-                <a:effectLst/>
-                <a:latin typeface="Söhne"/>
-              </a:rPr>
-              <a:t>so'zlar</a:t>
-            </a:r>
-            <a:r>
-              <a:rPr lang="en-US" sz="1800" b="0" i="0" dirty="0">
-                <a:solidFill>
-                  <a:schemeClr val="tx1"/>
-                </a:solidFill>
-                <a:effectLst/>
-                <a:latin typeface="Söhne"/>
-              </a:rPr>
-              <a:t> </a:t>
-            </a:r>
-            <a:r>
-              <a:rPr lang="en-US" sz="1800" b="0" i="0" dirty="0" err="1">
-                <a:solidFill>
-                  <a:schemeClr val="tx1"/>
-                </a:solidFill>
-                <a:effectLst/>
-                <a:latin typeface="Söhne"/>
-              </a:rPr>
-              <a:t>va</a:t>
-            </a:r>
-            <a:r>
-              <a:rPr lang="en-US" sz="1800" b="0" i="0" dirty="0">
-                <a:solidFill>
-                  <a:schemeClr val="tx1"/>
-                </a:solidFill>
-                <a:effectLst/>
-                <a:latin typeface="Söhne"/>
-              </a:rPr>
-              <a:t> </a:t>
-            </a:r>
-            <a:r>
-              <a:rPr lang="en-US" sz="1800" b="0" i="0" dirty="0" err="1">
-                <a:solidFill>
-                  <a:schemeClr val="tx1"/>
-                </a:solidFill>
-                <a:effectLst/>
-                <a:latin typeface="Söhne"/>
-              </a:rPr>
-              <a:t>ularning</a:t>
-            </a:r>
-            <a:r>
-              <a:rPr lang="en-US" sz="1800" b="0" i="0" dirty="0">
-                <a:solidFill>
-                  <a:schemeClr val="tx1"/>
-                </a:solidFill>
-                <a:effectLst/>
-                <a:latin typeface="Söhne"/>
-              </a:rPr>
-              <a:t> </a:t>
-            </a:r>
-            <a:r>
-              <a:rPr lang="en-US" sz="1800" b="0" i="0" dirty="0" err="1">
-                <a:solidFill>
-                  <a:schemeClr val="tx1"/>
-                </a:solidFill>
-                <a:effectLst/>
-                <a:latin typeface="Söhne"/>
-              </a:rPr>
-              <a:t>kontekstini</a:t>
-            </a:r>
-            <a:r>
-              <a:rPr lang="en-US" sz="1800" b="0" i="0" dirty="0">
-                <a:solidFill>
-                  <a:schemeClr val="tx1"/>
-                </a:solidFill>
-                <a:effectLst/>
-                <a:latin typeface="Söhne"/>
-              </a:rPr>
-              <a:t> </a:t>
-            </a:r>
-            <a:r>
-              <a:rPr lang="en-US" sz="1800" b="0" i="0" dirty="0" err="1">
-                <a:solidFill>
-                  <a:schemeClr val="tx1"/>
-                </a:solidFill>
-                <a:effectLst/>
-                <a:latin typeface="Söhne"/>
-              </a:rPr>
-              <a:t>tushunish</a:t>
-            </a:r>
-            <a:r>
-              <a:rPr lang="en-US" sz="1800" b="0" i="0" dirty="0">
-                <a:solidFill>
-                  <a:schemeClr val="tx1"/>
-                </a:solidFill>
-                <a:effectLst/>
-                <a:latin typeface="Söhne"/>
-              </a:rPr>
-              <a:t>, </a:t>
-            </a:r>
-            <a:r>
-              <a:rPr lang="en-US" sz="1800" b="0" i="0" dirty="0" err="1">
-                <a:solidFill>
-                  <a:schemeClr val="tx1"/>
-                </a:solidFill>
-                <a:effectLst/>
-                <a:latin typeface="Söhne"/>
-              </a:rPr>
-              <a:t>o'zaro</a:t>
-            </a:r>
-            <a:r>
-              <a:rPr lang="en-US" sz="1800" b="0" i="0" dirty="0">
-                <a:solidFill>
-                  <a:schemeClr val="tx1"/>
-                </a:solidFill>
-                <a:effectLst/>
-                <a:latin typeface="Söhne"/>
-              </a:rPr>
-              <a:t> </a:t>
-            </a:r>
-            <a:r>
-              <a:rPr lang="en-US" sz="1800" b="0" i="0" dirty="0" err="1">
-                <a:solidFill>
-                  <a:schemeClr val="tx1"/>
-                </a:solidFill>
-                <a:effectLst/>
-                <a:latin typeface="Söhne"/>
-              </a:rPr>
-              <a:t>bog'liqliklarni</a:t>
-            </a:r>
-            <a:r>
-              <a:rPr lang="en-US" sz="1800" b="0" i="0" dirty="0">
-                <a:solidFill>
-                  <a:schemeClr val="tx1"/>
-                </a:solidFill>
-                <a:effectLst/>
-                <a:latin typeface="Söhne"/>
-              </a:rPr>
-              <a:t> </a:t>
-            </a:r>
-            <a:r>
-              <a:rPr lang="en-US" sz="1800" b="0" i="0" dirty="0" err="1">
-                <a:solidFill>
-                  <a:schemeClr val="tx1"/>
-                </a:solidFill>
-                <a:effectLst/>
-                <a:latin typeface="Söhne"/>
-              </a:rPr>
-              <a:t>aniqlash</a:t>
-            </a:r>
-            <a:r>
-              <a:rPr lang="en-US" sz="1800" b="0" i="0" dirty="0">
-                <a:solidFill>
-                  <a:schemeClr val="tx1"/>
-                </a:solidFill>
-                <a:effectLst/>
-                <a:latin typeface="Söhne"/>
-              </a:rPr>
-              <a:t> </a:t>
-            </a:r>
-            <a:r>
-              <a:rPr lang="en-US" sz="1800" b="0" i="0" dirty="0" err="1">
-                <a:solidFill>
-                  <a:schemeClr val="tx1"/>
-                </a:solidFill>
-                <a:effectLst/>
-                <a:latin typeface="Söhne"/>
-              </a:rPr>
-              <a:t>va</a:t>
-            </a:r>
-            <a:r>
-              <a:rPr lang="en-US" sz="1800" b="0" i="0" dirty="0">
-                <a:solidFill>
-                  <a:schemeClr val="tx1"/>
-                </a:solidFill>
-                <a:effectLst/>
-                <a:latin typeface="Söhne"/>
-              </a:rPr>
-              <a:t> natural </a:t>
-            </a:r>
-            <a:r>
-              <a:rPr lang="en-US" sz="1800" b="0" i="0" dirty="0" err="1">
-                <a:solidFill>
-                  <a:schemeClr val="tx1"/>
-                </a:solidFill>
-                <a:effectLst/>
-                <a:latin typeface="Söhne"/>
-              </a:rPr>
-              <a:t>tilga</a:t>
-            </a:r>
-            <a:r>
-              <a:rPr lang="en-US" sz="1800" b="0" i="0" dirty="0">
-                <a:solidFill>
-                  <a:schemeClr val="tx1"/>
-                </a:solidFill>
-                <a:effectLst/>
-                <a:latin typeface="Söhne"/>
-              </a:rPr>
-              <a:t> </a:t>
-            </a:r>
-            <a:r>
-              <a:rPr lang="en-US" sz="1800" b="0" i="0" dirty="0" err="1">
-                <a:solidFill>
-                  <a:schemeClr val="tx1"/>
-                </a:solidFill>
-                <a:effectLst/>
-                <a:latin typeface="Söhne"/>
-              </a:rPr>
-              <a:t>mo'ljallangan</a:t>
-            </a:r>
-            <a:r>
-              <a:rPr lang="en-US" sz="1800" b="0" i="0" dirty="0">
-                <a:solidFill>
-                  <a:schemeClr val="tx1"/>
-                </a:solidFill>
-                <a:effectLst/>
-                <a:latin typeface="Söhne"/>
-              </a:rPr>
-              <a:t> </a:t>
-            </a:r>
-            <a:r>
-              <a:rPr lang="en-US" sz="1800" b="0" i="0" dirty="0" err="1">
-                <a:solidFill>
-                  <a:schemeClr val="tx1"/>
-                </a:solidFill>
-                <a:effectLst/>
-                <a:latin typeface="Söhne"/>
-              </a:rPr>
-              <a:t>ma'lumotlarni</a:t>
-            </a:r>
-            <a:r>
-              <a:rPr lang="en-US" sz="1800" b="0" i="0" dirty="0">
-                <a:solidFill>
-                  <a:schemeClr val="tx1"/>
-                </a:solidFill>
-                <a:effectLst/>
-                <a:latin typeface="Söhne"/>
-              </a:rPr>
-              <a:t> </a:t>
-            </a:r>
-            <a:r>
-              <a:rPr lang="en-US" sz="1800" b="0" i="0" dirty="0" err="1">
-                <a:solidFill>
-                  <a:schemeClr val="tx1"/>
-                </a:solidFill>
-                <a:effectLst/>
-                <a:latin typeface="Söhne"/>
-              </a:rPr>
-              <a:t>tahlil</a:t>
-            </a:r>
-            <a:r>
-              <a:rPr lang="en-US" sz="1800" b="0" i="0" dirty="0">
-                <a:solidFill>
-                  <a:schemeClr val="tx1"/>
-                </a:solidFill>
-                <a:effectLst/>
-                <a:latin typeface="Söhne"/>
-              </a:rPr>
-              <a:t> </a:t>
-            </a:r>
-            <a:r>
-              <a:rPr lang="en-US" sz="1800" b="0" i="0" dirty="0" err="1">
-                <a:solidFill>
-                  <a:schemeClr val="tx1"/>
-                </a:solidFill>
-                <a:effectLst/>
-                <a:latin typeface="Söhne"/>
-              </a:rPr>
-              <a:t>qilishdir</a:t>
-            </a:r>
-            <a:r>
-              <a:rPr lang="en-US" sz="1800" b="0" i="0" dirty="0">
-                <a:solidFill>
-                  <a:schemeClr val="tx1"/>
-                </a:solidFill>
-                <a:effectLst/>
-                <a:latin typeface="Söhne"/>
-              </a:rPr>
-              <a:t>.</a:t>
-            </a:r>
-          </a:p>
-        </p:txBody>
-      </p:sp>
-      <p:pic>
-        <p:nvPicPr>
-          <p:cNvPr id="1028" name="Picture 4">
-            <a:extLst>
-              <a:ext uri="{FF2B5EF4-FFF2-40B4-BE49-F238E27FC236}">
-                <a16:creationId xmlns:a16="http://schemas.microsoft.com/office/drawing/2014/main" id="{2AE49A51-37E2-71BD-3215-5176B01F92E6}"/>
-              </a:ext>
-            </a:extLst>
-          </p:cNvPr>
-          <p:cNvPicPr>
-            <a:picLocks noChangeAspect="1" noChangeArrowheads="1"/>
-          </p:cNvPicPr>
-          <p:nvPr/>
-        </p:nvPicPr>
-        <p:blipFill>
-          <a:blip r:embed="rId2">
-            <a:extLst>
-              <a:ext uri="{28A0092B-C50C-407E-A947-70E740481C1C}">
-                <a14:useLocalDpi xmlns:a14="http://schemas.microsoft.com/office/drawing/2010/main" val="0"/>
-              </a:ext>
-            </a:extLst>
-          </a:blip>
-          <a:srcRect/>
-          <a:stretch>
-            <a:fillRect/>
-          </a:stretch>
-        </p:blipFill>
-        <p:spPr bwMode="auto">
-          <a:xfrm>
-            <a:off x="2539999" y="89429"/>
-            <a:ext cx="7742335" cy="3407833"/>
-          </a:xfrm>
-          <a:prstGeom prst="rect">
-            <a:avLst/>
-          </a:prstGeom>
-          <a:noFill/>
-          <a:extLst>
-            <a:ext uri="{909E8E84-426E-40DD-AFC4-6F175D3DCCD1}">
-              <a14:hiddenFill xmlns:a14="http://schemas.microsoft.com/office/drawing/2010/main">
-                <a:solidFill>
-                  <a:srgbClr val="FFFFFF"/>
-                </a:solidFill>
-              </a14:hiddenFill>
-            </a:ext>
-          </a:extLst>
-        </p:spPr>
-      </p:pic>
-    </p:spTree>
-    <p:extLst>
-      <p:ext uri="{BB962C8B-B14F-4D97-AF65-F5344CB8AC3E}">
-        <p14:creationId xmlns:p14="http://schemas.microsoft.com/office/powerpoint/2010/main" val="993300355"/>
-      </p:ext>
-    </p:extLst>
-  </p:cSld>
-  <p:clrMapOvr>
-    <a:masterClrMapping/>
-  </p:clrMapOvr>
-</p:sld>
-</file>
-
-<file path=ppt/slides/slide5.xml><?xml version="1.0" encoding="utf-8"?>
-<p:sld xmlns:a="http://schemas.openxmlformats.org/drawingml/2006/main" xmlns:r="http://schemas.openxmlformats.org/officeDocument/2006/relationships" xmlns:p="http://schemas.openxmlformats.org/presentationml/2006/main">
-  <p:cSld>
-    <p:spTree>
-      <p:nvGrpSpPr>
-        <p:cNvPr id="1" name=""/>
-        <p:cNvGrpSpPr/>
-        <p:nvPr/>
-      </p:nvGrpSpPr>
-      <p:grpSpPr>
-        <a:xfrm>
-          <a:off x="0" y="0"/>
-          <a:ext cx="0" cy="0"/>
-          <a:chOff x="0" y="0"/>
-          <a:chExt cx="0" cy="0"/>
-        </a:xfrm>
-      </p:grpSpPr>
-      <p:sp>
-        <p:nvSpPr>
-          <p:cNvPr id="3" name="Subtitle 2">
-            <a:extLst>
-              <a:ext uri="{FF2B5EF4-FFF2-40B4-BE49-F238E27FC236}">
-                <a16:creationId xmlns:a16="http://schemas.microsoft.com/office/drawing/2014/main" id="{60DB3748-48D4-4BCD-6971-6BA5A9680932}"/>
-              </a:ext>
-            </a:extLst>
-          </p:cNvPr>
-          <p:cNvSpPr>
-            <a:spLocks noGrp="1"/>
-          </p:cNvSpPr>
-          <p:nvPr>
-            <p:ph type="subTitle" idx="1"/>
-          </p:nvPr>
-        </p:nvSpPr>
-        <p:spPr>
-          <a:xfrm>
-            <a:off x="2540000" y="3597026"/>
-            <a:ext cx="7742334" cy="2365236"/>
-          </a:xfrm>
-        </p:spPr>
-        <p:txBody>
-          <a:bodyPr>
-            <a:noAutofit/>
-          </a:bodyPr>
-          <a:lstStyle/>
-          <a:p>
-            <a:pPr algn="l"/>
-            <a:r>
-              <a:rPr lang="en-US" sz="1800" b="1" i="0" dirty="0">
-                <a:solidFill>
-                  <a:schemeClr val="tx1"/>
-                </a:solidFill>
-                <a:effectLst/>
-                <a:latin typeface="Söhne"/>
-              </a:rPr>
-              <a:t>BERT (Bidirectional Encoder Representations from Transformers):</a:t>
-            </a:r>
-            <a:endParaRPr lang="en-US" sz="1800" b="0" i="0" dirty="0">
-              <a:solidFill>
-                <a:schemeClr val="tx1"/>
-              </a:solidFill>
-              <a:effectLst/>
-              <a:latin typeface="Söhne"/>
-            </a:endParaRPr>
-          </a:p>
-          <a:p>
-            <a:pPr algn="l">
-              <a:buFont typeface="Arial" panose="020B0604020202020204" pitchFamily="34" charset="0"/>
-              <a:buChar char="•"/>
-            </a:pPr>
-            <a:r>
-              <a:rPr lang="en-US" sz="1800" b="0" i="0" dirty="0">
-                <a:solidFill>
-                  <a:schemeClr val="tx1"/>
-                </a:solidFill>
-                <a:effectLst/>
-                <a:latin typeface="Söhne"/>
-              </a:rPr>
-              <a:t>BERT, </a:t>
-            </a:r>
-            <a:r>
-              <a:rPr lang="en-US" sz="1800" b="0" i="0" dirty="0" err="1">
-                <a:solidFill>
-                  <a:schemeClr val="tx1"/>
-                </a:solidFill>
-                <a:effectLst/>
-                <a:latin typeface="Söhne"/>
-              </a:rPr>
-              <a:t>matn</a:t>
-            </a:r>
-            <a:r>
-              <a:rPr lang="en-US" sz="1800" b="0" i="0" dirty="0">
-                <a:solidFill>
-                  <a:schemeClr val="tx1"/>
-                </a:solidFill>
-                <a:effectLst/>
-                <a:latin typeface="Söhne"/>
-              </a:rPr>
-              <a:t> </a:t>
-            </a:r>
-            <a:r>
-              <a:rPr lang="en-US" sz="1800" b="0" i="0" dirty="0" err="1">
-                <a:solidFill>
-                  <a:schemeClr val="tx1"/>
-                </a:solidFill>
-                <a:effectLst/>
-                <a:latin typeface="Söhne"/>
-              </a:rPr>
-              <a:t>ma'lumotlarini</a:t>
-            </a:r>
-            <a:r>
-              <a:rPr lang="en-US" sz="1800" b="0" i="0" dirty="0">
-                <a:solidFill>
-                  <a:schemeClr val="tx1"/>
-                </a:solidFill>
-                <a:effectLst/>
-                <a:latin typeface="Söhne"/>
-              </a:rPr>
-              <a:t> </a:t>
-            </a:r>
-            <a:r>
-              <a:rPr lang="en-US" sz="1800" b="0" i="0" dirty="0" err="1">
-                <a:solidFill>
-                  <a:schemeClr val="tx1"/>
-                </a:solidFill>
-                <a:effectLst/>
-                <a:latin typeface="Söhne"/>
-              </a:rPr>
-              <a:t>tahlil</a:t>
-            </a:r>
-            <a:r>
-              <a:rPr lang="en-US" sz="1800" b="0" i="0" dirty="0">
-                <a:solidFill>
-                  <a:schemeClr val="tx1"/>
-                </a:solidFill>
-                <a:effectLst/>
-                <a:latin typeface="Söhne"/>
-              </a:rPr>
-              <a:t> </a:t>
-            </a:r>
-            <a:r>
-              <a:rPr lang="en-US" sz="1800" b="0" i="0" dirty="0" err="1">
-                <a:solidFill>
-                  <a:schemeClr val="tx1"/>
-                </a:solidFill>
-                <a:effectLst/>
-                <a:latin typeface="Söhne"/>
-              </a:rPr>
-              <a:t>qilishda</a:t>
-            </a:r>
-            <a:r>
-              <a:rPr lang="en-US" sz="1800" b="0" i="0" dirty="0">
-                <a:solidFill>
-                  <a:schemeClr val="tx1"/>
-                </a:solidFill>
-                <a:effectLst/>
-                <a:latin typeface="Söhne"/>
-              </a:rPr>
-              <a:t> </a:t>
-            </a:r>
-            <a:r>
-              <a:rPr lang="en-US" sz="1800" b="0" i="0" dirty="0" err="1">
-                <a:solidFill>
-                  <a:schemeClr val="tx1"/>
-                </a:solidFill>
-                <a:effectLst/>
-                <a:latin typeface="Söhne"/>
-              </a:rPr>
-              <a:t>yuqori</a:t>
-            </a:r>
-            <a:r>
-              <a:rPr lang="en-US" sz="1800" b="0" i="0" dirty="0">
-                <a:solidFill>
-                  <a:schemeClr val="tx1"/>
-                </a:solidFill>
-                <a:effectLst/>
-                <a:latin typeface="Söhne"/>
-              </a:rPr>
-              <a:t> </a:t>
-            </a:r>
-            <a:r>
-              <a:rPr lang="en-US" sz="1800" b="0" i="0" dirty="0" err="1">
-                <a:solidFill>
-                  <a:schemeClr val="tx1"/>
-                </a:solidFill>
-                <a:effectLst/>
-                <a:latin typeface="Söhne"/>
-              </a:rPr>
-              <a:t>darajada</a:t>
-            </a:r>
-            <a:r>
-              <a:rPr lang="en-US" sz="1800" b="0" i="0" dirty="0">
-                <a:solidFill>
-                  <a:schemeClr val="tx1"/>
-                </a:solidFill>
-                <a:effectLst/>
-                <a:latin typeface="Söhne"/>
-              </a:rPr>
-              <a:t>   </a:t>
-            </a:r>
-            <a:r>
-              <a:rPr lang="en-US" sz="1800" b="0" i="0" dirty="0" err="1">
-                <a:solidFill>
-                  <a:schemeClr val="tx1"/>
-                </a:solidFill>
-                <a:effectLst/>
-                <a:latin typeface="Söhne"/>
-              </a:rPr>
-              <a:t>muvaffaqiyatga</a:t>
-            </a:r>
-            <a:r>
-              <a:rPr lang="en-US" sz="1800" b="0" i="0" dirty="0">
-                <a:solidFill>
-                  <a:schemeClr val="tx1"/>
-                </a:solidFill>
-                <a:effectLst/>
-                <a:latin typeface="Söhne"/>
-              </a:rPr>
-              <a:t> </a:t>
-            </a:r>
-            <a:r>
-              <a:rPr lang="en-US" sz="1800" b="0" i="0" dirty="0" err="1">
-                <a:solidFill>
-                  <a:schemeClr val="tx1"/>
-                </a:solidFill>
-                <a:effectLst/>
-                <a:latin typeface="Söhne"/>
-              </a:rPr>
-              <a:t>ega</a:t>
-            </a:r>
-            <a:r>
-              <a:rPr lang="en-US" sz="1800" b="0" i="0" dirty="0">
-                <a:solidFill>
-                  <a:schemeClr val="tx1"/>
-                </a:solidFill>
-                <a:effectLst/>
-                <a:latin typeface="Söhne"/>
-              </a:rPr>
-              <a:t> </a:t>
-            </a:r>
-            <a:r>
-              <a:rPr lang="en-US" sz="1800" b="0" i="0" dirty="0" err="1">
-                <a:solidFill>
-                  <a:schemeClr val="tx1"/>
-                </a:solidFill>
-                <a:effectLst/>
-                <a:latin typeface="Söhne"/>
-              </a:rPr>
-              <a:t>bo'lgan</a:t>
-            </a:r>
-            <a:r>
-              <a:rPr lang="en-US" sz="1800" b="0" i="0" dirty="0">
-                <a:solidFill>
-                  <a:schemeClr val="tx1"/>
-                </a:solidFill>
-                <a:effectLst/>
-                <a:latin typeface="Söhne"/>
-              </a:rPr>
-              <a:t> </a:t>
-            </a:r>
-            <a:r>
-              <a:rPr lang="en-US" sz="1800" b="0" i="0" dirty="0" err="1">
-                <a:solidFill>
-                  <a:schemeClr val="tx1"/>
-                </a:solidFill>
-                <a:effectLst/>
-                <a:latin typeface="Söhne"/>
-              </a:rPr>
-              <a:t>loyihadir</a:t>
-            </a:r>
-            <a:r>
-              <a:rPr lang="en-US" sz="1800" b="0" i="0" dirty="0">
-                <a:solidFill>
-                  <a:schemeClr val="tx1"/>
-                </a:solidFill>
-                <a:effectLst/>
-                <a:latin typeface="Söhne"/>
-              </a:rPr>
-              <a:t>.</a:t>
-            </a:r>
-          </a:p>
-          <a:p>
-            <a:pPr algn="l">
-              <a:buFont typeface="Arial" panose="020B0604020202020204" pitchFamily="34" charset="0"/>
-              <a:buChar char="•"/>
-            </a:pPr>
-            <a:r>
-              <a:rPr lang="en-US" sz="1800" b="0" i="0" dirty="0" err="1">
-                <a:solidFill>
-                  <a:schemeClr val="tx1"/>
-                </a:solidFill>
-                <a:effectLst/>
-                <a:latin typeface="Söhne"/>
-              </a:rPr>
-              <a:t>Uning</a:t>
-            </a:r>
-            <a:r>
-              <a:rPr lang="en-US" sz="1800" b="0" i="0" dirty="0">
-                <a:solidFill>
-                  <a:schemeClr val="tx1"/>
-                </a:solidFill>
-                <a:effectLst/>
-                <a:latin typeface="Söhne"/>
-              </a:rPr>
-              <a:t> </a:t>
-            </a:r>
-            <a:r>
-              <a:rPr lang="en-US" sz="1800" b="0" i="0" dirty="0" err="1">
-                <a:solidFill>
-                  <a:schemeClr val="tx1"/>
-                </a:solidFill>
-                <a:effectLst/>
-                <a:latin typeface="Söhne"/>
-              </a:rPr>
-              <a:t>asosiy</a:t>
-            </a:r>
-            <a:r>
-              <a:rPr lang="en-US" sz="1800" b="0" i="0" dirty="0">
-                <a:solidFill>
-                  <a:schemeClr val="tx1"/>
-                </a:solidFill>
-                <a:effectLst/>
-                <a:latin typeface="Söhne"/>
-              </a:rPr>
-              <a:t> </a:t>
-            </a:r>
-            <a:r>
-              <a:rPr lang="en-US" sz="1800" b="0" i="0" dirty="0" err="1">
-                <a:solidFill>
-                  <a:schemeClr val="tx1"/>
-                </a:solidFill>
-                <a:effectLst/>
-                <a:latin typeface="Söhne"/>
-              </a:rPr>
-              <a:t>afzalliklari</a:t>
-            </a:r>
-            <a:r>
-              <a:rPr lang="en-US" sz="1800" b="0" i="0" dirty="0">
-                <a:solidFill>
-                  <a:schemeClr val="tx1"/>
-                </a:solidFill>
-                <a:effectLst/>
-                <a:latin typeface="Söhne"/>
-              </a:rPr>
-              <a:t> </a:t>
-            </a:r>
-            <a:r>
-              <a:rPr lang="en-US" sz="1800" b="0" i="0" dirty="0" err="1">
-                <a:solidFill>
-                  <a:schemeClr val="tx1"/>
-                </a:solidFill>
-                <a:effectLst/>
-                <a:latin typeface="Söhne"/>
-              </a:rPr>
-              <a:t>o'ziga</a:t>
-            </a:r>
-            <a:r>
-              <a:rPr lang="en-US" sz="1800" b="0" i="0" dirty="0">
-                <a:solidFill>
-                  <a:schemeClr val="tx1"/>
-                </a:solidFill>
-                <a:effectLst/>
-                <a:latin typeface="Söhne"/>
-              </a:rPr>
-              <a:t> </a:t>
-            </a:r>
-            <a:r>
-              <a:rPr lang="en-US" sz="1800" b="0" i="0" dirty="0" err="1">
-                <a:solidFill>
-                  <a:schemeClr val="tx1"/>
-                </a:solidFill>
-                <a:effectLst/>
-                <a:latin typeface="Söhne"/>
-              </a:rPr>
-              <a:t>xos</a:t>
-            </a:r>
-            <a:r>
-              <a:rPr lang="en-US" sz="1800" b="0" i="0" dirty="0">
-                <a:solidFill>
-                  <a:schemeClr val="tx1"/>
-                </a:solidFill>
-                <a:effectLst/>
-                <a:latin typeface="Söhne"/>
-              </a:rPr>
-              <a:t> </a:t>
-            </a:r>
-            <a:r>
-              <a:rPr lang="en-US" sz="1800" b="0" i="0" dirty="0" err="1">
-                <a:solidFill>
-                  <a:schemeClr val="tx1"/>
-                </a:solidFill>
-                <a:effectLst/>
-                <a:latin typeface="Söhne"/>
-              </a:rPr>
-              <a:t>usullar</a:t>
-            </a:r>
-            <a:r>
-              <a:rPr lang="en-US" sz="1800" b="0" i="0" dirty="0">
-                <a:solidFill>
-                  <a:schemeClr val="tx1"/>
-                </a:solidFill>
-                <a:effectLst/>
-                <a:latin typeface="Söhne"/>
-              </a:rPr>
-              <a:t> </a:t>
-            </a:r>
-            <a:r>
-              <a:rPr lang="en-US" sz="1800" b="0" i="0" dirty="0" err="1">
-                <a:solidFill>
-                  <a:schemeClr val="tx1"/>
-                </a:solidFill>
-                <a:effectLst/>
-                <a:latin typeface="Söhne"/>
-              </a:rPr>
-              <a:t>bilan</a:t>
-            </a:r>
-            <a:r>
-              <a:rPr lang="en-US" sz="1800" b="0" i="0" dirty="0">
-                <a:solidFill>
-                  <a:schemeClr val="tx1"/>
-                </a:solidFill>
-                <a:effectLst/>
-                <a:latin typeface="Söhne"/>
-              </a:rPr>
-              <a:t> </a:t>
-            </a:r>
-            <a:r>
-              <a:rPr lang="en-US" sz="1800" b="0" i="0" dirty="0" err="1">
-                <a:solidFill>
-                  <a:schemeClr val="tx1"/>
-                </a:solidFill>
-                <a:effectLst/>
-                <a:latin typeface="Söhne"/>
-              </a:rPr>
-              <a:t>so'zlar</a:t>
-            </a:r>
-            <a:r>
-              <a:rPr lang="en-US" sz="1800" b="0" i="0" dirty="0">
-                <a:solidFill>
-                  <a:schemeClr val="tx1"/>
-                </a:solidFill>
-                <a:effectLst/>
-                <a:latin typeface="Söhne"/>
-              </a:rPr>
-              <a:t> </a:t>
-            </a:r>
-            <a:r>
-              <a:rPr lang="en-US" sz="1800" b="0" i="0" dirty="0" err="1">
-                <a:solidFill>
-                  <a:schemeClr val="tx1"/>
-                </a:solidFill>
-                <a:effectLst/>
-                <a:latin typeface="Söhne"/>
-              </a:rPr>
-              <a:t>va</a:t>
-            </a:r>
-            <a:r>
-              <a:rPr lang="en-US" sz="1800" b="0" i="0" dirty="0">
-                <a:solidFill>
-                  <a:schemeClr val="tx1"/>
-                </a:solidFill>
-                <a:effectLst/>
-                <a:latin typeface="Söhne"/>
-              </a:rPr>
-              <a:t> </a:t>
-            </a:r>
-            <a:r>
-              <a:rPr lang="en-US" sz="1800" b="0" i="0" dirty="0" err="1">
-                <a:solidFill>
-                  <a:schemeClr val="tx1"/>
-                </a:solidFill>
-                <a:effectLst/>
-                <a:latin typeface="Söhne"/>
-              </a:rPr>
-              <a:t>ularning</a:t>
-            </a:r>
-            <a:r>
-              <a:rPr lang="en-US" sz="1800" b="0" i="0" dirty="0">
-                <a:solidFill>
-                  <a:schemeClr val="tx1"/>
-                </a:solidFill>
-                <a:effectLst/>
-                <a:latin typeface="Söhne"/>
-              </a:rPr>
-              <a:t> </a:t>
-            </a:r>
-            <a:r>
-              <a:rPr lang="en-US" sz="1800" b="0" i="0" dirty="0" err="1">
-                <a:solidFill>
-                  <a:schemeClr val="tx1"/>
-                </a:solidFill>
-                <a:effectLst/>
-                <a:latin typeface="Söhne"/>
-              </a:rPr>
-              <a:t>kontekstini</a:t>
-            </a:r>
-            <a:r>
-              <a:rPr lang="en-US" sz="1800" b="0" i="0" dirty="0">
-                <a:solidFill>
-                  <a:schemeClr val="tx1"/>
-                </a:solidFill>
-                <a:effectLst/>
-                <a:latin typeface="Söhne"/>
-              </a:rPr>
-              <a:t> </a:t>
-            </a:r>
-            <a:r>
-              <a:rPr lang="en-US" sz="1800" b="0" i="0" dirty="0" err="1">
-                <a:solidFill>
-                  <a:schemeClr val="tx1"/>
-                </a:solidFill>
-                <a:effectLst/>
-                <a:latin typeface="Söhne"/>
-              </a:rPr>
-              <a:t>tushunish</a:t>
-            </a:r>
-            <a:r>
-              <a:rPr lang="en-US" sz="1800" b="0" i="0" dirty="0">
-                <a:solidFill>
-                  <a:schemeClr val="tx1"/>
-                </a:solidFill>
-                <a:effectLst/>
-                <a:latin typeface="Söhne"/>
-              </a:rPr>
-              <a:t>, </a:t>
-            </a:r>
-            <a:r>
-              <a:rPr lang="en-US" sz="1800" b="0" i="0" dirty="0" err="1">
-                <a:solidFill>
-                  <a:schemeClr val="tx1"/>
-                </a:solidFill>
-                <a:effectLst/>
-                <a:latin typeface="Söhne"/>
-              </a:rPr>
-              <a:t>o'zaro</a:t>
-            </a:r>
-            <a:r>
-              <a:rPr lang="en-US" sz="1800" b="0" i="0" dirty="0">
-                <a:solidFill>
-                  <a:schemeClr val="tx1"/>
-                </a:solidFill>
-                <a:effectLst/>
-                <a:latin typeface="Söhne"/>
-              </a:rPr>
-              <a:t> </a:t>
-            </a:r>
-            <a:r>
-              <a:rPr lang="en-US" sz="1800" b="0" i="0" dirty="0" err="1">
-                <a:solidFill>
-                  <a:schemeClr val="tx1"/>
-                </a:solidFill>
-                <a:effectLst/>
-                <a:latin typeface="Söhne"/>
-              </a:rPr>
-              <a:t>bog'liqliklarni</a:t>
-            </a:r>
-            <a:r>
-              <a:rPr lang="en-US" sz="1800" b="0" i="0" dirty="0">
-                <a:solidFill>
-                  <a:schemeClr val="tx1"/>
-                </a:solidFill>
-                <a:effectLst/>
-                <a:latin typeface="Söhne"/>
-              </a:rPr>
-              <a:t> </a:t>
-            </a:r>
-            <a:r>
-              <a:rPr lang="en-US" sz="1800" b="0" i="0" dirty="0" err="1">
-                <a:solidFill>
-                  <a:schemeClr val="tx1"/>
-                </a:solidFill>
-                <a:effectLst/>
-                <a:latin typeface="Söhne"/>
-              </a:rPr>
-              <a:t>aniqlash</a:t>
-            </a:r>
-            <a:r>
-              <a:rPr lang="en-US" sz="1800" b="0" i="0" dirty="0">
-                <a:solidFill>
-                  <a:schemeClr val="tx1"/>
-                </a:solidFill>
-                <a:effectLst/>
-                <a:latin typeface="Söhne"/>
-              </a:rPr>
-              <a:t> </a:t>
-            </a:r>
-            <a:r>
-              <a:rPr lang="en-US" sz="1800" b="0" i="0" dirty="0" err="1">
-                <a:solidFill>
-                  <a:schemeClr val="tx1"/>
-                </a:solidFill>
-                <a:effectLst/>
-                <a:latin typeface="Söhne"/>
-              </a:rPr>
-              <a:t>va</a:t>
-            </a:r>
-            <a:r>
-              <a:rPr lang="en-US" sz="1800" b="0" i="0" dirty="0">
-                <a:solidFill>
-                  <a:schemeClr val="tx1"/>
-                </a:solidFill>
-                <a:effectLst/>
-                <a:latin typeface="Söhne"/>
-              </a:rPr>
-              <a:t> natural </a:t>
-            </a:r>
-            <a:r>
-              <a:rPr lang="en-US" sz="1800" b="0" i="0" dirty="0" err="1">
-                <a:solidFill>
-                  <a:schemeClr val="tx1"/>
-                </a:solidFill>
-                <a:effectLst/>
-                <a:latin typeface="Söhne"/>
-              </a:rPr>
-              <a:t>tilga</a:t>
-            </a:r>
-            <a:r>
-              <a:rPr lang="en-US" sz="1800" b="0" i="0" dirty="0">
-                <a:solidFill>
-                  <a:schemeClr val="tx1"/>
-                </a:solidFill>
-                <a:effectLst/>
-                <a:latin typeface="Söhne"/>
-              </a:rPr>
-              <a:t> </a:t>
-            </a:r>
-            <a:r>
-              <a:rPr lang="en-US" sz="1800" b="0" i="0" dirty="0" err="1">
-                <a:solidFill>
-                  <a:schemeClr val="tx1"/>
-                </a:solidFill>
-                <a:effectLst/>
-                <a:latin typeface="Söhne"/>
-              </a:rPr>
-              <a:t>mo'ljallangan</a:t>
-            </a:r>
-            <a:r>
-              <a:rPr lang="en-US" sz="1800" b="0" i="0" dirty="0">
-                <a:solidFill>
-                  <a:schemeClr val="tx1"/>
-                </a:solidFill>
-                <a:effectLst/>
-                <a:latin typeface="Söhne"/>
-              </a:rPr>
-              <a:t> </a:t>
-            </a:r>
-            <a:r>
-              <a:rPr lang="en-US" sz="1800" b="0" i="0" dirty="0" err="1">
-                <a:solidFill>
-                  <a:schemeClr val="tx1"/>
-                </a:solidFill>
-                <a:effectLst/>
-                <a:latin typeface="Söhne"/>
-              </a:rPr>
-              <a:t>ma'lumotlarni</a:t>
-            </a:r>
-            <a:r>
-              <a:rPr lang="en-US" sz="1800" b="0" i="0" dirty="0">
-                <a:solidFill>
-                  <a:schemeClr val="tx1"/>
-                </a:solidFill>
-                <a:effectLst/>
-                <a:latin typeface="Söhne"/>
-              </a:rPr>
-              <a:t> </a:t>
-            </a:r>
-            <a:r>
-              <a:rPr lang="en-US" sz="1800" b="0" i="0" dirty="0" err="1">
-                <a:solidFill>
-                  <a:schemeClr val="tx1"/>
-                </a:solidFill>
-                <a:effectLst/>
-                <a:latin typeface="Söhne"/>
-              </a:rPr>
-              <a:t>tahlil</a:t>
-            </a:r>
-            <a:r>
-              <a:rPr lang="en-US" sz="1800" b="0" i="0" dirty="0">
-                <a:solidFill>
-                  <a:schemeClr val="tx1"/>
-                </a:solidFill>
-                <a:effectLst/>
-                <a:latin typeface="Söhne"/>
-              </a:rPr>
-              <a:t> </a:t>
-            </a:r>
-            <a:r>
-              <a:rPr lang="en-US" sz="1800" b="0" i="0" dirty="0" err="1">
-                <a:solidFill>
-                  <a:schemeClr val="tx1"/>
-                </a:solidFill>
-                <a:effectLst/>
-                <a:latin typeface="Söhne"/>
-              </a:rPr>
-              <a:t>qilishdir</a:t>
-            </a:r>
-            <a:r>
-              <a:rPr lang="en-US" sz="1800" b="0" i="0" dirty="0">
-                <a:solidFill>
-                  <a:schemeClr val="tx1"/>
-                </a:solidFill>
-                <a:effectLst/>
-                <a:latin typeface="Söhne"/>
-              </a:rPr>
-              <a:t>.</a:t>
-            </a:r>
-          </a:p>
-        </p:txBody>
-      </p:sp>
-      <p:pic>
-        <p:nvPicPr>
-          <p:cNvPr id="1028" name="Picture 4">
-            <a:extLst>
-              <a:ext uri="{FF2B5EF4-FFF2-40B4-BE49-F238E27FC236}">
-                <a16:creationId xmlns:a16="http://schemas.microsoft.com/office/drawing/2014/main" id="{2AE49A51-37E2-71BD-3215-5176B01F92E6}"/>
-              </a:ext>
-            </a:extLst>
-          </p:cNvPr>
-          <p:cNvPicPr>
-            <a:picLocks noChangeAspect="1" noChangeArrowheads="1"/>
-          </p:cNvPicPr>
-          <p:nvPr/>
-        </p:nvPicPr>
-        <p:blipFill>
-          <a:blip r:embed="rId2">
-            <a:extLst>
-              <a:ext uri="{28A0092B-C50C-407E-A947-70E740481C1C}">
-                <a14:useLocalDpi xmlns:a14="http://schemas.microsoft.com/office/drawing/2010/main" val="0"/>
-              </a:ext>
-            </a:extLst>
-          </a:blip>
-          <a:srcRect/>
-          <a:stretch>
-            <a:fillRect/>
-          </a:stretch>
-        </p:blipFill>
-        <p:spPr bwMode="auto">
-          <a:xfrm>
-            <a:off x="2539999" y="89429"/>
-            <a:ext cx="7742335" cy="3407833"/>
-          </a:xfrm>
-          <a:prstGeom prst="rect">
-            <a:avLst/>
-          </a:prstGeom>
-          <a:noFill/>
-          <a:extLst>
-            <a:ext uri="{909E8E84-426E-40DD-AFC4-6F175D3DCCD1}">
-              <a14:hiddenFill xmlns:a14="http://schemas.microsoft.com/office/drawing/2010/main">
-                <a:solidFill>
-                  <a:srgbClr val="FFFFFF"/>
-                </a:solidFill>
-              </a14:hiddenFill>
-            </a:ext>
-          </a:extLst>
-        </p:spPr>
-      </p:pic>
-    </p:spTree>
-    <p:extLst>
-      <p:ext uri="{BB962C8B-B14F-4D97-AF65-F5344CB8AC3E}">
-        <p14:creationId xmlns:p14="http://schemas.microsoft.com/office/powerpoint/2010/main" val="915564479"/>
       </p:ext>
     </p:extLst>
   </p:cSld>
@@ -20177,6 +19152,11 @@
               </a:rPr>
               <a:t>. </a:t>
             </a:r>
+          </a:p>
+          <a:p>
+            <a:pPr marL="0" indent="0">
+              <a:buNone/>
+            </a:pPr>
             <a:r>
               <a:rPr lang="en-US" dirty="0" err="1">
                 <a:effectLst>
@@ -20716,7 +19696,12 @@
             <p:ph type="title"/>
           </p:nvPr>
         </p:nvSpPr>
-        <p:spPr/>
+        <p:spPr>
+          <a:xfrm>
+            <a:off x="1143001" y="144384"/>
+            <a:ext cx="9905998" cy="1478570"/>
+          </a:xfrm>
+        </p:spPr>
         <p:txBody>
           <a:bodyPr>
             <a:normAutofit/>
@@ -20807,10 +19792,15 @@
             <p:ph idx="1"/>
           </p:nvPr>
         </p:nvSpPr>
-        <p:spPr/>
+        <p:spPr>
+          <a:xfrm>
+            <a:off x="1143001" y="1315243"/>
+            <a:ext cx="11192935" cy="5229490"/>
+          </a:xfrm>
+        </p:spPr>
         <p:txBody>
           <a:bodyPr>
-            <a:normAutofit fontScale="62500" lnSpcReduction="20000"/>
+            <a:noAutofit/>
           </a:bodyPr>
           <a:lstStyle/>
           <a:p>
@@ -20818,148 +19808,44 @@
               <a:buNone/>
             </a:pPr>
             <a:r>
-              <a:rPr lang="en-US" sz="1800" dirty="0" err="1">
-                <a:effectLst/>
-                <a:latin typeface="Segoe UI" panose="020B0502040204020203" pitchFamily="34" charset="0"/>
-                <a:ea typeface="Times New Roman" panose="02020603050405020304" pitchFamily="18" charset="0"/>
-              </a:rPr>
-              <a:t>Loyiha</a:t>
-            </a:r>
-            <a:r>
-              <a:rPr lang="en-US" sz="1800" dirty="0">
-                <a:effectLst/>
-                <a:latin typeface="Segoe UI" panose="020B0502040204020203" pitchFamily="34" charset="0"/>
-                <a:ea typeface="Times New Roman" panose="02020603050405020304" pitchFamily="18" charset="0"/>
-              </a:rPr>
-              <a:t> </a:t>
-            </a:r>
-            <a:r>
-              <a:rPr lang="en-US" sz="1800" dirty="0" err="1">
-                <a:effectLst/>
-                <a:latin typeface="Segoe UI" panose="020B0502040204020203" pitchFamily="34" charset="0"/>
-                <a:ea typeface="Times New Roman" panose="02020603050405020304" pitchFamily="18" charset="0"/>
-              </a:rPr>
-              <a:t>uchun</a:t>
-            </a:r>
-            <a:r>
-              <a:rPr lang="en-US" sz="1800" dirty="0">
-                <a:effectLst/>
-                <a:latin typeface="Segoe UI" panose="020B0502040204020203" pitchFamily="34" charset="0"/>
-                <a:ea typeface="Times New Roman" panose="02020603050405020304" pitchFamily="18" charset="0"/>
-              </a:rPr>
-              <a:t> </a:t>
-            </a:r>
-            <a:r>
-              <a:rPr lang="en-US" sz="1800" dirty="0" err="1">
-                <a:effectLst/>
-                <a:latin typeface="Segoe UI" panose="020B0502040204020203" pitchFamily="34" charset="0"/>
-                <a:ea typeface="Times New Roman" panose="02020603050405020304" pitchFamily="18" charset="0"/>
-              </a:rPr>
-              <a:t>kerakli</a:t>
-            </a:r>
-            <a:r>
-              <a:rPr lang="en-US" sz="1800" dirty="0">
-                <a:effectLst/>
-                <a:latin typeface="Segoe UI" panose="020B0502040204020203" pitchFamily="34" charset="0"/>
-                <a:ea typeface="Times New Roman" panose="02020603050405020304" pitchFamily="18" charset="0"/>
-              </a:rPr>
-              <a:t> </a:t>
-            </a:r>
-            <a:r>
-              <a:rPr lang="en-US" sz="1800" dirty="0" err="1">
-                <a:effectLst/>
-                <a:latin typeface="Segoe UI" panose="020B0502040204020203" pitchFamily="34" charset="0"/>
-                <a:ea typeface="Times New Roman" panose="02020603050405020304" pitchFamily="18" charset="0"/>
-              </a:rPr>
-              <a:t>ma'lumotlarni</a:t>
-            </a:r>
-            <a:r>
-              <a:rPr lang="en-US" sz="1800" dirty="0">
-                <a:effectLst/>
-                <a:latin typeface="Segoe UI" panose="020B0502040204020203" pitchFamily="34" charset="0"/>
-                <a:ea typeface="Times New Roman" panose="02020603050405020304" pitchFamily="18" charset="0"/>
-              </a:rPr>
-              <a:t> </a:t>
-            </a:r>
-            <a:r>
-              <a:rPr lang="en-US" sz="1800" dirty="0" err="1">
-                <a:effectLst/>
-                <a:latin typeface="Segoe UI" panose="020B0502040204020203" pitchFamily="34" charset="0"/>
-                <a:ea typeface="Times New Roman" panose="02020603050405020304" pitchFamily="18" charset="0"/>
-              </a:rPr>
-              <a:t>yig'ish</a:t>
-            </a:r>
-            <a:r>
-              <a:rPr lang="en-US" sz="1800" dirty="0">
-                <a:effectLst/>
-                <a:latin typeface="Segoe UI" panose="020B0502040204020203" pitchFamily="34" charset="0"/>
-                <a:ea typeface="Times New Roman" panose="02020603050405020304" pitchFamily="18" charset="0"/>
-              </a:rPr>
-              <a:t> </a:t>
-            </a:r>
-            <a:r>
-              <a:rPr lang="en-US" sz="1800" dirty="0" err="1">
-                <a:effectLst/>
-                <a:latin typeface="Segoe UI" panose="020B0502040204020203" pitchFamily="34" charset="0"/>
-                <a:ea typeface="Times New Roman" panose="02020603050405020304" pitchFamily="18" charset="0"/>
-              </a:rPr>
-              <a:t>va</a:t>
-            </a:r>
-            <a:r>
-              <a:rPr lang="en-US" sz="1800" dirty="0">
-                <a:effectLst/>
-                <a:latin typeface="Segoe UI" panose="020B0502040204020203" pitchFamily="34" charset="0"/>
-                <a:ea typeface="Times New Roman" panose="02020603050405020304" pitchFamily="18" charset="0"/>
-              </a:rPr>
-              <a:t> </a:t>
-            </a:r>
-            <a:r>
-              <a:rPr lang="en-US" sz="1800" dirty="0" err="1">
-                <a:effectLst/>
-                <a:latin typeface="Segoe UI" panose="020B0502040204020203" pitchFamily="34" charset="0"/>
-                <a:ea typeface="Times New Roman" panose="02020603050405020304" pitchFamily="18" charset="0"/>
-              </a:rPr>
-              <a:t>tayyorlash</a:t>
-            </a:r>
-            <a:r>
-              <a:rPr lang="en-US" sz="1800" dirty="0">
-                <a:effectLst/>
-                <a:latin typeface="Segoe UI" panose="020B0502040204020203" pitchFamily="34" charset="0"/>
-                <a:ea typeface="Times New Roman" panose="02020603050405020304" pitchFamily="18" charset="0"/>
-              </a:rPr>
-              <a:t> </a:t>
-            </a:r>
-            <a:r>
-              <a:rPr lang="en-US" sz="1800" dirty="0" err="1">
-                <a:effectLst/>
-                <a:latin typeface="Segoe UI" panose="020B0502040204020203" pitchFamily="34" charset="0"/>
-                <a:ea typeface="Times New Roman" panose="02020603050405020304" pitchFamily="18" charset="0"/>
-              </a:rPr>
-              <a:t>tashkil</a:t>
-            </a:r>
-            <a:r>
-              <a:rPr lang="en-US" sz="1800" dirty="0">
-                <a:effectLst/>
-                <a:latin typeface="Segoe UI" panose="020B0502040204020203" pitchFamily="34" charset="0"/>
-                <a:ea typeface="Times New Roman" panose="02020603050405020304" pitchFamily="18" charset="0"/>
-              </a:rPr>
-              <a:t> </a:t>
-            </a:r>
-            <a:r>
-              <a:rPr lang="en-US" sz="1800" dirty="0" err="1">
-                <a:effectLst/>
-                <a:latin typeface="Segoe UI" panose="020B0502040204020203" pitchFamily="34" charset="0"/>
-                <a:ea typeface="Times New Roman" panose="02020603050405020304" pitchFamily="18" charset="0"/>
-              </a:rPr>
-              <a:t>qilinadi</a:t>
-            </a:r>
-            <a:r>
-              <a:rPr lang="en-US" sz="1800" dirty="0">
-                <a:effectLst/>
-                <a:latin typeface="Segoe UI" panose="020B0502040204020203" pitchFamily="34" charset="0"/>
-                <a:ea typeface="Times New Roman" panose="02020603050405020304" pitchFamily="18" charset="0"/>
-              </a:rPr>
-              <a:t>. </a:t>
+              <a:rPr lang="en-US" sz="2000" b="1" i="0" dirty="0" err="1">
+                <a:solidFill>
+                  <a:schemeClr val="bg1"/>
+                </a:solidFill>
+                <a:effectLst/>
+                <a:latin typeface="Söhne"/>
+              </a:rPr>
+              <a:t>Ma'lumotlarni</a:t>
+            </a:r>
+            <a:r>
+              <a:rPr lang="en-US" sz="2000" b="1" i="0" dirty="0">
+                <a:solidFill>
+                  <a:schemeClr val="bg1"/>
+                </a:solidFill>
+                <a:effectLst/>
+                <a:latin typeface="Söhne"/>
+              </a:rPr>
+              <a:t> </a:t>
+            </a:r>
+            <a:r>
+              <a:rPr lang="en-US" sz="2000" b="1" i="0" dirty="0" err="1">
+                <a:solidFill>
+                  <a:schemeClr val="bg1"/>
+                </a:solidFill>
+                <a:effectLst/>
+                <a:latin typeface="Söhne"/>
+              </a:rPr>
+              <a:t>Yig'ish</a:t>
+            </a:r>
+            <a:r>
+              <a:rPr lang="en-US" sz="2000" b="1" i="0" dirty="0">
+                <a:solidFill>
+                  <a:schemeClr val="bg1"/>
+                </a:solidFill>
+                <a:effectLst/>
+                <a:latin typeface="Söhne"/>
+              </a:rPr>
+              <a:t>:</a:t>
             </a:r>
           </a:p>
           <a:p>
@@ -20967,32 +19853,529 @@
               <a:buNone/>
             </a:pPr>
             <a:r>
-              <a:rPr lang="en-US" sz="1800" b="1" i="0" dirty="0" err="1">
-                <a:effectLst/>
-                <a:latin typeface="Söhne"/>
-              </a:rPr>
-              <a:t>Ma'lumotlarni</a:t>
-            </a:r>
-            <a:r>
-              <a:rPr lang="en-US" sz="1800" b="1" i="0" dirty="0">
-                <a:effectLst/>
-                <a:latin typeface="Söhne"/>
-              </a:rPr>
-              <a:t> </a:t>
-            </a:r>
-            <a:r>
-              <a:rPr lang="en-US" sz="1800" b="1" i="0" dirty="0" err="1">
-                <a:effectLst/>
-                <a:latin typeface="Söhne"/>
-              </a:rPr>
-              <a:t>Yig'ish</a:t>
-            </a:r>
-            <a:r>
-              <a:rPr lang="en-US" sz="1800" b="1" i="0" dirty="0">
-                <a:effectLst/>
-                <a:latin typeface="Söhne"/>
-              </a:rPr>
-              <a:t>:</a:t>
+              <a:rPr lang="en-US" sz="2000" b="0" i="0" dirty="0">
+                <a:effectLst/>
+                <a:latin typeface="Söhne"/>
+              </a:rPr>
+              <a:t>Bu </a:t>
+            </a:r>
+            <a:r>
+              <a:rPr lang="en-US" sz="2000" b="0" i="0" dirty="0" err="1">
+                <a:effectLst/>
+                <a:latin typeface="Söhne"/>
+              </a:rPr>
+              <a:t>qadamda</a:t>
+            </a:r>
+            <a:r>
+              <a:rPr lang="en-US" sz="2000" b="0" i="0" dirty="0">
+                <a:effectLst/>
+                <a:latin typeface="Söhne"/>
+              </a:rPr>
+              <a:t>, </a:t>
+            </a:r>
+            <a:r>
+              <a:rPr lang="en-US" sz="2000" b="0" i="0" dirty="0" err="1">
+                <a:effectLst/>
+                <a:latin typeface="Söhne"/>
+              </a:rPr>
+              <a:t>loyihaning</a:t>
+            </a:r>
+            <a:r>
+              <a:rPr lang="en-US" sz="2000" b="0" i="0" dirty="0">
+                <a:effectLst/>
+                <a:latin typeface="Söhne"/>
+              </a:rPr>
+              <a:t> </a:t>
+            </a:r>
+            <a:r>
+              <a:rPr lang="en-US" sz="2000" b="0" i="0" dirty="0" err="1">
+                <a:effectLst/>
+                <a:latin typeface="Söhne"/>
+              </a:rPr>
+              <a:t>maqsad</a:t>
+            </a:r>
+            <a:r>
+              <a:rPr lang="en-US" sz="2000" b="0" i="0" dirty="0">
+                <a:effectLst/>
+                <a:latin typeface="Söhne"/>
+              </a:rPr>
+              <a:t> </a:t>
+            </a:r>
+            <a:r>
+              <a:rPr lang="en-US" sz="2000" b="0" i="0" dirty="0" err="1">
+                <a:effectLst/>
+                <a:latin typeface="Söhne"/>
+              </a:rPr>
+              <a:t>va</a:t>
+            </a:r>
+            <a:r>
+              <a:rPr lang="en-US" sz="2000" b="0" i="0" dirty="0">
+                <a:effectLst/>
+                <a:latin typeface="Söhne"/>
+              </a:rPr>
+              <a:t> </a:t>
+            </a:r>
+            <a:r>
+              <a:rPr lang="en-US" sz="2000" b="0" i="0" dirty="0" err="1">
+                <a:effectLst/>
+                <a:latin typeface="Söhne"/>
+              </a:rPr>
+              <a:t>vazifalariga</a:t>
+            </a:r>
+            <a:r>
+              <a:rPr lang="en-US" sz="2000" b="0" i="0" dirty="0">
+                <a:effectLst/>
+                <a:latin typeface="Söhne"/>
+              </a:rPr>
+              <a:t> </a:t>
+            </a:r>
+            <a:r>
+              <a:rPr lang="en-US" sz="2000" b="0" i="0" dirty="0" err="1">
+                <a:effectLst/>
+                <a:latin typeface="Söhne"/>
+              </a:rPr>
+              <a:t>mos</a:t>
+            </a:r>
+            <a:r>
+              <a:rPr lang="en-US" sz="2000" b="0" i="0" dirty="0">
+                <a:effectLst/>
+                <a:latin typeface="Söhne"/>
+              </a:rPr>
+              <a:t> </a:t>
+            </a:r>
+            <a:r>
+              <a:rPr lang="en-US" sz="2000" b="0" i="0" dirty="0" err="1">
+                <a:effectLst/>
+                <a:latin typeface="Söhne"/>
+              </a:rPr>
+              <a:t>ravishda</a:t>
+            </a:r>
+            <a:r>
+              <a:rPr lang="en-US" sz="2000" b="0" i="0" dirty="0">
+                <a:effectLst/>
+                <a:latin typeface="Söhne"/>
+              </a:rPr>
+              <a:t> </a:t>
+            </a:r>
+            <a:r>
+              <a:rPr lang="en-US" sz="2000" b="0" i="0" dirty="0" err="1">
+                <a:effectLst/>
+                <a:latin typeface="Söhne"/>
+              </a:rPr>
+              <a:t>kerakli</a:t>
+            </a:r>
+            <a:r>
+              <a:rPr lang="en-US" sz="2000" b="0" i="0" dirty="0">
+                <a:effectLst/>
+                <a:latin typeface="Söhne"/>
+              </a:rPr>
+              <a:t> </a:t>
+            </a:r>
+            <a:r>
+              <a:rPr lang="en-US" sz="2000" b="0" i="0" dirty="0" err="1">
+                <a:effectLst/>
+                <a:latin typeface="Söhne"/>
+              </a:rPr>
+              <a:t>ma'lumotlar</a:t>
+            </a:r>
+            <a:r>
+              <a:rPr lang="en-US" sz="2000" b="0" i="0" dirty="0">
+                <a:effectLst/>
+                <a:latin typeface="Söhne"/>
+              </a:rPr>
+              <a:t> </a:t>
+            </a:r>
+            <a:r>
+              <a:rPr lang="en-US" sz="2000" b="0" i="0" dirty="0" err="1">
+                <a:effectLst/>
+                <a:latin typeface="Söhne"/>
+              </a:rPr>
+              <a:t>identifikatsiya</a:t>
+            </a:r>
+            <a:r>
+              <a:rPr lang="en-US" sz="2000" b="0" i="0" dirty="0">
+                <a:effectLst/>
+                <a:latin typeface="Söhne"/>
+              </a:rPr>
+              <a:t> </a:t>
+            </a:r>
+            <a:r>
+              <a:rPr lang="en-US" sz="2000" b="0" i="0" dirty="0" err="1">
+                <a:effectLst/>
+                <a:latin typeface="Söhne"/>
+              </a:rPr>
+              <a:t>qilinadi</a:t>
+            </a:r>
+            <a:r>
+              <a:rPr lang="en-US" sz="2000" b="0" i="0" dirty="0">
+                <a:effectLst/>
+                <a:latin typeface="Söhne"/>
+              </a:rPr>
+              <a:t>. Bu </a:t>
+            </a:r>
+            <a:r>
+              <a:rPr lang="en-US" sz="2000" b="0" i="0" dirty="0" err="1">
+                <a:effectLst/>
+                <a:latin typeface="Söhne"/>
+              </a:rPr>
+              <a:t>ma'lumotlar</a:t>
+            </a:r>
+            <a:r>
+              <a:rPr lang="en-US" sz="2000" b="0" i="0" dirty="0">
+                <a:effectLst/>
+                <a:latin typeface="Söhne"/>
+              </a:rPr>
+              <a:t> </a:t>
+            </a:r>
+            <a:r>
+              <a:rPr lang="en-US" sz="2000" b="0" i="0" dirty="0" err="1">
+                <a:effectLst/>
+                <a:latin typeface="Söhne"/>
+              </a:rPr>
+              <a:t>o'zbek</a:t>
+            </a:r>
+            <a:r>
+              <a:rPr lang="en-US" sz="2000" b="0" i="0" dirty="0">
+                <a:effectLst/>
+                <a:latin typeface="Söhne"/>
+              </a:rPr>
+              <a:t> </a:t>
+            </a:r>
+            <a:r>
+              <a:rPr lang="en-US" sz="2000" b="0" i="0" dirty="0" err="1">
+                <a:effectLst/>
+                <a:latin typeface="Söhne"/>
+              </a:rPr>
+              <a:t>va</a:t>
+            </a:r>
+            <a:r>
+              <a:rPr lang="en-US" sz="2000" b="0" i="0" dirty="0">
+                <a:effectLst/>
+                <a:latin typeface="Söhne"/>
+              </a:rPr>
+              <a:t> </a:t>
+            </a:r>
+            <a:r>
+              <a:rPr lang="en-US" sz="2000" b="0" i="0" dirty="0" err="1">
+                <a:effectLst/>
+                <a:latin typeface="Söhne"/>
+              </a:rPr>
+              <a:t>xalqaro</a:t>
+            </a:r>
+            <a:r>
+              <a:rPr lang="en-US" sz="2000" b="0" i="0" dirty="0">
+                <a:effectLst/>
+                <a:latin typeface="Söhne"/>
+              </a:rPr>
+              <a:t> </a:t>
+            </a:r>
+            <a:r>
+              <a:rPr lang="en-US" sz="2000" b="0" i="0" dirty="0" err="1">
+                <a:effectLst/>
+                <a:latin typeface="Söhne"/>
+              </a:rPr>
+              <a:t>ma'lumotlar</a:t>
+            </a:r>
+            <a:r>
+              <a:rPr lang="en-US" sz="2000" b="0" i="0" dirty="0">
+                <a:effectLst/>
+                <a:latin typeface="Söhne"/>
+              </a:rPr>
+              <a:t> </a:t>
+            </a:r>
+            <a:r>
+              <a:rPr lang="en-US" sz="2000" b="0" i="0" dirty="0" err="1">
+                <a:effectLst/>
+                <a:latin typeface="Söhne"/>
+              </a:rPr>
+              <a:t>bazalaridan</a:t>
+            </a:r>
+            <a:r>
+              <a:rPr lang="en-US" sz="2000" b="0" i="0" dirty="0">
+                <a:effectLst/>
+                <a:latin typeface="Söhne"/>
+              </a:rPr>
+              <a:t>, </a:t>
+            </a:r>
+            <a:r>
+              <a:rPr lang="en-US" sz="2000" b="0" i="0" dirty="0" err="1">
+                <a:effectLst/>
+                <a:latin typeface="Söhne"/>
+              </a:rPr>
+              <a:t>interaktiv</a:t>
+            </a:r>
+            <a:r>
+              <a:rPr lang="en-US" sz="2000" b="0" i="0" dirty="0">
+                <a:effectLst/>
+                <a:latin typeface="Söhne"/>
+              </a:rPr>
+              <a:t> </a:t>
+            </a:r>
+            <a:r>
+              <a:rPr lang="en-US" sz="2000" b="0" i="0" dirty="0" err="1">
+                <a:effectLst/>
+                <a:latin typeface="Söhne"/>
+              </a:rPr>
+              <a:t>portallardan</a:t>
+            </a:r>
+            <a:r>
+              <a:rPr lang="en-US" sz="2000" b="0" i="0" dirty="0">
+                <a:effectLst/>
+                <a:latin typeface="Söhne"/>
+              </a:rPr>
+              <a:t>, </a:t>
+            </a:r>
+            <a:r>
+              <a:rPr lang="en-US" sz="2000" b="0" i="0" dirty="0" err="1">
+                <a:effectLst/>
+                <a:latin typeface="Söhne"/>
+              </a:rPr>
+              <a:t>sensordan</a:t>
+            </a:r>
+            <a:r>
+              <a:rPr lang="en-US" sz="2000" b="0" i="0" dirty="0">
+                <a:effectLst/>
+                <a:latin typeface="Söhne"/>
+              </a:rPr>
+              <a:t> </a:t>
+            </a:r>
+            <a:r>
+              <a:rPr lang="en-US" sz="2000" b="0" i="0" dirty="0" err="1">
+                <a:effectLst/>
+                <a:latin typeface="Söhne"/>
+              </a:rPr>
+              <a:t>olingan</a:t>
+            </a:r>
+            <a:r>
+              <a:rPr lang="en-US" sz="2000" b="0" i="0" dirty="0">
+                <a:effectLst/>
+                <a:latin typeface="Söhne"/>
+              </a:rPr>
+              <a:t> </a:t>
+            </a:r>
+            <a:r>
+              <a:rPr lang="en-US" sz="2000" b="0" i="0" dirty="0" err="1">
+                <a:effectLst/>
+                <a:latin typeface="Söhne"/>
+              </a:rPr>
+              <a:t>ma'lumotlardan</a:t>
+            </a:r>
+            <a:r>
+              <a:rPr lang="en-US" sz="2000" b="0" i="0" dirty="0">
+                <a:effectLst/>
+                <a:latin typeface="Söhne"/>
+              </a:rPr>
+              <a:t> </a:t>
+            </a:r>
+            <a:r>
+              <a:rPr lang="en-US" sz="2000" b="0" i="0" dirty="0" err="1">
+                <a:effectLst/>
+                <a:latin typeface="Söhne"/>
+              </a:rPr>
+              <a:t>yoki</a:t>
+            </a:r>
+            <a:r>
+              <a:rPr lang="en-US" sz="2000" b="0" i="0" dirty="0">
+                <a:effectLst/>
+                <a:latin typeface="Söhne"/>
+              </a:rPr>
+              <a:t> </a:t>
+            </a:r>
+            <a:r>
+              <a:rPr lang="en-US" sz="2000" b="0" i="0" dirty="0" err="1">
+                <a:effectLst/>
+                <a:latin typeface="Söhne"/>
+              </a:rPr>
+              <a:t>boshqa</a:t>
+            </a:r>
+            <a:r>
+              <a:rPr lang="en-US" sz="2000" b="0" i="0" dirty="0">
+                <a:effectLst/>
+                <a:latin typeface="Söhne"/>
+              </a:rPr>
+              <a:t> </a:t>
+            </a:r>
+            <a:r>
+              <a:rPr lang="en-US" sz="2000" b="0" i="0" dirty="0" err="1">
+                <a:effectLst/>
+                <a:latin typeface="Söhne"/>
+              </a:rPr>
+              <a:t>manbalar</a:t>
+            </a:r>
+            <a:r>
+              <a:rPr lang="en-US" sz="2000" b="0" i="0" dirty="0">
+                <a:effectLst/>
+                <a:latin typeface="Söhne"/>
+              </a:rPr>
+              <a:t> </a:t>
+            </a:r>
+            <a:r>
+              <a:rPr lang="en-US" sz="2000" b="0" i="0" dirty="0" err="1">
+                <a:effectLst/>
+                <a:latin typeface="Söhne"/>
+              </a:rPr>
+              <a:t>orqali</a:t>
+            </a:r>
+            <a:r>
+              <a:rPr lang="en-US" sz="2000" b="0" i="0" dirty="0">
+                <a:effectLst/>
+                <a:latin typeface="Söhne"/>
+              </a:rPr>
+              <a:t> </a:t>
+            </a:r>
+            <a:r>
+              <a:rPr lang="en-US" sz="2000" b="0" i="0" dirty="0" err="1">
+                <a:effectLst/>
+                <a:latin typeface="Söhne"/>
+              </a:rPr>
+              <a:t>yig'ilishi</a:t>
+            </a:r>
+            <a:r>
+              <a:rPr lang="en-US" sz="2000" b="0" i="0" dirty="0">
+                <a:effectLst/>
+                <a:latin typeface="Söhne"/>
+              </a:rPr>
+              <a:t> </a:t>
+            </a:r>
+            <a:r>
+              <a:rPr lang="en-US" sz="2000" b="0" i="0" dirty="0" err="1">
+                <a:effectLst/>
+                <a:latin typeface="Söhne"/>
+              </a:rPr>
+              <a:t>mumkin</a:t>
+            </a:r>
+            <a:r>
+              <a:rPr lang="en-US" sz="2000" b="0" i="0" dirty="0">
+                <a:effectLst/>
+                <a:latin typeface="Söhne"/>
+              </a:rPr>
+              <a:t>. Bu </a:t>
+            </a:r>
+            <a:r>
+              <a:rPr lang="en-US" sz="2000" b="0" i="0" dirty="0" err="1">
+                <a:effectLst/>
+                <a:latin typeface="Söhne"/>
+              </a:rPr>
+              <a:t>jarayon</a:t>
+            </a:r>
+            <a:r>
+              <a:rPr lang="en-US" sz="2000" b="0" i="0" dirty="0">
+                <a:effectLst/>
+                <a:latin typeface="Söhne"/>
+              </a:rPr>
+              <a:t>, </a:t>
+            </a:r>
+            <a:r>
+              <a:rPr lang="en-US" sz="2000" b="0" i="0" dirty="0" err="1">
+                <a:effectLst/>
+                <a:latin typeface="Söhne"/>
+              </a:rPr>
+              <a:t>loyihaning</a:t>
+            </a:r>
+            <a:r>
+              <a:rPr lang="en-US" sz="2000" b="0" i="0" dirty="0">
+                <a:effectLst/>
+                <a:latin typeface="Söhne"/>
+              </a:rPr>
+              <a:t> </a:t>
+            </a:r>
+            <a:r>
+              <a:rPr lang="en-US" sz="2000" b="0" i="0" dirty="0" err="1">
+                <a:effectLst/>
+                <a:latin typeface="Söhne"/>
+              </a:rPr>
+              <a:t>to'g'ridan-to'g'ri</a:t>
+            </a:r>
+            <a:r>
+              <a:rPr lang="en-US" sz="2000" b="0" i="0" dirty="0">
+                <a:effectLst/>
+                <a:latin typeface="Söhne"/>
+              </a:rPr>
+              <a:t> </a:t>
+            </a:r>
+            <a:r>
+              <a:rPr lang="en-US" sz="2000" b="0" i="0" dirty="0" err="1">
+                <a:effectLst/>
+                <a:latin typeface="Söhne"/>
+              </a:rPr>
+              <a:t>ishlashini</a:t>
+            </a:r>
+            <a:r>
+              <a:rPr lang="en-US" sz="2000" b="0" i="0" dirty="0">
+                <a:effectLst/>
+                <a:latin typeface="Söhne"/>
+              </a:rPr>
+              <a:t> </a:t>
+            </a:r>
+            <a:r>
+              <a:rPr lang="en-US" sz="2000" b="0" i="0" dirty="0" err="1">
+                <a:effectLst/>
+                <a:latin typeface="Söhne"/>
+              </a:rPr>
+              <a:t>ta'minlash</a:t>
+            </a:r>
+            <a:r>
+              <a:rPr lang="en-US" sz="2000" b="0" i="0" dirty="0">
+                <a:effectLst/>
+                <a:latin typeface="Söhne"/>
+              </a:rPr>
+              <a:t> </a:t>
+            </a:r>
+            <a:r>
+              <a:rPr lang="en-US" sz="2000" b="0" i="0" dirty="0" err="1">
+                <a:effectLst/>
+                <a:latin typeface="Söhne"/>
+              </a:rPr>
+              <a:t>uchun</a:t>
+            </a:r>
+            <a:r>
+              <a:rPr lang="en-US" sz="2000" b="0" i="0" dirty="0">
+                <a:effectLst/>
+                <a:latin typeface="Söhne"/>
+              </a:rPr>
+              <a:t> </a:t>
+            </a:r>
+            <a:r>
+              <a:rPr lang="en-US" sz="2000" b="0" i="0" dirty="0" err="1">
+                <a:effectLst/>
+                <a:latin typeface="Söhne"/>
+              </a:rPr>
+              <a:t>katta</a:t>
+            </a:r>
+            <a:r>
+              <a:rPr lang="en-US" sz="2000" b="0" i="0" dirty="0">
+                <a:effectLst/>
+                <a:latin typeface="Söhne"/>
+              </a:rPr>
+              <a:t> </a:t>
+            </a:r>
+            <a:r>
+              <a:rPr lang="en-US" sz="2000" b="0" i="0" dirty="0" err="1">
+                <a:effectLst/>
+                <a:latin typeface="Söhne"/>
+              </a:rPr>
+              <a:t>ahamiyatga</a:t>
+            </a:r>
+            <a:r>
+              <a:rPr lang="en-US" sz="2000" b="0" i="0" dirty="0">
+                <a:effectLst/>
+                <a:latin typeface="Söhne"/>
+              </a:rPr>
+              <a:t> </a:t>
+            </a:r>
+            <a:r>
+              <a:rPr lang="en-US" sz="2000" b="0" i="0" dirty="0" err="1">
+                <a:effectLst/>
+                <a:latin typeface="Söhne"/>
+              </a:rPr>
+              <a:t>ega</a:t>
+            </a:r>
+            <a:r>
+              <a:rPr lang="en-US" sz="2000" b="0" i="0" dirty="0">
+                <a:effectLst/>
+                <a:latin typeface="Söhne"/>
+              </a:rPr>
+              <a:t>.</a:t>
             </a:r>
           </a:p>
           <a:p>
@@ -21000,79 +20383,49 @@
               <a:buNone/>
             </a:pPr>
             <a:r>
-              <a:rPr lang="en-US" sz="1800" b="0" i="0" dirty="0">
-                <a:solidFill>
-                  <a:srgbClr val="0F0F0F"/>
-                </a:solidFill>
-                <a:effectLst/>
-                <a:latin typeface="Söhne"/>
-              </a:rPr>
-              <a:t>Bu </a:t>
-            </a:r>
-            <a:r>
-              <a:rPr lang="en-US" sz="1800" b="0" i="0" dirty="0" err="1">
-                <a:solidFill>
-                  <a:srgbClr val="0F0F0F"/>
-                </a:solidFill>
-                <a:effectLst/>
-                <a:latin typeface="Söhne"/>
-              </a:rPr>
-              <a:t>qadamda</a:t>
-            </a:r>
-            <a:r>
-              <a:rPr lang="en-US" sz="1800" b="0" i="0" dirty="0">
-                <a:solidFill>
-                  <a:srgbClr val="0F0F0F"/>
-                </a:solidFill>
-                <a:effectLst/>
-                <a:latin typeface="Söhne"/>
-              </a:rPr>
-              <a:t>, </a:t>
-            </a:r>
-            <a:r>
-              <a:rPr lang="en-US" sz="1800" b="0" i="0" dirty="0" err="1">
-                <a:solidFill>
-                  <a:srgbClr val="0F0F0F"/>
-                </a:solidFill>
-                <a:effectLst/>
-                <a:latin typeface="Söhne"/>
-              </a:rPr>
-              <a:t>loyihaning</a:t>
-            </a:r>
-            <a:r>
-              <a:rPr lang="en-US" sz="1800" b="0" i="0" dirty="0">
-                <a:solidFill>
-                  <a:srgbClr val="0F0F0F"/>
-                </a:solidFill>
-                <a:effectLst/>
-                <a:latin typeface="Söhne"/>
-              </a:rPr>
-              <a:t> </a:t>
-            </a:r>
-            <a:r>
-              <a:rPr lang="en-US" sz="1800" b="0" i="0" dirty="0" err="1">
-                <a:solidFill>
-                  <a:srgbClr val="0F0F0F"/>
-                </a:solidFill>
-                <a:effectLst/>
-                <a:latin typeface="Söhne"/>
-              </a:rPr>
-              <a:t>maqsad</a:t>
-            </a:r>
-            <a:r>
-              <a:rPr lang="en-US" sz="1800" b="0" i="0" dirty="0">
-                <a:solidFill>
-                  <a:srgbClr val="0F0F0F"/>
-                </a:solidFill>
-                <a:effectLst/>
-                <a:latin typeface="Söhne"/>
-              </a:rPr>
-              <a:t> </a:t>
-            </a:r>
-            <a:r>
-              <a:rPr lang="en-US" sz="1800" b="0" i="0" dirty="0" err="1">
-                <a:solidFill>
-                  <a:srgbClr val="0F0F0F"/>
+              <a:rPr lang="en-US" sz="2000" b="1" i="0" dirty="0" err="1">
+                <a:solidFill>
+                  <a:schemeClr val="bg1"/>
+                </a:solidFill>
+                <a:effectLst/>
+                <a:latin typeface="Söhne"/>
+              </a:rPr>
+              <a:t>Ma'lumotlarni</a:t>
+            </a:r>
+            <a:r>
+              <a:rPr lang="en-US" sz="2000" b="1" i="0" dirty="0">
+                <a:solidFill>
+                  <a:schemeClr val="bg1"/>
+                </a:solidFill>
+                <a:effectLst/>
+                <a:latin typeface="Söhne"/>
+              </a:rPr>
+              <a:t> </a:t>
+            </a:r>
+            <a:r>
+              <a:rPr lang="en-US" sz="2000" b="1" i="0" dirty="0" err="1">
+                <a:solidFill>
+                  <a:schemeClr val="bg1"/>
+                </a:solidFill>
+                <a:effectLst/>
+                <a:latin typeface="Söhne"/>
+              </a:rPr>
+              <a:t>Tuzish</a:t>
+            </a:r>
+            <a:r>
+              <a:rPr lang="en-US" sz="2000" b="1" i="0" dirty="0">
+                <a:solidFill>
+                  <a:schemeClr val="bg1"/>
+                </a:solidFill>
+                <a:effectLst/>
+                <a:latin typeface="Söhne"/>
+              </a:rPr>
+              <a:t> </a:t>
+            </a:r>
+            <a:r>
+              <a:rPr lang="en-US" sz="2000" b="1" i="0" dirty="0" err="1">
+                <a:solidFill>
+                  <a:schemeClr val="bg1"/>
                 </a:solidFill>
                 <a:effectLst/>
                 <a:latin typeface="Söhne"/>
@@ -21080,674 +20433,44 @@
               <a:t>va</a:t>
             </a:r>
             <a:r>
-              <a:rPr lang="en-US" sz="1800" b="0" i="0" dirty="0">
-                <a:solidFill>
-                  <a:srgbClr val="0F0F0F"/>
-                </a:solidFill>
-                <a:effectLst/>
-                <a:latin typeface="Söhne"/>
-              </a:rPr>
-              <a:t> </a:t>
-            </a:r>
-            <a:r>
-              <a:rPr lang="en-US" sz="1800" b="0" i="0" dirty="0" err="1">
-                <a:solidFill>
-                  <a:srgbClr val="0F0F0F"/>
-                </a:solidFill>
-                <a:effectLst/>
-                <a:latin typeface="Söhne"/>
-              </a:rPr>
-              <a:t>vazifalariga</a:t>
-            </a:r>
-            <a:r>
-              <a:rPr lang="en-US" sz="1800" b="0" i="0" dirty="0">
-                <a:solidFill>
-                  <a:srgbClr val="0F0F0F"/>
-                </a:solidFill>
-                <a:effectLst/>
-                <a:latin typeface="Söhne"/>
-              </a:rPr>
-              <a:t> </a:t>
-            </a:r>
-            <a:r>
-              <a:rPr lang="en-US" sz="1800" b="0" i="0" dirty="0" err="1">
-                <a:solidFill>
-                  <a:srgbClr val="0F0F0F"/>
-                </a:solidFill>
-                <a:effectLst/>
-                <a:latin typeface="Söhne"/>
-              </a:rPr>
-              <a:t>mos</a:t>
-            </a:r>
-            <a:r>
-              <a:rPr lang="en-US" sz="1800" b="0" i="0" dirty="0">
-                <a:solidFill>
-                  <a:srgbClr val="0F0F0F"/>
-                </a:solidFill>
-                <a:effectLst/>
-                <a:latin typeface="Söhne"/>
-              </a:rPr>
-              <a:t> </a:t>
-            </a:r>
-            <a:r>
-              <a:rPr lang="en-US" sz="1800" b="0" i="0" dirty="0" err="1">
-                <a:solidFill>
-                  <a:srgbClr val="0F0F0F"/>
-                </a:solidFill>
-                <a:effectLst/>
-                <a:latin typeface="Söhne"/>
-              </a:rPr>
-              <a:t>ravishda</a:t>
-            </a:r>
-            <a:r>
-              <a:rPr lang="en-US" sz="1800" b="0" i="0" dirty="0">
-                <a:solidFill>
-                  <a:srgbClr val="0F0F0F"/>
-                </a:solidFill>
-                <a:effectLst/>
-                <a:latin typeface="Söhne"/>
-              </a:rPr>
-              <a:t> </a:t>
-            </a:r>
-            <a:r>
-              <a:rPr lang="en-US" sz="1800" b="0" i="0" dirty="0" err="1">
-                <a:solidFill>
-                  <a:srgbClr val="0F0F0F"/>
-                </a:solidFill>
-                <a:effectLst/>
-                <a:latin typeface="Söhne"/>
-              </a:rPr>
-              <a:t>kerakli</a:t>
-            </a:r>
-            <a:r>
-              <a:rPr lang="en-US" sz="1800" b="0" i="0" dirty="0">
-                <a:solidFill>
-                  <a:srgbClr val="0F0F0F"/>
-                </a:solidFill>
-                <a:effectLst/>
-                <a:latin typeface="Söhne"/>
-              </a:rPr>
-              <a:t> </a:t>
-            </a:r>
-            <a:r>
-              <a:rPr lang="en-US" sz="1800" b="0" i="0" dirty="0" err="1">
-                <a:solidFill>
-                  <a:srgbClr val="0F0F0F"/>
-                </a:solidFill>
-                <a:effectLst/>
-                <a:latin typeface="Söhne"/>
-              </a:rPr>
-              <a:t>ma'lumotlar</a:t>
-            </a:r>
-            <a:r>
-              <a:rPr lang="en-US" sz="1800" b="0" i="0" dirty="0">
-                <a:solidFill>
-                  <a:srgbClr val="0F0F0F"/>
-                </a:solidFill>
-                <a:effectLst/>
-                <a:latin typeface="Söhne"/>
-              </a:rPr>
-              <a:t> </a:t>
-            </a:r>
-            <a:r>
-              <a:rPr lang="en-US" sz="1800" b="0" i="0" dirty="0" err="1">
-                <a:solidFill>
-                  <a:srgbClr val="0F0F0F"/>
-                </a:solidFill>
-                <a:effectLst/>
-                <a:latin typeface="Söhne"/>
-              </a:rPr>
-              <a:t>identifikatsiya</a:t>
-            </a:r>
-            <a:r>
-              <a:rPr lang="en-US" sz="1800" b="0" i="0" dirty="0">
-                <a:solidFill>
-                  <a:srgbClr val="0F0F0F"/>
-                </a:solidFill>
-                <a:effectLst/>
-                <a:latin typeface="Söhne"/>
-              </a:rPr>
-              <a:t> </a:t>
-            </a:r>
-            <a:r>
-              <a:rPr lang="en-US" sz="1800" b="0" i="0" dirty="0" err="1">
-                <a:solidFill>
-                  <a:srgbClr val="0F0F0F"/>
-                </a:solidFill>
-                <a:effectLst/>
-                <a:latin typeface="Söhne"/>
-              </a:rPr>
-              <a:t>qilinadi</a:t>
-            </a:r>
-            <a:r>
-              <a:rPr lang="en-US" sz="1800" b="0" i="0" dirty="0">
-                <a:solidFill>
-                  <a:srgbClr val="0F0F0F"/>
-                </a:solidFill>
-                <a:effectLst/>
-                <a:latin typeface="Söhne"/>
-              </a:rPr>
-              <a:t>. Bu </a:t>
-            </a:r>
-            <a:r>
-              <a:rPr lang="en-US" sz="1800" b="0" i="0" dirty="0" err="1">
-                <a:solidFill>
-                  <a:srgbClr val="0F0F0F"/>
-                </a:solidFill>
-                <a:effectLst/>
-                <a:latin typeface="Söhne"/>
-              </a:rPr>
-              <a:t>ma'lumotlar</a:t>
-            </a:r>
-            <a:r>
-              <a:rPr lang="en-US" sz="1800" b="0" i="0" dirty="0">
-                <a:solidFill>
-                  <a:srgbClr val="0F0F0F"/>
-                </a:solidFill>
-                <a:effectLst/>
-                <a:latin typeface="Söhne"/>
-              </a:rPr>
-              <a:t> </a:t>
-            </a:r>
-            <a:r>
-              <a:rPr lang="en-US" sz="1800" b="0" i="0" dirty="0" err="1">
-                <a:solidFill>
-                  <a:srgbClr val="0F0F0F"/>
-                </a:solidFill>
-                <a:effectLst/>
-                <a:latin typeface="Söhne"/>
-              </a:rPr>
-              <a:t>o'zbek</a:t>
-            </a:r>
-            <a:r>
-              <a:rPr lang="en-US" sz="1800" b="0" i="0" dirty="0">
-                <a:solidFill>
-                  <a:srgbClr val="0F0F0F"/>
-                </a:solidFill>
-                <a:effectLst/>
-                <a:latin typeface="Söhne"/>
-              </a:rPr>
-              <a:t> </a:t>
-            </a:r>
-            <a:r>
-              <a:rPr lang="en-US" sz="1800" b="0" i="0" dirty="0" err="1">
-                <a:solidFill>
-                  <a:srgbClr val="0F0F0F"/>
-                </a:solidFill>
-                <a:effectLst/>
-                <a:latin typeface="Söhne"/>
-              </a:rPr>
-              <a:t>va</a:t>
-            </a:r>
-            <a:r>
-              <a:rPr lang="en-US" sz="1800" b="0" i="0" dirty="0">
-                <a:solidFill>
-                  <a:srgbClr val="0F0F0F"/>
-                </a:solidFill>
-                <a:effectLst/>
-                <a:latin typeface="Söhne"/>
-              </a:rPr>
-              <a:t> </a:t>
-            </a:r>
-            <a:r>
-              <a:rPr lang="en-US" sz="1800" b="0" i="0" dirty="0" err="1">
-                <a:solidFill>
-                  <a:srgbClr val="0F0F0F"/>
-                </a:solidFill>
-                <a:effectLst/>
-                <a:latin typeface="Söhne"/>
-              </a:rPr>
-              <a:t>xalqaro</a:t>
-            </a:r>
-            <a:r>
-              <a:rPr lang="en-US" sz="1800" b="0" i="0" dirty="0">
-                <a:solidFill>
-                  <a:srgbClr val="0F0F0F"/>
-                </a:solidFill>
-                <a:effectLst/>
-                <a:latin typeface="Söhne"/>
-              </a:rPr>
-              <a:t> </a:t>
-            </a:r>
-            <a:r>
-              <a:rPr lang="en-US" sz="1800" b="0" i="0" dirty="0" err="1">
-                <a:solidFill>
-                  <a:srgbClr val="0F0F0F"/>
-                </a:solidFill>
-                <a:effectLst/>
-                <a:latin typeface="Söhne"/>
-              </a:rPr>
-              <a:t>ma'lumotlar</a:t>
-            </a:r>
-            <a:r>
-              <a:rPr lang="en-US" sz="1800" b="0" i="0" dirty="0">
-                <a:solidFill>
-                  <a:srgbClr val="0F0F0F"/>
-                </a:solidFill>
-                <a:effectLst/>
-                <a:latin typeface="Söhne"/>
-              </a:rPr>
-              <a:t> </a:t>
-            </a:r>
-            <a:r>
-              <a:rPr lang="en-US" sz="1800" b="0" i="0" dirty="0" err="1">
-                <a:solidFill>
-                  <a:srgbClr val="0F0F0F"/>
-                </a:solidFill>
-                <a:effectLst/>
-                <a:latin typeface="Söhne"/>
-              </a:rPr>
-              <a:t>bazalaridan</a:t>
-            </a:r>
-            <a:r>
-              <a:rPr lang="en-US" sz="1800" b="0" i="0" dirty="0">
-                <a:solidFill>
-                  <a:srgbClr val="0F0F0F"/>
-                </a:solidFill>
-                <a:effectLst/>
-                <a:latin typeface="Söhne"/>
-              </a:rPr>
-              <a:t>, </a:t>
-            </a:r>
-            <a:r>
-              <a:rPr lang="en-US" sz="1800" b="0" i="0" dirty="0" err="1">
-                <a:solidFill>
-                  <a:srgbClr val="0F0F0F"/>
-                </a:solidFill>
-                <a:effectLst/>
-                <a:latin typeface="Söhne"/>
-              </a:rPr>
-              <a:t>interaktiv</a:t>
-            </a:r>
-            <a:r>
-              <a:rPr lang="en-US" sz="1800" b="0" i="0" dirty="0">
-                <a:solidFill>
-                  <a:srgbClr val="0F0F0F"/>
-                </a:solidFill>
-                <a:effectLst/>
-                <a:latin typeface="Söhne"/>
-              </a:rPr>
-              <a:t> </a:t>
-            </a:r>
-            <a:r>
-              <a:rPr lang="en-US" sz="1800" b="0" i="0" dirty="0" err="1">
-                <a:solidFill>
-                  <a:srgbClr val="0F0F0F"/>
-                </a:solidFill>
-                <a:effectLst/>
-                <a:latin typeface="Söhne"/>
-              </a:rPr>
-              <a:t>portallardan</a:t>
-            </a:r>
-            <a:r>
-              <a:rPr lang="en-US" sz="1800" b="0" i="0" dirty="0">
-                <a:solidFill>
-                  <a:srgbClr val="0F0F0F"/>
-                </a:solidFill>
-                <a:effectLst/>
-                <a:latin typeface="Söhne"/>
-              </a:rPr>
-              <a:t>, </a:t>
-            </a:r>
-            <a:r>
-              <a:rPr lang="en-US" sz="1800" b="0" i="0" dirty="0" err="1">
-                <a:solidFill>
-                  <a:srgbClr val="0F0F0F"/>
-                </a:solidFill>
-                <a:effectLst/>
-                <a:latin typeface="Söhne"/>
-              </a:rPr>
-              <a:t>sensordan</a:t>
-            </a:r>
-            <a:r>
-              <a:rPr lang="en-US" sz="1800" b="0" i="0" dirty="0">
-                <a:solidFill>
-                  <a:srgbClr val="0F0F0F"/>
-                </a:solidFill>
-                <a:effectLst/>
-                <a:latin typeface="Söhne"/>
-              </a:rPr>
-              <a:t> </a:t>
-            </a:r>
-            <a:r>
-              <a:rPr lang="en-US" sz="1800" b="0" i="0" dirty="0" err="1">
-                <a:solidFill>
-                  <a:srgbClr val="0F0F0F"/>
-                </a:solidFill>
-                <a:effectLst/>
-                <a:latin typeface="Söhne"/>
-              </a:rPr>
-              <a:t>olingan</a:t>
-            </a:r>
-            <a:r>
-              <a:rPr lang="en-US" sz="1800" b="0" i="0" dirty="0">
-                <a:solidFill>
-                  <a:srgbClr val="0F0F0F"/>
-                </a:solidFill>
-                <a:effectLst/>
-                <a:latin typeface="Söhne"/>
-              </a:rPr>
-              <a:t> </a:t>
-            </a:r>
-            <a:r>
-              <a:rPr lang="en-US" sz="1800" b="0" i="0" dirty="0" err="1">
-                <a:solidFill>
-                  <a:srgbClr val="0F0F0F"/>
-                </a:solidFill>
-                <a:effectLst/>
-                <a:latin typeface="Söhne"/>
-              </a:rPr>
-              <a:t>ma'lumotlardan</a:t>
-            </a:r>
-            <a:r>
-              <a:rPr lang="en-US" sz="1800" b="0" i="0" dirty="0">
-                <a:solidFill>
-                  <a:srgbClr val="0F0F0F"/>
-                </a:solidFill>
-                <a:effectLst/>
-                <a:latin typeface="Söhne"/>
-              </a:rPr>
-              <a:t> </a:t>
-            </a:r>
-            <a:r>
-              <a:rPr lang="en-US" sz="1800" b="0" i="0" dirty="0" err="1">
-                <a:solidFill>
-                  <a:srgbClr val="0F0F0F"/>
-                </a:solidFill>
-                <a:effectLst/>
-                <a:latin typeface="Söhne"/>
-              </a:rPr>
-              <a:t>yoki</a:t>
-            </a:r>
-            <a:r>
-              <a:rPr lang="en-US" sz="1800" b="0" i="0" dirty="0">
-                <a:solidFill>
-                  <a:srgbClr val="0F0F0F"/>
-                </a:solidFill>
-                <a:effectLst/>
-                <a:latin typeface="Söhne"/>
-              </a:rPr>
-              <a:t> </a:t>
-            </a:r>
-            <a:r>
-              <a:rPr lang="en-US" sz="1800" b="0" i="0" dirty="0" err="1">
-                <a:solidFill>
-                  <a:srgbClr val="0F0F0F"/>
-                </a:solidFill>
-                <a:effectLst/>
-                <a:latin typeface="Söhne"/>
-              </a:rPr>
-              <a:t>boshqa</a:t>
-            </a:r>
-            <a:r>
-              <a:rPr lang="en-US" sz="1800" b="0" i="0" dirty="0">
-                <a:solidFill>
-                  <a:srgbClr val="0F0F0F"/>
-                </a:solidFill>
-                <a:effectLst/>
-                <a:latin typeface="Söhne"/>
-              </a:rPr>
-              <a:t> </a:t>
-            </a:r>
-            <a:r>
-              <a:rPr lang="en-US" sz="1800" b="0" i="0" dirty="0" err="1">
-                <a:solidFill>
-                  <a:srgbClr val="0F0F0F"/>
-                </a:solidFill>
-                <a:effectLst/>
-                <a:latin typeface="Söhne"/>
-              </a:rPr>
-              <a:t>manbalar</a:t>
-            </a:r>
-            <a:r>
-              <a:rPr lang="en-US" sz="1800" b="0" i="0" dirty="0">
-                <a:solidFill>
-                  <a:srgbClr val="0F0F0F"/>
-                </a:solidFill>
-                <a:effectLst/>
-                <a:latin typeface="Söhne"/>
-              </a:rPr>
-              <a:t> </a:t>
-            </a:r>
-            <a:r>
-              <a:rPr lang="en-US" sz="1800" b="0" i="0" dirty="0" err="1">
-                <a:solidFill>
-                  <a:srgbClr val="0F0F0F"/>
-                </a:solidFill>
-                <a:effectLst/>
-                <a:latin typeface="Söhne"/>
-              </a:rPr>
-              <a:t>orqali</a:t>
-            </a:r>
-            <a:r>
-              <a:rPr lang="en-US" sz="1800" b="0" i="0" dirty="0">
-                <a:solidFill>
-                  <a:srgbClr val="0F0F0F"/>
-                </a:solidFill>
-                <a:effectLst/>
-                <a:latin typeface="Söhne"/>
-              </a:rPr>
-              <a:t> </a:t>
-            </a:r>
-            <a:r>
-              <a:rPr lang="en-US" sz="1800" b="0" i="0" dirty="0" err="1">
-                <a:solidFill>
-                  <a:srgbClr val="0F0F0F"/>
-                </a:solidFill>
-                <a:effectLst/>
-                <a:latin typeface="Söhne"/>
-              </a:rPr>
-              <a:t>yig'ilishi</a:t>
-            </a:r>
-            <a:r>
-              <a:rPr lang="en-US" sz="1800" b="0" i="0" dirty="0">
-                <a:solidFill>
-                  <a:srgbClr val="0F0F0F"/>
-                </a:solidFill>
-                <a:effectLst/>
-                <a:latin typeface="Söhne"/>
-              </a:rPr>
-              <a:t> </a:t>
-            </a:r>
-            <a:r>
-              <a:rPr lang="en-US" sz="1800" b="0" i="0" dirty="0" err="1">
-                <a:solidFill>
-                  <a:srgbClr val="0F0F0F"/>
-                </a:solidFill>
-                <a:effectLst/>
-                <a:latin typeface="Söhne"/>
-              </a:rPr>
-              <a:t>mumkin</a:t>
-            </a:r>
-            <a:r>
-              <a:rPr lang="en-US" sz="1800" b="0" i="0" dirty="0">
-                <a:solidFill>
-                  <a:srgbClr val="0F0F0F"/>
-                </a:solidFill>
-                <a:effectLst/>
-                <a:latin typeface="Söhne"/>
-              </a:rPr>
-              <a:t>. Bu </a:t>
-            </a:r>
-            <a:r>
-              <a:rPr lang="en-US" sz="1800" b="0" i="0" dirty="0" err="1">
-                <a:solidFill>
-                  <a:srgbClr val="0F0F0F"/>
-                </a:solidFill>
-                <a:effectLst/>
-                <a:latin typeface="Söhne"/>
-              </a:rPr>
-              <a:t>jarayon</a:t>
-            </a:r>
-            <a:r>
-              <a:rPr lang="en-US" sz="1800" b="0" i="0" dirty="0">
-                <a:solidFill>
-                  <a:srgbClr val="0F0F0F"/>
-                </a:solidFill>
-                <a:effectLst/>
-                <a:latin typeface="Söhne"/>
-              </a:rPr>
-              <a:t>, </a:t>
-            </a:r>
-            <a:r>
-              <a:rPr lang="en-US" sz="1800" b="0" i="0" dirty="0" err="1">
-                <a:solidFill>
-                  <a:srgbClr val="0F0F0F"/>
-                </a:solidFill>
-                <a:effectLst/>
-                <a:latin typeface="Söhne"/>
-              </a:rPr>
-              <a:t>loyihaning</a:t>
-            </a:r>
-            <a:r>
-              <a:rPr lang="en-US" sz="1800" b="0" i="0" dirty="0">
-                <a:solidFill>
-                  <a:srgbClr val="0F0F0F"/>
-                </a:solidFill>
-                <a:effectLst/>
-                <a:latin typeface="Söhne"/>
-              </a:rPr>
-              <a:t> </a:t>
-            </a:r>
-            <a:r>
-              <a:rPr lang="en-US" sz="1800" b="0" i="0" dirty="0" err="1">
-                <a:solidFill>
-                  <a:srgbClr val="0F0F0F"/>
-                </a:solidFill>
-                <a:effectLst/>
-                <a:latin typeface="Söhne"/>
-              </a:rPr>
-              <a:t>to'g'ridan-to'g'ri</a:t>
-            </a:r>
-            <a:r>
-              <a:rPr lang="en-US" sz="1800" b="0" i="0" dirty="0">
-                <a:solidFill>
-                  <a:srgbClr val="0F0F0F"/>
-                </a:solidFill>
-                <a:effectLst/>
-                <a:latin typeface="Söhne"/>
-              </a:rPr>
-              <a:t> </a:t>
-            </a:r>
-            <a:r>
-              <a:rPr lang="en-US" sz="1800" b="0" i="0" dirty="0" err="1">
-                <a:solidFill>
-                  <a:srgbClr val="0F0F0F"/>
-                </a:solidFill>
-                <a:effectLst/>
-                <a:latin typeface="Söhne"/>
-              </a:rPr>
-              <a:t>ishlashini</a:t>
-            </a:r>
-            <a:r>
-              <a:rPr lang="en-US" sz="1800" b="0" i="0" dirty="0">
-                <a:solidFill>
-                  <a:srgbClr val="0F0F0F"/>
-                </a:solidFill>
-                <a:effectLst/>
-                <a:latin typeface="Söhne"/>
-              </a:rPr>
-              <a:t> </a:t>
-            </a:r>
-            <a:r>
-              <a:rPr lang="en-US" sz="1800" b="0" i="0" dirty="0" err="1">
-                <a:solidFill>
-                  <a:srgbClr val="0F0F0F"/>
-                </a:solidFill>
-                <a:effectLst/>
-                <a:latin typeface="Söhne"/>
-              </a:rPr>
-              <a:t>ta'minlash</a:t>
-            </a:r>
-            <a:r>
-              <a:rPr lang="en-US" sz="1800" b="0" i="0" dirty="0">
-                <a:solidFill>
-                  <a:srgbClr val="0F0F0F"/>
-                </a:solidFill>
-                <a:effectLst/>
-                <a:latin typeface="Söhne"/>
-              </a:rPr>
-              <a:t> </a:t>
-            </a:r>
-            <a:r>
-              <a:rPr lang="en-US" sz="1800" b="0" i="0" dirty="0" err="1">
-                <a:solidFill>
-                  <a:srgbClr val="0F0F0F"/>
-                </a:solidFill>
-                <a:effectLst/>
-                <a:latin typeface="Söhne"/>
-              </a:rPr>
-              <a:t>uchun</a:t>
-            </a:r>
-            <a:r>
-              <a:rPr lang="en-US" sz="1800" b="0" i="0" dirty="0">
-                <a:solidFill>
-                  <a:srgbClr val="0F0F0F"/>
-                </a:solidFill>
-                <a:effectLst/>
-                <a:latin typeface="Söhne"/>
-              </a:rPr>
-              <a:t> </a:t>
-            </a:r>
-            <a:r>
-              <a:rPr lang="en-US" sz="1800" b="0" i="0" dirty="0" err="1">
-                <a:solidFill>
-                  <a:srgbClr val="0F0F0F"/>
-                </a:solidFill>
-                <a:effectLst/>
-                <a:latin typeface="Söhne"/>
-              </a:rPr>
-              <a:t>katta</a:t>
-            </a:r>
-            <a:r>
-              <a:rPr lang="en-US" sz="1800" b="0" i="0" dirty="0">
-                <a:solidFill>
-                  <a:srgbClr val="0F0F0F"/>
-                </a:solidFill>
-                <a:effectLst/>
-                <a:latin typeface="Söhne"/>
-              </a:rPr>
-              <a:t> </a:t>
-            </a:r>
-            <a:r>
-              <a:rPr lang="en-US" sz="1800" b="0" i="0" dirty="0" err="1">
-                <a:solidFill>
-                  <a:srgbClr val="0F0F0F"/>
-                </a:solidFill>
-                <a:effectLst/>
-                <a:latin typeface="Söhne"/>
-              </a:rPr>
-              <a:t>ahamiyatga</a:t>
-            </a:r>
-            <a:r>
-              <a:rPr lang="en-US" sz="1800" b="0" i="0" dirty="0">
-                <a:solidFill>
-                  <a:srgbClr val="0F0F0F"/>
-                </a:solidFill>
-                <a:effectLst/>
-                <a:latin typeface="Söhne"/>
-              </a:rPr>
-              <a:t> </a:t>
-            </a:r>
-            <a:r>
-              <a:rPr lang="en-US" sz="1800" b="0" i="0" dirty="0" err="1">
-                <a:solidFill>
-                  <a:srgbClr val="0F0F0F"/>
-                </a:solidFill>
-                <a:effectLst/>
-                <a:latin typeface="Söhne"/>
-              </a:rPr>
-              <a:t>ega</a:t>
-            </a:r>
-            <a:r>
-              <a:rPr lang="en-US" sz="1800" b="0" i="0" dirty="0">
-                <a:solidFill>
-                  <a:srgbClr val="0F0F0F"/>
-                </a:solidFill>
-                <a:effectLst/>
-                <a:latin typeface="Söhne"/>
-              </a:rPr>
-              <a:t>.</a:t>
+              <a:rPr lang="en-US" sz="2000" b="1" i="0" dirty="0">
+                <a:solidFill>
+                  <a:schemeClr val="bg1"/>
+                </a:solidFill>
+                <a:effectLst/>
+                <a:latin typeface="Söhne"/>
+              </a:rPr>
+              <a:t> </a:t>
+            </a:r>
+            <a:r>
+              <a:rPr lang="en-US" sz="2000" b="1" i="0" dirty="0" err="1">
+                <a:solidFill>
+                  <a:schemeClr val="bg1"/>
+                </a:solidFill>
+                <a:effectLst/>
+                <a:latin typeface="Söhne"/>
+              </a:rPr>
+              <a:t>Tahrirlash</a:t>
+            </a:r>
+            <a:r>
+              <a:rPr lang="en-US" sz="2000" b="1" i="0" dirty="0">
+                <a:solidFill>
+                  <a:schemeClr val="bg1"/>
+                </a:solidFill>
+                <a:effectLst/>
+                <a:latin typeface="Söhne"/>
+              </a:rPr>
+              <a:t>:</a:t>
+            </a:r>
+            <a:r>
+              <a:rPr lang="en-US" sz="2000" b="0" i="0" dirty="0">
+                <a:solidFill>
+                  <a:schemeClr val="bg1"/>
+                </a:solidFill>
+                <a:effectLst/>
+                <a:latin typeface="Söhne"/>
+              </a:rPr>
+              <a:t> </a:t>
             </a:r>
           </a:p>
           <a:p>
@@ -21755,510 +20478,307 @@
               <a:buNone/>
             </a:pPr>
             <a:r>
-              <a:rPr lang="en-US" sz="1800" b="1" i="0" dirty="0" err="1">
-                <a:effectLst/>
-                <a:latin typeface="Söhne"/>
-              </a:rPr>
-              <a:t>Ma'lumotlarni</a:t>
-            </a:r>
-            <a:r>
-              <a:rPr lang="en-US" sz="1800" b="1" i="0" dirty="0">
-                <a:effectLst/>
-                <a:latin typeface="Söhne"/>
-              </a:rPr>
-              <a:t> </a:t>
-            </a:r>
-            <a:r>
-              <a:rPr lang="en-US" sz="1800" b="1" i="0" dirty="0" err="1">
-                <a:effectLst/>
-                <a:latin typeface="Söhne"/>
-              </a:rPr>
-              <a:t>Tuzish</a:t>
-            </a:r>
-            <a:r>
-              <a:rPr lang="en-US" sz="1800" b="1" i="0" dirty="0">
-                <a:effectLst/>
-                <a:latin typeface="Söhne"/>
-              </a:rPr>
-              <a:t> </a:t>
-            </a:r>
-            <a:r>
-              <a:rPr lang="en-US" sz="1800" b="1" i="0" dirty="0" err="1">
+              <a:rPr lang="en-US" sz="2000" b="0" i="0" dirty="0" err="1">
+                <a:effectLst/>
+                <a:latin typeface="Söhne"/>
+              </a:rPr>
+              <a:t>Yig'ilgan</a:t>
+            </a:r>
+            <a:r>
+              <a:rPr lang="en-US" sz="2000" b="0" i="0" dirty="0">
+                <a:effectLst/>
+                <a:latin typeface="Söhne"/>
+              </a:rPr>
+              <a:t> </a:t>
+            </a:r>
+            <a:r>
+              <a:rPr lang="en-US" sz="2000" b="0" i="0" dirty="0" err="1">
+                <a:effectLst/>
+                <a:latin typeface="Söhne"/>
+              </a:rPr>
+              <a:t>ma'lumotlar</a:t>
+            </a:r>
+            <a:r>
+              <a:rPr lang="en-US" sz="2000" b="0" i="0" dirty="0">
+                <a:effectLst/>
+                <a:latin typeface="Söhne"/>
+              </a:rPr>
+              <a:t> </a:t>
+            </a:r>
+            <a:r>
+              <a:rPr lang="en-US" sz="2000" b="0" i="0" dirty="0" err="1">
+                <a:effectLst/>
+                <a:latin typeface="Söhne"/>
+              </a:rPr>
+              <a:t>adib</a:t>
+            </a:r>
+            <a:r>
+              <a:rPr lang="en-US" sz="2000" b="0" i="0" dirty="0">
+                <a:effectLst/>
+                <a:latin typeface="Söhne"/>
+              </a:rPr>
+              <a:t>, </a:t>
+            </a:r>
+            <a:r>
+              <a:rPr lang="en-US" sz="2000" b="0" i="0" dirty="0" err="1">
+                <a:effectLst/>
+                <a:latin typeface="Söhne"/>
+              </a:rPr>
+              <a:t>tuzilish</a:t>
+            </a:r>
+            <a:r>
+              <a:rPr lang="en-US" sz="2000" b="0" i="0" dirty="0">
+                <a:effectLst/>
+                <a:latin typeface="Söhne"/>
+              </a:rPr>
+              <a:t> </a:t>
+            </a:r>
+            <a:r>
+              <a:rPr lang="en-US" sz="2000" b="0" i="0" dirty="0" err="1">
                 <a:effectLst/>
                 <a:latin typeface="Söhne"/>
               </a:rPr>
               <a:t>va</a:t>
             </a:r>
             <a:r>
-              <a:rPr lang="en-US" sz="1800" b="1" i="0" dirty="0">
-                <a:effectLst/>
-                <a:latin typeface="Söhne"/>
-              </a:rPr>
-              <a:t> </a:t>
-            </a:r>
-            <a:r>
-              <a:rPr lang="en-US" sz="1800" b="1" i="0" dirty="0" err="1">
-                <a:effectLst/>
-                <a:latin typeface="Söhne"/>
-              </a:rPr>
-              <a:t>Tahrirlash</a:t>
-            </a:r>
-            <a:r>
-              <a:rPr lang="en-US" sz="1800" b="1" i="0" dirty="0">
-                <a:effectLst/>
-                <a:latin typeface="Söhne"/>
-              </a:rPr>
-              <a:t>:</a:t>
-            </a:r>
-            <a:r>
-              <a:rPr lang="en-US" sz="1800" b="0" i="0" dirty="0">
-                <a:solidFill>
-                  <a:srgbClr val="0F0F0F"/>
-                </a:solidFill>
-                <a:effectLst/>
-                <a:latin typeface="Söhne"/>
-              </a:rPr>
-              <a:t> </a:t>
-            </a:r>
-          </a:p>
-          <a:p>
-            <a:pPr marL="0" indent="0">
-              <a:buNone/>
-            </a:pPr>
-            <a:r>
-              <a:rPr lang="en-US" sz="1800" b="0" i="0" dirty="0" err="1">
-                <a:solidFill>
-                  <a:srgbClr val="0F0F0F"/>
-                </a:solidFill>
-                <a:effectLst/>
-                <a:latin typeface="Söhne"/>
-              </a:rPr>
-              <a:t>Yig'ilgan</a:t>
-            </a:r>
-            <a:r>
-              <a:rPr lang="en-US" sz="1800" b="0" i="0" dirty="0">
-                <a:solidFill>
-                  <a:srgbClr val="0F0F0F"/>
-                </a:solidFill>
-                <a:effectLst/>
-                <a:latin typeface="Söhne"/>
-              </a:rPr>
-              <a:t> </a:t>
-            </a:r>
-            <a:r>
-              <a:rPr lang="en-US" sz="1800" b="0" i="0" dirty="0" err="1">
-                <a:solidFill>
-                  <a:srgbClr val="0F0F0F"/>
-                </a:solidFill>
+              <a:rPr lang="en-US" sz="2000" b="0" i="0" dirty="0">
+                <a:effectLst/>
+                <a:latin typeface="Söhne"/>
+              </a:rPr>
+              <a:t> </a:t>
+            </a:r>
+            <a:r>
+              <a:rPr lang="en-US" sz="2000" b="0" i="0" dirty="0" err="1">
+                <a:effectLst/>
+                <a:latin typeface="Söhne"/>
+              </a:rPr>
+              <a:t>qayta</a:t>
+            </a:r>
+            <a:r>
+              <a:rPr lang="en-US" sz="2000" b="0" i="0" dirty="0">
+                <a:effectLst/>
+                <a:latin typeface="Söhne"/>
+              </a:rPr>
+              <a:t> </a:t>
+            </a:r>
+            <a:r>
+              <a:rPr lang="en-US" sz="2000" b="0" i="0" dirty="0" err="1">
+                <a:effectLst/>
+                <a:latin typeface="Söhne"/>
+              </a:rPr>
+              <a:t>ishlanish</a:t>
+            </a:r>
+            <a:r>
+              <a:rPr lang="en-US" sz="2000" b="0" i="0" dirty="0">
+                <a:effectLst/>
+                <a:latin typeface="Söhne"/>
+              </a:rPr>
+              <a:t> </a:t>
+            </a:r>
+            <a:r>
+              <a:rPr lang="en-US" sz="2000" b="0" i="0" dirty="0" err="1">
+                <a:effectLst/>
+                <a:latin typeface="Söhne"/>
+              </a:rPr>
+              <a:t>lozim</a:t>
+            </a:r>
+            <a:r>
+              <a:rPr lang="en-US" sz="2000" b="0" i="0" dirty="0">
+                <a:effectLst/>
+                <a:latin typeface="Söhne"/>
+              </a:rPr>
+              <a:t> </a:t>
+            </a:r>
+            <a:r>
+              <a:rPr lang="en-US" sz="2000" b="0" i="0" dirty="0" err="1">
+                <a:effectLst/>
+                <a:latin typeface="Söhne"/>
+              </a:rPr>
+              <a:t>bo'ladi</a:t>
+            </a:r>
+            <a:r>
+              <a:rPr lang="en-US" sz="2000" b="0" i="0" dirty="0">
+                <a:effectLst/>
+                <a:latin typeface="Söhne"/>
+              </a:rPr>
+              <a:t>. Bu </a:t>
+            </a:r>
+            <a:r>
+              <a:rPr lang="en-US" sz="2000" b="0" i="0" dirty="0" err="1">
+                <a:effectLst/>
+                <a:latin typeface="Söhne"/>
+              </a:rPr>
+              <a:t>qadam</a:t>
+            </a:r>
+            <a:r>
+              <a:rPr lang="en-US" sz="2000" b="0" i="0" dirty="0">
+                <a:effectLst/>
+                <a:latin typeface="Söhne"/>
+              </a:rPr>
+              <a:t>, </a:t>
+            </a:r>
+            <a:r>
+              <a:rPr lang="en-US" sz="2000" b="0" i="0" dirty="0" err="1">
                 <a:effectLst/>
                 <a:latin typeface="Söhne"/>
               </a:rPr>
               <a:t>ma'lumotlar</a:t>
             </a:r>
             <a:r>
-              <a:rPr lang="en-US" sz="1800" b="0" i="0" dirty="0">
-                <a:solidFill>
-                  <a:srgbClr val="0F0F0F"/>
-                </a:solidFill>
-                <a:effectLst/>
-                <a:latin typeface="Söhne"/>
-              </a:rPr>
-              <a:t> </a:t>
-            </a:r>
-            <a:r>
-              <a:rPr lang="en-US" sz="1800" b="0" i="0" dirty="0" err="1">
-                <a:solidFill>
-                  <a:srgbClr val="0F0F0F"/>
-                </a:solidFill>
-                <a:effectLst/>
-                <a:latin typeface="Söhne"/>
-              </a:rPr>
-              <a:t>adib</a:t>
-            </a:r>
-            <a:r>
-              <a:rPr lang="en-US" sz="1800" b="0" i="0" dirty="0">
-                <a:solidFill>
-                  <a:srgbClr val="0F0F0F"/>
-                </a:solidFill>
+              <a:rPr lang="en-US" sz="2000" b="0" i="0" dirty="0">
+                <a:effectLst/>
+                <a:latin typeface="Söhne"/>
+              </a:rPr>
+              <a:t> </a:t>
+            </a:r>
+            <a:r>
+              <a:rPr lang="en-US" sz="2000" b="0" i="0" dirty="0" err="1">
+                <a:effectLst/>
+                <a:latin typeface="Söhne"/>
+              </a:rPr>
+              <a:t>bazasidan</a:t>
+            </a:r>
+            <a:r>
+              <a:rPr lang="en-US" sz="2000" b="0" i="0" dirty="0">
+                <a:effectLst/>
+                <a:latin typeface="Söhne"/>
+              </a:rPr>
+              <a:t> </a:t>
+            </a:r>
+            <a:r>
+              <a:rPr lang="en-US" sz="2000" b="0" i="0" dirty="0" err="1">
+                <a:effectLst/>
+                <a:latin typeface="Söhne"/>
+              </a:rPr>
+              <a:t>kerakli</a:t>
+            </a:r>
+            <a:r>
+              <a:rPr lang="en-US" sz="2000" b="0" i="0" dirty="0">
+                <a:effectLst/>
+                <a:latin typeface="Söhne"/>
+              </a:rPr>
+              <a:t> </a:t>
+            </a:r>
+            <a:r>
+              <a:rPr lang="en-US" sz="2000" b="0" i="0" dirty="0" err="1">
+                <a:effectLst/>
+                <a:latin typeface="Söhne"/>
+              </a:rPr>
+              <a:t>ma'lumotlarni</a:t>
+            </a:r>
+            <a:r>
+              <a:rPr lang="en-US" sz="2000" b="0" i="0" dirty="0">
+                <a:effectLst/>
+                <a:latin typeface="Söhne"/>
+              </a:rPr>
+              <a:t> </a:t>
+            </a:r>
+            <a:r>
+              <a:rPr lang="en-US" sz="2000" b="0" i="0" dirty="0" err="1">
+                <a:effectLst/>
+                <a:latin typeface="Söhne"/>
+              </a:rPr>
+              <a:t>topish</a:t>
+            </a:r>
+            <a:r>
+              <a:rPr lang="en-US" sz="2000" b="0" i="0" dirty="0">
                 <a:effectLst/>
                 <a:latin typeface="Söhne"/>
               </a:rPr>
               <a:t>, </a:t>
             </a:r>
             <a:r>
-              <a:rPr lang="en-US" sz="1800" b="0" i="0" dirty="0" err="1">
-                <a:solidFill>
-                  <a:srgbClr val="0F0F0F"/>
-                </a:solidFill>
-                <a:effectLst/>
-                <a:latin typeface="Söhne"/>
-              </a:rPr>
-              <a:t>tuzilish</a:t>
-            </a:r>
-            <a:r>
-              <a:rPr lang="en-US" sz="1800" b="0" i="0" dirty="0">
-                <a:solidFill>
-                  <a:srgbClr val="0F0F0F"/>
-                </a:solidFill>
-                <a:effectLst/>
-                <a:latin typeface="Söhne"/>
-              </a:rPr>
-              <a:t> </a:t>
-            </a:r>
-            <a:r>
-              <a:rPr lang="en-US" sz="1800" b="0" i="0" dirty="0" err="1">
-                <a:solidFill>
-                  <a:srgbClr val="0F0F0F"/>
-                </a:solidFill>
+              <a:rPr lang="en-US" sz="2000" b="0" i="0" dirty="0" err="1">
+                <a:effectLst/>
+                <a:latin typeface="Söhne"/>
+              </a:rPr>
+              <a:t>ularni</a:t>
+            </a:r>
+            <a:r>
+              <a:rPr lang="en-US" sz="2000" b="0" i="0" dirty="0">
+                <a:effectLst/>
+                <a:latin typeface="Söhne"/>
+              </a:rPr>
+              <a:t> </a:t>
+            </a:r>
+            <a:r>
+              <a:rPr lang="en-US" sz="2000" b="0" i="0" dirty="0" err="1">
+                <a:effectLst/>
+                <a:latin typeface="Söhne"/>
+              </a:rPr>
+              <a:t>tozalash</a:t>
+            </a:r>
+            <a:r>
+              <a:rPr lang="en-US" sz="2000" b="0" i="0" dirty="0">
+                <a:effectLst/>
+                <a:latin typeface="Söhne"/>
+              </a:rPr>
+              <a:t>, </a:t>
+            </a:r>
+            <a:r>
+              <a:rPr lang="en-US" sz="2000" b="0" i="0" dirty="0" err="1">
+                <a:effectLst/>
+                <a:latin typeface="Söhne"/>
+              </a:rPr>
+              <a:t>ma'lumotlar</a:t>
+            </a:r>
+            <a:r>
+              <a:rPr lang="en-US" sz="2000" b="0" i="0" dirty="0">
+                <a:effectLst/>
+                <a:latin typeface="Söhne"/>
+              </a:rPr>
+              <a:t> </a:t>
+            </a:r>
+            <a:r>
+              <a:rPr lang="en-US" sz="2000" b="0" i="0" dirty="0" err="1">
+                <a:effectLst/>
+                <a:latin typeface="Söhne"/>
+              </a:rPr>
+              <a:t>to'plamini</a:t>
+            </a:r>
+            <a:r>
+              <a:rPr lang="en-US" sz="2000" b="0" i="0" dirty="0">
+                <a:effectLst/>
+                <a:latin typeface="Söhne"/>
+              </a:rPr>
+              <a:t> </a:t>
+            </a:r>
+            <a:r>
+              <a:rPr lang="en-US" sz="2000" b="0" i="0" dirty="0" err="1">
+                <a:effectLst/>
+                <a:latin typeface="Söhne"/>
+              </a:rPr>
+              <a:t>yomonlashtirish</a:t>
+            </a:r>
+            <a:r>
+              <a:rPr lang="en-US" sz="2000" b="0" i="0" dirty="0">
+                <a:effectLst/>
+                <a:latin typeface="Söhne"/>
+              </a:rPr>
+              <a:t> </a:t>
+            </a:r>
+            <a:r>
+              <a:rPr lang="en-US" sz="2000" b="0" i="0" dirty="0" err="1">
                 <a:effectLst/>
                 <a:latin typeface="Söhne"/>
               </a:rPr>
               <a:t>va</a:t>
             </a:r>
             <a:r>
-              <a:rPr lang="en-US" sz="1800" b="0" i="0" dirty="0">
-                <a:solidFill>
-                  <a:srgbClr val="0F0F0F"/>
-                </a:solidFill>
-                <a:effectLst/>
-                <a:latin typeface="Söhne"/>
-              </a:rPr>
-              <a:t> </a:t>
-            </a:r>
-            <a:r>
-              <a:rPr lang="en-US" sz="1800" b="0" i="0" dirty="0" err="1">
-                <a:solidFill>
-                  <a:srgbClr val="0F0F0F"/>
-                </a:solidFill>
-                <a:effectLst/>
-                <a:latin typeface="Söhne"/>
-              </a:rPr>
-              <a:t>qayta</a:t>
-            </a:r>
-            <a:r>
-              <a:rPr lang="en-US" sz="1800" b="0" i="0" dirty="0">
-                <a:solidFill>
-                  <a:srgbClr val="0F0F0F"/>
-                </a:solidFill>
-                <a:effectLst/>
-                <a:latin typeface="Söhne"/>
-              </a:rPr>
-              <a:t> </a:t>
-            </a:r>
-            <a:r>
-              <a:rPr lang="en-US" sz="1800" b="0" i="0" dirty="0" err="1">
-                <a:solidFill>
-                  <a:srgbClr val="0F0F0F"/>
-                </a:solidFill>
-                <a:effectLst/>
-                <a:latin typeface="Söhne"/>
-              </a:rPr>
-              <a:t>ishlanish</a:t>
-            </a:r>
-            <a:r>
-              <a:rPr lang="en-US" sz="1800" b="0" i="0" dirty="0">
-                <a:solidFill>
-                  <a:srgbClr val="0F0F0F"/>
-                </a:solidFill>
-                <a:effectLst/>
-                <a:latin typeface="Söhne"/>
-              </a:rPr>
-              <a:t> </a:t>
-            </a:r>
-            <a:r>
-              <a:rPr lang="en-US" sz="1800" b="0" i="0" dirty="0" err="1">
-                <a:solidFill>
-                  <a:srgbClr val="0F0F0F"/>
-                </a:solidFill>
-                <a:effectLst/>
-                <a:latin typeface="Söhne"/>
-              </a:rPr>
-              <a:t>lozim</a:t>
-            </a:r>
-            <a:r>
-              <a:rPr lang="en-US" sz="1800" b="0" i="0" dirty="0">
-                <a:solidFill>
-                  <a:srgbClr val="0F0F0F"/>
-                </a:solidFill>
-                <a:effectLst/>
-                <a:latin typeface="Söhne"/>
-              </a:rPr>
-              <a:t> </a:t>
-            </a:r>
-            <a:r>
-              <a:rPr lang="en-US" sz="1800" b="0" i="0" dirty="0" err="1">
-                <a:solidFill>
-                  <a:srgbClr val="0F0F0F"/>
-                </a:solidFill>
-                <a:effectLst/>
-                <a:latin typeface="Söhne"/>
-              </a:rPr>
-              <a:t>bo'ladi</a:t>
-            </a:r>
-            <a:r>
-              <a:rPr lang="en-US" sz="1800" b="0" i="0" dirty="0">
-                <a:solidFill>
-                  <a:srgbClr val="0F0F0F"/>
-                </a:solidFill>
-                <a:effectLst/>
-                <a:latin typeface="Söhne"/>
-              </a:rPr>
-              <a:t>. Bu </a:t>
-            </a:r>
-            <a:r>
-              <a:rPr lang="en-US" sz="1800" b="0" i="0" dirty="0" err="1">
-                <a:solidFill>
-                  <a:srgbClr val="0F0F0F"/>
-                </a:solidFill>
-                <a:effectLst/>
-                <a:latin typeface="Söhne"/>
-              </a:rPr>
-              <a:t>qadam</a:t>
-            </a:r>
-            <a:r>
-              <a:rPr lang="en-US" sz="1800" b="0" i="0" dirty="0">
-                <a:solidFill>
-                  <a:srgbClr val="0F0F0F"/>
-                </a:solidFill>
-                <a:effectLst/>
-                <a:latin typeface="Söhne"/>
-              </a:rPr>
-              <a:t>, </a:t>
-            </a:r>
-            <a:r>
-              <a:rPr lang="en-US" sz="1800" b="0" i="0" dirty="0" err="1">
-                <a:solidFill>
-                  <a:srgbClr val="0F0F0F"/>
-                </a:solidFill>
-                <a:effectLst/>
-                <a:latin typeface="Söhne"/>
-              </a:rPr>
-              <a:t>ma'lumotlar</a:t>
-            </a:r>
-            <a:r>
-              <a:rPr lang="en-US" sz="1800" b="0" i="0" dirty="0">
-                <a:solidFill>
-                  <a:srgbClr val="0F0F0F"/>
-                </a:solidFill>
-                <a:effectLst/>
-                <a:latin typeface="Söhne"/>
-              </a:rPr>
-              <a:t> </a:t>
-            </a:r>
-            <a:r>
-              <a:rPr lang="en-US" sz="1800" b="0" i="0" dirty="0" err="1">
-                <a:solidFill>
-                  <a:srgbClr val="0F0F0F"/>
-                </a:solidFill>
-                <a:effectLst/>
-                <a:latin typeface="Söhne"/>
-              </a:rPr>
-              <a:t>bazasidan</a:t>
-            </a:r>
-            <a:r>
-              <a:rPr lang="en-US" sz="1800" b="0" i="0" dirty="0">
-                <a:solidFill>
-                  <a:srgbClr val="0F0F0F"/>
-                </a:solidFill>
-                <a:effectLst/>
-                <a:latin typeface="Söhne"/>
-              </a:rPr>
-              <a:t> </a:t>
-            </a:r>
-            <a:r>
-              <a:rPr lang="en-US" sz="1800" b="0" i="0" dirty="0" err="1">
-                <a:solidFill>
-                  <a:srgbClr val="0F0F0F"/>
-                </a:solidFill>
-                <a:effectLst/>
-                <a:latin typeface="Söhne"/>
-              </a:rPr>
-              <a:t>kerakli</a:t>
-            </a:r>
-            <a:r>
-              <a:rPr lang="en-US" sz="1800" b="0" i="0" dirty="0">
-                <a:solidFill>
-                  <a:srgbClr val="0F0F0F"/>
-                </a:solidFill>
-                <a:effectLst/>
-                <a:latin typeface="Söhne"/>
-              </a:rPr>
-              <a:t> </a:t>
-            </a:r>
-            <a:r>
-              <a:rPr lang="en-US" sz="1800" b="0" i="0" dirty="0" err="1">
-                <a:solidFill>
-                  <a:srgbClr val="0F0F0F"/>
-                </a:solidFill>
-                <a:effectLst/>
-                <a:latin typeface="Söhne"/>
-              </a:rPr>
-              <a:t>ma'lumotlarni</a:t>
-            </a:r>
-            <a:r>
-              <a:rPr lang="en-US" sz="1800" b="0" i="0" dirty="0">
-                <a:solidFill>
-                  <a:srgbClr val="0F0F0F"/>
-                </a:solidFill>
-                <a:effectLst/>
-                <a:latin typeface="Söhne"/>
-              </a:rPr>
-              <a:t> </a:t>
-            </a:r>
-            <a:r>
-              <a:rPr lang="en-US" sz="1800" b="0" i="0" dirty="0" err="1">
-                <a:solidFill>
-                  <a:srgbClr val="0F0F0F"/>
-                </a:solidFill>
-                <a:effectLst/>
-                <a:latin typeface="Söhne"/>
-              </a:rPr>
-              <a:t>topish</a:t>
-            </a:r>
-            <a:r>
-              <a:rPr lang="en-US" sz="1800" b="0" i="0" dirty="0">
-                <a:solidFill>
-                  <a:srgbClr val="0F0F0F"/>
-                </a:solidFill>
-                <a:effectLst/>
-                <a:latin typeface="Söhne"/>
-              </a:rPr>
-              <a:t>, </a:t>
-            </a:r>
-            <a:r>
-              <a:rPr lang="en-US" sz="1800" b="0" i="0" dirty="0" err="1">
-                <a:solidFill>
-                  <a:srgbClr val="0F0F0F"/>
-                </a:solidFill>
-                <a:effectLst/>
-                <a:latin typeface="Söhne"/>
-              </a:rPr>
-              <a:t>ularni</a:t>
-            </a:r>
-            <a:r>
-              <a:rPr lang="en-US" sz="1800" b="0" i="0" dirty="0">
-                <a:solidFill>
-                  <a:srgbClr val="0F0F0F"/>
-                </a:solidFill>
-                <a:effectLst/>
-                <a:latin typeface="Söhne"/>
-              </a:rPr>
-              <a:t> </a:t>
-            </a:r>
-            <a:r>
-              <a:rPr lang="en-US" sz="1800" b="0" i="0" dirty="0" err="1">
-                <a:solidFill>
-                  <a:srgbClr val="0F0F0F"/>
-                </a:solidFill>
-                <a:effectLst/>
-                <a:latin typeface="Söhne"/>
-              </a:rPr>
-              <a:t>tozalash</a:t>
-            </a:r>
-            <a:r>
-              <a:rPr lang="en-US" sz="1800" b="0" i="0" dirty="0">
-                <a:solidFill>
-                  <a:srgbClr val="0F0F0F"/>
-                </a:solidFill>
-                <a:effectLst/>
-                <a:latin typeface="Söhne"/>
-              </a:rPr>
-              <a:t>, </a:t>
-            </a:r>
-            <a:r>
-              <a:rPr lang="en-US" sz="1800" b="0" i="0" dirty="0" err="1">
-                <a:solidFill>
-                  <a:srgbClr val="0F0F0F"/>
-                </a:solidFill>
-                <a:effectLst/>
-                <a:latin typeface="Söhne"/>
-              </a:rPr>
-              <a:t>ma'lumotlar</a:t>
-            </a:r>
-            <a:r>
-              <a:rPr lang="en-US" sz="1800" b="0" i="0" dirty="0">
-                <a:solidFill>
-                  <a:srgbClr val="0F0F0F"/>
-                </a:solidFill>
-                <a:effectLst/>
-                <a:latin typeface="Söhne"/>
-              </a:rPr>
-              <a:t> </a:t>
-            </a:r>
-            <a:r>
-              <a:rPr lang="en-US" sz="1800" b="0" i="0" dirty="0" err="1">
-                <a:solidFill>
-                  <a:srgbClr val="0F0F0F"/>
-                </a:solidFill>
-                <a:effectLst/>
-                <a:latin typeface="Söhne"/>
-              </a:rPr>
-              <a:t>to'plamini</a:t>
-            </a:r>
-            <a:r>
-              <a:rPr lang="en-US" sz="1800" b="0" i="0" dirty="0">
-                <a:solidFill>
-                  <a:srgbClr val="0F0F0F"/>
-                </a:solidFill>
-                <a:effectLst/>
-                <a:latin typeface="Söhne"/>
-              </a:rPr>
-              <a:t> </a:t>
-            </a:r>
-            <a:r>
-              <a:rPr lang="en-US" sz="1800" b="0" i="0" dirty="0" err="1">
-                <a:solidFill>
-                  <a:srgbClr val="0F0F0F"/>
-                </a:solidFill>
-                <a:effectLst/>
-                <a:latin typeface="Söhne"/>
-              </a:rPr>
-              <a:t>yomonlashtirish</a:t>
-            </a:r>
-            <a:r>
-              <a:rPr lang="en-US" sz="1800" b="0" i="0" dirty="0">
-                <a:solidFill>
-                  <a:srgbClr val="0F0F0F"/>
-                </a:solidFill>
-                <a:effectLst/>
-                <a:latin typeface="Söhne"/>
-              </a:rPr>
-              <a:t> </a:t>
-            </a:r>
-            <a:r>
-              <a:rPr lang="en-US" sz="1800" b="0" i="0" dirty="0" err="1">
-                <a:solidFill>
-                  <a:srgbClr val="0F0F0F"/>
-                </a:solidFill>
-                <a:effectLst/>
-                <a:latin typeface="Söhne"/>
-              </a:rPr>
-              <a:t>va</a:t>
-            </a:r>
-            <a:r>
-              <a:rPr lang="en-US" sz="1800" b="0" i="0" dirty="0">
-                <a:solidFill>
-                  <a:srgbClr val="0F0F0F"/>
-                </a:solidFill>
-                <a:effectLst/>
-                <a:latin typeface="Söhne"/>
-              </a:rPr>
-              <a:t> </a:t>
-            </a:r>
-            <a:r>
-              <a:rPr lang="en-US" sz="1800" b="0" i="0" dirty="0" err="1">
-                <a:solidFill>
-                  <a:srgbClr val="0F0F0F"/>
-                </a:solidFill>
+              <a:rPr lang="en-US" sz="2000" b="0" i="0" dirty="0">
+                <a:effectLst/>
+                <a:latin typeface="Söhne"/>
+              </a:rPr>
+              <a:t> </a:t>
+            </a:r>
+            <a:r>
+              <a:rPr lang="en-US" sz="2000" b="0" i="0" dirty="0" err="1">
                 <a:effectLst/>
                 <a:latin typeface="Söhne"/>
               </a:rPr>
               <a:t>o'zgarishlarn</a:t>
             </a:r>
-            <a:endParaRPr lang="en-US" sz="1800" b="0" i="0" dirty="0">
-              <a:solidFill>
-                <a:srgbClr val="0F0F0F"/>
-              </a:solidFill>
+            <a:endParaRPr lang="en-US" sz="2000" b="0" i="0" dirty="0">
               <a:effectLst/>
               <a:latin typeface="Söhne"/>
             </a:endParaRPr>
@@ -22268,37 +20788,49 @@
               <a:buNone/>
             </a:pPr>
             <a:r>
-              <a:rPr lang="en-US" sz="1800" b="1" i="0" dirty="0" err="1">
+              <a:rPr lang="en-US" sz="2000" b="1" i="0" dirty="0" err="1">
+                <a:solidFill>
+                  <a:schemeClr val="bg1"/>
+                </a:solidFill>
                 <a:effectLst/>
                 <a:latin typeface="Söhne"/>
               </a:rPr>
               <a:t>Ma'lumotlarni</a:t>
             </a:r>
             <a:r>
-              <a:rPr lang="en-US" sz="1800" b="1" i="0" dirty="0">
-                <a:effectLst/>
-                <a:latin typeface="Söhne"/>
-              </a:rPr>
-              <a:t> </a:t>
-            </a:r>
-            <a:r>
-              <a:rPr lang="en-US" sz="1800" b="1" i="0" dirty="0" err="1">
+              <a:rPr lang="en-US" sz="2000" b="1" i="0" dirty="0">
+                <a:solidFill>
+                  <a:schemeClr val="bg1"/>
+                </a:solidFill>
+                <a:effectLst/>
+                <a:latin typeface="Söhne"/>
+              </a:rPr>
+              <a:t> </a:t>
+            </a:r>
+            <a:r>
+              <a:rPr lang="en-US" sz="2000" b="1" i="0" dirty="0" err="1">
+                <a:solidFill>
+                  <a:schemeClr val="bg1"/>
+                </a:solidFill>
                 <a:effectLst/>
                 <a:latin typeface="Söhne"/>
               </a:rPr>
               <a:t>Normallashtirish</a:t>
             </a:r>
             <a:r>
-              <a:rPr lang="en-US" sz="1800" b="1" i="0" dirty="0">
+              <a:rPr lang="en-US" sz="2000" b="1" i="0" dirty="0">
+                <a:solidFill>
+                  <a:schemeClr val="bg1"/>
+                </a:solidFill>
                 <a:effectLst/>
                 <a:latin typeface="Söhne"/>
               </a:rPr>
               <a:t>:</a:t>
             </a:r>
             <a:r>
-              <a:rPr lang="en-US" sz="1800" b="0" i="0" dirty="0">
-                <a:solidFill>
-                  <a:srgbClr val="0F0F0F"/>
+              <a:rPr lang="en-US" sz="2000" b="0" i="0" dirty="0">
+                <a:solidFill>
+                  <a:schemeClr val="bg1"/>
                 </a:solidFill>
                 <a:effectLst/>
                 <a:latin typeface="Söhne"/>
@@ -22311,1174 +20843,355 @@
               <a:buNone/>
             </a:pPr>
             <a:r>
-              <a:rPr lang="en-US" sz="1800" b="0" i="0" dirty="0" err="1">
-                <a:solidFill>
-                  <a:srgbClr val="0F0F0F"/>
-                </a:solidFill>
+              <a:rPr lang="en-US" sz="2000" b="0" i="0" dirty="0" err="1">
                 <a:effectLst/>
                 <a:latin typeface="Söhne"/>
               </a:rPr>
               <a:t>Ma'lumotlarni</a:t>
             </a:r>
             <a:r>
-              <a:rPr lang="en-US" sz="1800" b="0" i="0" dirty="0">
-                <a:solidFill>
-                  <a:srgbClr val="0F0F0F"/>
-                </a:solidFill>
-                <a:effectLst/>
-                <a:latin typeface="Söhne"/>
-              </a:rPr>
-              <a:t> </a:t>
-            </a:r>
-            <a:r>
-              <a:rPr lang="en-US" sz="1800" b="0" i="0" dirty="0" err="1">
-                <a:solidFill>
-                  <a:srgbClr val="0F0F0F"/>
-                </a:solidFill>
+              <a:rPr lang="en-US" sz="2000" b="0" i="0" dirty="0">
+                <a:effectLst/>
+                <a:latin typeface="Söhne"/>
+              </a:rPr>
+              <a:t> </a:t>
+            </a:r>
+            <a:r>
+              <a:rPr lang="en-US" sz="2000" b="0" i="0" dirty="0" err="1">
                 <a:effectLst/>
                 <a:latin typeface="Söhne"/>
               </a:rPr>
               <a:t>normallashtirish</a:t>
             </a:r>
             <a:r>
-              <a:rPr lang="en-US" sz="1800" b="0" i="0" dirty="0">
-                <a:solidFill>
-                  <a:srgbClr val="0F0F0F"/>
-                </a:solidFill>
+              <a:rPr lang="en-US" sz="2000" b="0" i="0" dirty="0">
                 <a:effectLst/>
                 <a:latin typeface="Söhne"/>
               </a:rPr>
               <a:t>, </a:t>
             </a:r>
             <a:r>
-              <a:rPr lang="en-US" sz="1800" b="0" i="0" dirty="0" err="1">
-                <a:solidFill>
-                  <a:srgbClr val="0F0F0F"/>
-                </a:solidFill>
+              <a:rPr lang="en-US" sz="2000" b="0" i="0" dirty="0" err="1">
                 <a:effectLst/>
                 <a:latin typeface="Söhne"/>
               </a:rPr>
               <a:t>ularni</a:t>
             </a:r>
             <a:r>
-              <a:rPr lang="en-US" sz="1800" b="0" i="0" dirty="0">
-                <a:solidFill>
-                  <a:srgbClr val="0F0F0F"/>
-                </a:solidFill>
-                <a:effectLst/>
-                <a:latin typeface="Söhne"/>
-              </a:rPr>
-              <a:t> </a:t>
-            </a:r>
-            <a:r>
-              <a:rPr lang="en-US" sz="1800" b="0" i="0" dirty="0" err="1">
-                <a:solidFill>
-                  <a:srgbClr val="0F0F0F"/>
-                </a:solidFill>
+              <a:rPr lang="en-US" sz="2000" b="0" i="0" dirty="0">
+                <a:effectLst/>
+                <a:latin typeface="Söhne"/>
+              </a:rPr>
+              <a:t> </a:t>
+            </a:r>
+            <a:r>
+              <a:rPr lang="en-US" sz="2000" b="0" i="0" dirty="0" err="1">
                 <a:effectLst/>
                 <a:latin typeface="Söhne"/>
               </a:rPr>
               <a:t>bir</a:t>
             </a:r>
             <a:r>
-              <a:rPr lang="en-US" sz="1800" b="0" i="0" dirty="0">
-                <a:solidFill>
-                  <a:srgbClr val="0F0F0F"/>
-                </a:solidFill>
-                <a:effectLst/>
-                <a:latin typeface="Söhne"/>
-              </a:rPr>
-              <a:t> </a:t>
-            </a:r>
-            <a:r>
-              <a:rPr lang="en-US" sz="1800" b="0" i="0" dirty="0" err="1">
-                <a:solidFill>
-                  <a:srgbClr val="0F0F0F"/>
-                </a:solidFill>
+              <a:rPr lang="en-US" sz="2000" b="0" i="0" dirty="0">
+                <a:effectLst/>
+                <a:latin typeface="Söhne"/>
+              </a:rPr>
+              <a:t> </a:t>
+            </a:r>
+            <a:r>
+              <a:rPr lang="en-US" sz="2000" b="0" i="0" dirty="0" err="1">
                 <a:effectLst/>
                 <a:latin typeface="Söhne"/>
               </a:rPr>
               <a:t>xil</a:t>
             </a:r>
             <a:r>
-              <a:rPr lang="en-US" sz="1800" b="0" i="0" dirty="0">
-                <a:solidFill>
-                  <a:srgbClr val="0F0F0F"/>
-                </a:solidFill>
-                <a:effectLst/>
-                <a:latin typeface="Söhne"/>
-              </a:rPr>
-              <a:t> </a:t>
-            </a:r>
-            <a:r>
-              <a:rPr lang="en-US" sz="1800" b="0" i="0" dirty="0" err="1">
-                <a:solidFill>
-                  <a:srgbClr val="0F0F0F"/>
-                </a:solidFill>
+              <a:rPr lang="en-US" sz="2000" b="0" i="0" dirty="0">
+                <a:effectLst/>
+                <a:latin typeface="Söhne"/>
+              </a:rPr>
+              <a:t> </a:t>
+            </a:r>
+            <a:r>
+              <a:rPr lang="en-US" sz="2000" b="0" i="0" dirty="0" err="1">
                 <a:effectLst/>
                 <a:latin typeface="Söhne"/>
               </a:rPr>
               <a:t>miqdorda</a:t>
             </a:r>
             <a:r>
-              <a:rPr lang="en-US" sz="1800" b="0" i="0" dirty="0">
-                <a:solidFill>
-                  <a:srgbClr val="0F0F0F"/>
-                </a:solidFill>
+              <a:rPr lang="en-US" sz="2000" b="0" i="0" dirty="0">
                 <a:effectLst/>
                 <a:latin typeface="Söhne"/>
               </a:rPr>
               <a:t>, </a:t>
             </a:r>
             <a:r>
-              <a:rPr lang="en-US" sz="1800" b="0" i="0" dirty="0" err="1">
-                <a:solidFill>
-                  <a:srgbClr val="0F0F0F"/>
-                </a:solidFill>
+              <a:rPr lang="en-US" sz="2000" b="0" i="0" dirty="0" err="1">
                 <a:effectLst/>
                 <a:latin typeface="Söhne"/>
               </a:rPr>
               <a:t>shaklda</a:t>
             </a:r>
             <a:r>
-              <a:rPr lang="en-US" sz="1800" b="0" i="0" dirty="0">
-                <a:solidFill>
-                  <a:srgbClr val="0F0F0F"/>
-                </a:solidFill>
-                <a:effectLst/>
-                <a:latin typeface="Söhne"/>
-              </a:rPr>
-              <a:t> </a:t>
-            </a:r>
-            <a:r>
-              <a:rPr lang="en-US" sz="1800" b="0" i="0" dirty="0" err="1">
-                <a:solidFill>
-                  <a:srgbClr val="0F0F0F"/>
-                </a:solidFill>
+              <a:rPr lang="en-US" sz="2000" b="0" i="0" dirty="0">
+                <a:effectLst/>
+                <a:latin typeface="Söhne"/>
+              </a:rPr>
+              <a:t> </a:t>
+            </a:r>
+            <a:r>
+              <a:rPr lang="en-US" sz="2000" b="0" i="0" dirty="0" err="1">
                 <a:effectLst/>
                 <a:latin typeface="Söhne"/>
               </a:rPr>
               <a:t>va</a:t>
             </a:r>
             <a:r>
-              <a:rPr lang="en-US" sz="1800" b="0" i="0" dirty="0">
-                <a:solidFill>
-                  <a:srgbClr val="0F0F0F"/>
-                </a:solidFill>
-                <a:effectLst/>
-                <a:latin typeface="Söhne"/>
-              </a:rPr>
-              <a:t> </a:t>
-            </a:r>
-            <a:r>
-              <a:rPr lang="en-US" sz="1800" b="0" i="0" dirty="0" err="1">
-                <a:solidFill>
-                  <a:srgbClr val="0F0F0F"/>
-                </a:solidFill>
+              <a:rPr lang="en-US" sz="2000" b="0" i="0" dirty="0">
+                <a:effectLst/>
+                <a:latin typeface="Söhne"/>
+              </a:rPr>
+              <a:t> </a:t>
+            </a:r>
+            <a:r>
+              <a:rPr lang="en-US" sz="2000" b="0" i="0" dirty="0" err="1">
                 <a:effectLst/>
                 <a:latin typeface="Söhne"/>
               </a:rPr>
               <a:t>standartlarda</a:t>
             </a:r>
             <a:r>
-              <a:rPr lang="en-US" sz="1800" b="0" i="0" dirty="0">
-                <a:solidFill>
-                  <a:srgbClr val="0F0F0F"/>
-                </a:solidFill>
-                <a:effectLst/>
-                <a:latin typeface="Söhne"/>
-              </a:rPr>
-              <a:t> </a:t>
-            </a:r>
-            <a:r>
-              <a:rPr lang="en-US" sz="1800" b="0" i="0" dirty="0" err="1">
-                <a:solidFill>
-                  <a:srgbClr val="0F0F0F"/>
-                </a:solidFill>
+              <a:rPr lang="en-US" sz="2000" b="0" i="0" dirty="0">
+                <a:effectLst/>
+                <a:latin typeface="Söhne"/>
+              </a:rPr>
+              <a:t> </a:t>
+            </a:r>
+            <a:r>
+              <a:rPr lang="en-US" sz="2000" b="0" i="0" dirty="0" err="1">
                 <a:effectLst/>
                 <a:latin typeface="Söhne"/>
               </a:rPr>
               <a:t>ifodalashni</a:t>
             </a:r>
             <a:r>
-              <a:rPr lang="en-US" sz="1800" b="0" i="0" dirty="0">
-                <a:solidFill>
-                  <a:srgbClr val="0F0F0F"/>
-                </a:solidFill>
-                <a:effectLst/>
-                <a:latin typeface="Söhne"/>
-              </a:rPr>
-              <a:t> </a:t>
-            </a:r>
-            <a:r>
-              <a:rPr lang="en-US" sz="1800" b="0" i="0" dirty="0" err="1">
-                <a:solidFill>
-                  <a:srgbClr val="0F0F0F"/>
-                </a:solidFill>
+              <a:rPr lang="en-US" sz="2000" b="0" i="0" dirty="0">
+                <a:effectLst/>
+                <a:latin typeface="Söhne"/>
+              </a:rPr>
+              <a:t> </a:t>
+            </a:r>
+            <a:r>
+              <a:rPr lang="en-US" sz="2000" b="0" i="0" dirty="0" err="1">
                 <a:effectLst/>
                 <a:latin typeface="Söhne"/>
               </a:rPr>
               <a:t>ta'minlash</a:t>
             </a:r>
             <a:r>
-              <a:rPr lang="en-US" sz="1800" b="0" i="0" dirty="0">
-                <a:solidFill>
-                  <a:srgbClr val="0F0F0F"/>
-                </a:solidFill>
-                <a:effectLst/>
-                <a:latin typeface="Söhne"/>
-              </a:rPr>
-              <a:t> </a:t>
-            </a:r>
-            <a:r>
-              <a:rPr lang="en-US" sz="1800" b="0" i="0" dirty="0" err="1">
-                <a:solidFill>
-                  <a:srgbClr val="0F0F0F"/>
-                </a:solidFill>
+              <a:rPr lang="en-US" sz="2000" b="0" i="0" dirty="0">
+                <a:effectLst/>
+                <a:latin typeface="Söhne"/>
+              </a:rPr>
+              <a:t> </a:t>
+            </a:r>
+            <a:r>
+              <a:rPr lang="en-US" sz="2000" b="0" i="0" dirty="0" err="1">
                 <a:effectLst/>
                 <a:latin typeface="Söhne"/>
               </a:rPr>
               <a:t>uchun</a:t>
             </a:r>
             <a:r>
-              <a:rPr lang="en-US" sz="1800" b="0" i="0" dirty="0">
-                <a:solidFill>
-                  <a:srgbClr val="0F0F0F"/>
-                </a:solidFill>
-                <a:effectLst/>
-                <a:latin typeface="Söhne"/>
-              </a:rPr>
-              <a:t> </a:t>
-            </a:r>
-            <a:r>
-              <a:rPr lang="en-US" sz="1800" b="0" i="0" dirty="0" err="1">
-                <a:solidFill>
-                  <a:srgbClr val="0F0F0F"/>
-                </a:solidFill>
+              <a:rPr lang="en-US" sz="2000" b="0" i="0" dirty="0">
+                <a:effectLst/>
+                <a:latin typeface="Söhne"/>
+              </a:rPr>
+              <a:t> </a:t>
+            </a:r>
+            <a:r>
+              <a:rPr lang="en-US" sz="2000" b="0" i="0" dirty="0" err="1">
                 <a:effectLst/>
                 <a:latin typeface="Söhne"/>
               </a:rPr>
               <a:t>muhimdir</a:t>
             </a:r>
             <a:r>
-              <a:rPr lang="en-US" sz="1800" b="0" i="0" dirty="0">
-                <a:solidFill>
-                  <a:srgbClr val="0F0F0F"/>
-                </a:solidFill>
+              <a:rPr lang="en-US" sz="2000" b="0" i="0" dirty="0">
                 <a:effectLst/>
                 <a:latin typeface="Söhne"/>
               </a:rPr>
               <a:t>. Bu, </a:t>
             </a:r>
             <a:r>
-              <a:rPr lang="en-US" sz="1800" b="0" i="0" dirty="0" err="1">
-                <a:solidFill>
-                  <a:srgbClr val="0F0F0F"/>
-                </a:solidFill>
+              <a:rPr lang="en-US" sz="2000" b="0" i="0" dirty="0" err="1">
                 <a:effectLst/>
                 <a:latin typeface="Söhne"/>
               </a:rPr>
               <a:t>sun’iy</a:t>
             </a:r>
             <a:r>
-              <a:rPr lang="en-US" sz="1800" b="0" i="0" dirty="0">
-                <a:solidFill>
-                  <a:srgbClr val="0F0F0F"/>
-                </a:solidFill>
-                <a:effectLst/>
-                <a:latin typeface="Söhne"/>
-              </a:rPr>
-              <a:t> </a:t>
-            </a:r>
-            <a:r>
-              <a:rPr lang="en-US" sz="1800" b="0" i="0" dirty="0" err="1">
-                <a:solidFill>
-                  <a:srgbClr val="0F0F0F"/>
-                </a:solidFill>
+              <a:rPr lang="en-US" sz="2000" b="0" i="0" dirty="0">
+                <a:effectLst/>
+                <a:latin typeface="Söhne"/>
+              </a:rPr>
+              <a:t> </a:t>
+            </a:r>
+            <a:r>
+              <a:rPr lang="en-US" sz="2000" b="0" i="0" dirty="0" err="1">
                 <a:effectLst/>
                 <a:latin typeface="Söhne"/>
               </a:rPr>
               <a:t>intellekt</a:t>
             </a:r>
             <a:r>
-              <a:rPr lang="en-US" sz="1800" b="0" i="0" dirty="0">
-                <a:solidFill>
-                  <a:srgbClr val="0F0F0F"/>
-                </a:solidFill>
-                <a:effectLst/>
-                <a:latin typeface="Söhne"/>
-              </a:rPr>
-              <a:t> </a:t>
-            </a:r>
-            <a:r>
-              <a:rPr lang="en-US" sz="1800" b="0" i="0" dirty="0" err="1">
-                <a:solidFill>
-                  <a:srgbClr val="0F0F0F"/>
-                </a:solidFill>
+              <a:rPr lang="en-US" sz="2000" b="0" i="0" dirty="0">
+                <a:effectLst/>
+                <a:latin typeface="Söhne"/>
+              </a:rPr>
+              <a:t> </a:t>
+            </a:r>
+            <a:r>
+              <a:rPr lang="en-US" sz="2000" b="0" i="0" dirty="0" err="1">
                 <a:effectLst/>
                 <a:latin typeface="Söhne"/>
               </a:rPr>
               <a:t>modellari</a:t>
             </a:r>
             <a:r>
-              <a:rPr lang="en-US" sz="1800" b="0" i="0" dirty="0">
-                <a:solidFill>
-                  <a:srgbClr val="0F0F0F"/>
-                </a:solidFill>
-                <a:effectLst/>
-                <a:latin typeface="Söhne"/>
-              </a:rPr>
-              <a:t> </a:t>
-            </a:r>
-            <a:r>
-              <a:rPr lang="en-US" sz="1800" b="0" i="0" dirty="0" err="1">
-                <a:solidFill>
-                  <a:srgbClr val="0F0F0F"/>
-                </a:solidFill>
+              <a:rPr lang="en-US" sz="2000" b="0" i="0" dirty="0">
+                <a:effectLst/>
+                <a:latin typeface="Söhne"/>
+              </a:rPr>
+              <a:t> </a:t>
+            </a:r>
+            <a:r>
+              <a:rPr lang="en-US" sz="2000" b="0" i="0" dirty="0" err="1">
                 <a:effectLst/>
                 <a:latin typeface="Söhne"/>
               </a:rPr>
               <a:t>uchun</a:t>
             </a:r>
             <a:r>
-              <a:rPr lang="en-US" sz="1800" b="0" i="0" dirty="0">
-                <a:solidFill>
-                  <a:srgbClr val="0F0F0F"/>
-                </a:solidFill>
-                <a:effectLst/>
-                <a:latin typeface="Söhne"/>
-              </a:rPr>
-              <a:t> </a:t>
-            </a:r>
-            <a:r>
-              <a:rPr lang="en-US" sz="1800" b="0" i="0" dirty="0" err="1">
-                <a:solidFill>
-                  <a:srgbClr val="0F0F0F"/>
-                </a:solidFill>
+              <a:rPr lang="en-US" sz="2000" b="0" i="0" dirty="0">
+                <a:effectLst/>
+                <a:latin typeface="Söhne"/>
+              </a:rPr>
+              <a:t> </a:t>
+            </a:r>
+            <a:r>
+              <a:rPr lang="en-US" sz="2000" b="0" i="0" dirty="0" err="1">
                 <a:effectLst/>
                 <a:latin typeface="Söhne"/>
               </a:rPr>
               <a:t>ma'lumotlarni</a:t>
             </a:r>
             <a:r>
-              <a:rPr lang="en-US" sz="1800" b="0" i="0" dirty="0">
-                <a:solidFill>
-                  <a:srgbClr val="0F0F0F"/>
-                </a:solidFill>
-                <a:effectLst/>
-                <a:latin typeface="Söhne"/>
-              </a:rPr>
-              <a:t> </a:t>
-            </a:r>
-            <a:r>
-              <a:rPr lang="en-US" sz="1800" b="0" i="0" dirty="0" err="1">
-                <a:solidFill>
-                  <a:srgbClr val="0F0F0F"/>
-                </a:solidFill>
+              <a:rPr lang="en-US" sz="2000" b="0" i="0" dirty="0">
+                <a:effectLst/>
+                <a:latin typeface="Söhne"/>
+              </a:rPr>
+              <a:t> </a:t>
+            </a:r>
+            <a:r>
+              <a:rPr lang="en-US" sz="2000" b="0" i="0" dirty="0" err="1">
                 <a:effectLst/>
                 <a:latin typeface="Söhne"/>
               </a:rPr>
               <a:t>qayta</a:t>
             </a:r>
             <a:r>
-              <a:rPr lang="en-US" sz="1800" b="0" i="0" dirty="0">
-                <a:solidFill>
-                  <a:srgbClr val="0F0F0F"/>
-                </a:solidFill>
-                <a:effectLst/>
-                <a:latin typeface="Söhne"/>
-              </a:rPr>
-              <a:t> </a:t>
-            </a:r>
-            <a:r>
-              <a:rPr lang="en-US" sz="1800" b="0" i="0" dirty="0" err="1">
-                <a:solidFill>
-                  <a:srgbClr val="0F0F0F"/>
-                </a:solidFill>
+              <a:rPr lang="en-US" sz="2000" b="0" i="0" dirty="0">
+                <a:effectLst/>
+                <a:latin typeface="Söhne"/>
+              </a:rPr>
+              <a:t> </a:t>
+            </a:r>
+            <a:r>
+              <a:rPr lang="en-US" sz="2000" b="0" i="0" dirty="0" err="1">
                 <a:effectLst/>
                 <a:latin typeface="Söhne"/>
               </a:rPr>
               <a:t>ishlash</a:t>
             </a:r>
             <a:r>
-              <a:rPr lang="en-US" sz="1800" b="0" i="0" dirty="0">
-                <a:solidFill>
-                  <a:srgbClr val="0F0F0F"/>
-                </a:solidFill>
-                <a:effectLst/>
-                <a:latin typeface="Söhne"/>
-              </a:rPr>
-              <a:t> </a:t>
-            </a:r>
-            <a:r>
-              <a:rPr lang="en-US" sz="1800" b="0" i="0" dirty="0" err="1">
-                <a:solidFill>
-                  <a:srgbClr val="0F0F0F"/>
-                </a:solidFill>
+              <a:rPr lang="en-US" sz="2000" b="0" i="0" dirty="0">
+                <a:effectLst/>
+                <a:latin typeface="Söhne"/>
+              </a:rPr>
+              <a:t> </a:t>
+            </a:r>
+            <a:r>
+              <a:rPr lang="en-US" sz="2000" b="0" i="0" dirty="0" err="1">
                 <a:effectLst/>
                 <a:latin typeface="Söhne"/>
               </a:rPr>
               <a:t>va</a:t>
             </a:r>
             <a:r>
-              <a:rPr lang="en-US" sz="1800" b="0" i="0" dirty="0">
-                <a:solidFill>
-                  <a:srgbClr val="0F0F0F"/>
-                </a:solidFill>
-                <a:effectLst/>
-                <a:latin typeface="Söhne"/>
-              </a:rPr>
-              <a:t> </a:t>
-            </a:r>
-            <a:r>
-              <a:rPr lang="en-US" sz="1800" b="0" i="0" dirty="0" err="1">
-                <a:solidFill>
-                  <a:srgbClr val="0F0F0F"/>
-                </a:solidFill>
+              <a:rPr lang="en-US" sz="2000" b="0" i="0" dirty="0">
+                <a:effectLst/>
+                <a:latin typeface="Söhne"/>
+              </a:rPr>
+              <a:t> </a:t>
+            </a:r>
+            <a:r>
+              <a:rPr lang="en-US" sz="2000" b="0" i="0" dirty="0" err="1">
                 <a:effectLst/>
                 <a:latin typeface="Söhne"/>
               </a:rPr>
               <a:t>o'rgatish</a:t>
             </a:r>
             <a:r>
-              <a:rPr lang="en-US" sz="1800" b="0" i="0" dirty="0">
-                <a:solidFill>
-                  <a:srgbClr val="0F0F0F"/>
-                </a:solidFill>
-                <a:effectLst/>
-                <a:latin typeface="Söhne"/>
-              </a:rPr>
-              <a:t> </a:t>
-            </a:r>
-            <a:r>
-              <a:rPr lang="en-US" sz="1800" b="0" i="0" dirty="0" err="1">
-                <a:solidFill>
-                  <a:srgbClr val="0F0F0F"/>
-                </a:solidFill>
+              <a:rPr lang="en-US" sz="2000" b="0" i="0" dirty="0">
+                <a:effectLst/>
+                <a:latin typeface="Söhne"/>
+              </a:rPr>
+              <a:t> </a:t>
+            </a:r>
+            <a:r>
+              <a:rPr lang="en-US" sz="2000" b="0" i="0" dirty="0" err="1">
                 <a:effectLst/>
                 <a:latin typeface="Söhne"/>
               </a:rPr>
               <a:t>jarayonida</a:t>
             </a:r>
             <a:r>
-              <a:rPr lang="en-US" sz="1800" b="0" i="0" dirty="0">
-                <a:solidFill>
-                  <a:srgbClr val="0F0F0F"/>
-                </a:solidFill>
-                <a:effectLst/>
-                <a:latin typeface="Söhne"/>
-              </a:rPr>
-              <a:t> </a:t>
-            </a:r>
-            <a:r>
-              <a:rPr lang="en-US" sz="1800" b="0" i="0" dirty="0" err="1">
-                <a:solidFill>
-                  <a:srgbClr val="0F0F0F"/>
-                </a:solidFill>
+              <a:rPr lang="en-US" sz="2000" b="0" i="0" dirty="0">
+                <a:effectLst/>
+                <a:latin typeface="Söhne"/>
+              </a:rPr>
+              <a:t> </a:t>
+            </a:r>
+            <a:r>
+              <a:rPr lang="en-US" sz="2000" b="0" i="0" dirty="0" err="1">
                 <a:effectLst/>
                 <a:latin typeface="Söhne"/>
               </a:rPr>
               <a:t>muhim</a:t>
             </a:r>
             <a:r>
-              <a:rPr lang="en-US" sz="1800" b="0" i="0" dirty="0">
-                <a:solidFill>
-                  <a:srgbClr val="0F0F0F"/>
-                </a:solidFill>
-                <a:effectLst/>
-                <a:latin typeface="Söhne"/>
-              </a:rPr>
-              <a:t> </a:t>
-            </a:r>
-            <a:r>
-              <a:rPr lang="en-US" sz="1800" b="0" i="0" dirty="0" err="1">
-                <a:solidFill>
-                  <a:srgbClr val="0F0F0F"/>
-                </a:solidFill>
-                <a:effectLst/>
-                <a:latin typeface="Söhne"/>
-              </a:rPr>
-              <a:t>bo'laydi</a:t>
-            </a:r>
-            <a:r>
-              <a:rPr lang="en-US" sz="1800" b="0" i="0" dirty="0">
-                <a:solidFill>
-                  <a:srgbClr val="0F0F0F"/>
-                </a:solidFill>
-                <a:effectLst/>
-                <a:latin typeface="Söhne"/>
-              </a:rPr>
-              <a:t>. </a:t>
-            </a:r>
-            <a:r>
-              <a:rPr lang="en-US" sz="1800" b="0" i="0" dirty="0" err="1">
-                <a:solidFill>
-                  <a:srgbClr val="0F0F0F"/>
-                </a:solidFill>
-                <a:effectLst/>
-                <a:latin typeface="Söhne"/>
-              </a:rPr>
-              <a:t>i</a:t>
-            </a:r>
-            <a:r>
-              <a:rPr lang="en-US" sz="1800" b="0" i="0" dirty="0">
-                <a:solidFill>
-                  <a:srgbClr val="0F0F0F"/>
-                </a:solidFill>
-                <a:effectLst/>
-                <a:latin typeface="Söhne"/>
-              </a:rPr>
-              <a:t> </a:t>
-            </a:r>
-            <a:r>
-              <a:rPr lang="en-US" sz="1800" b="0" i="0" dirty="0" err="1">
-                <a:solidFill>
-                  <a:srgbClr val="0F0F0F"/>
-                </a:solidFill>
-                <a:effectLst/>
-                <a:latin typeface="Söhne"/>
-              </a:rPr>
-              <a:t>qo'llab-quvvatlashni</a:t>
-            </a:r>
-            <a:r>
-              <a:rPr lang="en-US" sz="1800" b="0" i="0" dirty="0">
-                <a:solidFill>
-                  <a:srgbClr val="0F0F0F"/>
-                </a:solidFill>
-                <a:effectLst/>
-                <a:latin typeface="Söhne"/>
-              </a:rPr>
-              <a:t> </a:t>
-            </a:r>
-            <a:r>
-              <a:rPr lang="en-US" sz="1800" b="0" i="0" dirty="0" err="1">
-                <a:solidFill>
-                  <a:srgbClr val="0F0F0F"/>
-                </a:solidFill>
-                <a:effectLst/>
-                <a:latin typeface="Söhne"/>
-              </a:rPr>
-              <a:t>o'z</a:t>
-            </a:r>
-            <a:r>
-              <a:rPr lang="en-US" sz="1800" b="0" i="0" dirty="0">
-                <a:solidFill>
-                  <a:srgbClr val="0F0F0F"/>
-                </a:solidFill>
-                <a:effectLst/>
-                <a:latin typeface="Söhne"/>
-              </a:rPr>
-              <a:t> </a:t>
-            </a:r>
-            <a:r>
-              <a:rPr lang="en-US" sz="1800" b="0" i="0" dirty="0" err="1">
-                <a:solidFill>
-                  <a:srgbClr val="0F0F0F"/>
-                </a:solidFill>
-                <a:effectLst/>
-                <a:latin typeface="Söhne"/>
-              </a:rPr>
-              <a:t>ichiga</a:t>
-            </a:r>
-            <a:r>
-              <a:rPr lang="en-US" sz="1800" b="0" i="0" dirty="0">
-                <a:solidFill>
-                  <a:srgbClr val="0F0F0F"/>
-                </a:solidFill>
-                <a:effectLst/>
-                <a:latin typeface="Söhne"/>
-              </a:rPr>
-              <a:t> </a:t>
-            </a:r>
-            <a:r>
-              <a:rPr lang="en-US" sz="1800" b="0" i="0" dirty="0" err="1">
-                <a:solidFill>
-                  <a:srgbClr val="0F0F0F"/>
-                </a:solidFill>
-                <a:effectLst/>
-                <a:latin typeface="Söhne"/>
-              </a:rPr>
-              <a:t>oladi</a:t>
-            </a:r>
-            <a:r>
-              <a:rPr lang="en-US" sz="1800" b="0" i="0" dirty="0">
-                <a:solidFill>
-                  <a:srgbClr val="0F0F0F"/>
-                </a:solidFill>
+              <a:rPr lang="en-US" sz="2000" b="0" i="0" dirty="0">
+                <a:effectLst/>
+                <a:latin typeface="Söhne"/>
+              </a:rPr>
+              <a:t> </a:t>
+            </a:r>
+            <a:r>
+              <a:rPr lang="en-US" sz="2000" b="0" i="0" dirty="0" err="1">
+                <a:effectLst/>
+                <a:latin typeface="Söhne"/>
+              </a:rPr>
+              <a:t>bo'ladi</a:t>
+            </a:r>
+            <a:r>
+              <a:rPr lang="en-US" sz="2000" b="0" i="0" dirty="0">
                 <a:effectLst/>
                 <a:latin typeface="Söhne"/>
               </a:rPr>
               <a:t>.</a:t>
             </a:r>
-          </a:p>
-          <a:p>
-            <a:pPr marL="0" indent="0">
-              <a:buNone/>
-            </a:pPr>
-            <a:r>
-              <a:rPr lang="en-US" sz="1800" b="1" i="0" dirty="0" err="1">
-                <a:effectLst/>
-                <a:latin typeface="Söhne"/>
-              </a:rPr>
-              <a:t>Ma'lumotlarni</a:t>
-            </a:r>
-            <a:r>
-              <a:rPr lang="en-US" sz="1800" b="1" i="0" dirty="0">
-                <a:effectLst/>
-                <a:latin typeface="Söhne"/>
-              </a:rPr>
-              <a:t> </a:t>
-            </a:r>
-            <a:r>
-              <a:rPr lang="en-US" sz="1800" b="1" i="0" dirty="0" err="1">
-                <a:effectLst/>
-                <a:latin typeface="Söhne"/>
-              </a:rPr>
-              <a:t>Tuzatish</a:t>
-            </a:r>
-            <a:r>
-              <a:rPr lang="en-US" sz="1800" b="1" i="0" dirty="0">
-                <a:effectLst/>
-                <a:latin typeface="Söhne"/>
-              </a:rPr>
-              <a:t>:</a:t>
-            </a:r>
-            <a:r>
-              <a:rPr lang="en-US" sz="1800" b="0" i="0" dirty="0">
-                <a:solidFill>
-                  <a:srgbClr val="0F0F0F"/>
-                </a:solidFill>
-                <a:effectLst/>
-                <a:latin typeface="Söhne"/>
-              </a:rPr>
-              <a:t> </a:t>
-            </a:r>
-          </a:p>
-          <a:p>
-            <a:pPr marL="0" indent="0">
-              <a:buNone/>
-            </a:pPr>
-            <a:r>
-              <a:rPr lang="en-US" sz="1800" b="0" i="0" dirty="0" err="1">
-                <a:solidFill>
-                  <a:srgbClr val="0F0F0F"/>
-                </a:solidFill>
-                <a:effectLst/>
-                <a:latin typeface="Söhne"/>
-              </a:rPr>
-              <a:t>Tuzilgan</a:t>
-            </a:r>
-            <a:r>
-              <a:rPr lang="en-US" sz="1800" b="0" i="0" dirty="0">
-                <a:solidFill>
-                  <a:srgbClr val="0F0F0F"/>
-                </a:solidFill>
-                <a:effectLst/>
-                <a:latin typeface="Söhne"/>
-              </a:rPr>
-              <a:t> </a:t>
-            </a:r>
-            <a:r>
-              <a:rPr lang="en-US" sz="1800" b="0" i="0" dirty="0" err="1">
-                <a:solidFill>
-                  <a:srgbClr val="0F0F0F"/>
-                </a:solidFill>
-                <a:effectLst/>
-                <a:latin typeface="Söhne"/>
-              </a:rPr>
-              <a:t>va</a:t>
-            </a:r>
-            <a:r>
-              <a:rPr lang="en-US" sz="1800" b="0" i="0" dirty="0">
-                <a:solidFill>
-                  <a:srgbClr val="0F0F0F"/>
-                </a:solidFill>
-                <a:effectLst/>
-                <a:latin typeface="Söhne"/>
-              </a:rPr>
-              <a:t> </a:t>
-            </a:r>
-            <a:r>
-              <a:rPr lang="en-US" sz="1800" b="0" i="0" dirty="0" err="1">
-                <a:solidFill>
-                  <a:srgbClr val="0F0F0F"/>
-                </a:solidFill>
-                <a:effectLst/>
-                <a:latin typeface="Söhne"/>
-              </a:rPr>
-              <a:t>tayyorlangan</a:t>
-            </a:r>
-            <a:r>
-              <a:rPr lang="en-US" sz="1800" b="0" i="0" dirty="0">
-                <a:solidFill>
-                  <a:srgbClr val="0F0F0F"/>
-                </a:solidFill>
-                <a:effectLst/>
-                <a:latin typeface="Söhne"/>
-              </a:rPr>
-              <a:t> </a:t>
-            </a:r>
-            <a:r>
-              <a:rPr lang="en-US" sz="1800" b="0" i="0" dirty="0" err="1">
-                <a:solidFill>
-                  <a:srgbClr val="0F0F0F"/>
-                </a:solidFill>
-                <a:effectLst/>
-                <a:latin typeface="Söhne"/>
-              </a:rPr>
-              <a:t>ma'lumotlar</a:t>
-            </a:r>
-            <a:r>
-              <a:rPr lang="en-US" sz="1800" b="0" i="0" dirty="0">
-                <a:solidFill>
-                  <a:srgbClr val="0F0F0F"/>
-                </a:solidFill>
-                <a:effectLst/>
-                <a:latin typeface="Söhne"/>
-              </a:rPr>
-              <a:t>, </a:t>
-            </a:r>
-            <a:r>
-              <a:rPr lang="en-US" sz="1800" b="0" i="0" dirty="0" err="1">
-                <a:solidFill>
-                  <a:srgbClr val="0F0F0F"/>
-                </a:solidFill>
-                <a:effectLst/>
-                <a:latin typeface="Söhne"/>
-              </a:rPr>
-              <a:t>sun’iy</a:t>
-            </a:r>
-            <a:r>
-              <a:rPr lang="en-US" sz="1800" b="0" i="0" dirty="0">
-                <a:solidFill>
-                  <a:srgbClr val="0F0F0F"/>
-                </a:solidFill>
-                <a:effectLst/>
-                <a:latin typeface="Söhne"/>
-              </a:rPr>
-              <a:t> </a:t>
-            </a:r>
-            <a:r>
-              <a:rPr lang="en-US" sz="1800" b="0" i="0" dirty="0" err="1">
-                <a:solidFill>
-                  <a:srgbClr val="0F0F0F"/>
-                </a:solidFill>
-                <a:effectLst/>
-                <a:latin typeface="Söhne"/>
-              </a:rPr>
-              <a:t>intellekt</a:t>
-            </a:r>
-            <a:r>
-              <a:rPr lang="en-US" sz="1800" b="0" i="0" dirty="0">
-                <a:solidFill>
-                  <a:srgbClr val="0F0F0F"/>
-                </a:solidFill>
-                <a:effectLst/>
-                <a:latin typeface="Söhne"/>
-              </a:rPr>
-              <a:t> </a:t>
-            </a:r>
-            <a:r>
-              <a:rPr lang="en-US" sz="1800" b="0" i="0" dirty="0" err="1">
-                <a:solidFill>
-                  <a:srgbClr val="0F0F0F"/>
-                </a:solidFill>
-                <a:effectLst/>
-                <a:latin typeface="Söhne"/>
-              </a:rPr>
-              <a:t>modelini</a:t>
-            </a:r>
-            <a:r>
-              <a:rPr lang="en-US" sz="1800" b="0" i="0" dirty="0">
-                <a:solidFill>
-                  <a:srgbClr val="0F0F0F"/>
-                </a:solidFill>
-                <a:effectLst/>
-                <a:latin typeface="Söhne"/>
-              </a:rPr>
-              <a:t> </a:t>
-            </a:r>
-            <a:r>
-              <a:rPr lang="en-US" sz="1800" b="0" i="0" dirty="0" err="1">
-                <a:solidFill>
-                  <a:srgbClr val="0F0F0F"/>
-                </a:solidFill>
-                <a:effectLst/>
-                <a:latin typeface="Söhne"/>
-              </a:rPr>
-              <a:t>o'rgatish</a:t>
-            </a:r>
-            <a:r>
-              <a:rPr lang="en-US" sz="1800" b="0" i="0" dirty="0">
-                <a:solidFill>
-                  <a:srgbClr val="0F0F0F"/>
-                </a:solidFill>
-                <a:effectLst/>
-                <a:latin typeface="Söhne"/>
-              </a:rPr>
-              <a:t> </a:t>
-            </a:r>
-            <a:r>
-              <a:rPr lang="en-US" sz="1800" b="0" i="0" dirty="0" err="1">
-                <a:solidFill>
-                  <a:srgbClr val="0F0F0F"/>
-                </a:solidFill>
-                <a:effectLst/>
-                <a:latin typeface="Söhne"/>
-              </a:rPr>
-              <a:t>uchun</a:t>
-            </a:r>
-            <a:r>
-              <a:rPr lang="en-US" sz="1800" b="0" i="0" dirty="0">
-                <a:solidFill>
-                  <a:srgbClr val="0F0F0F"/>
-                </a:solidFill>
-                <a:effectLst/>
-                <a:latin typeface="Söhne"/>
-              </a:rPr>
-              <a:t> </a:t>
-            </a:r>
-            <a:r>
-              <a:rPr lang="en-US" sz="1800" b="0" i="0" dirty="0" err="1">
-                <a:solidFill>
-                  <a:srgbClr val="0F0F0F"/>
-                </a:solidFill>
-                <a:effectLst/>
-                <a:latin typeface="Söhne"/>
-              </a:rPr>
-              <a:t>tayyor</a:t>
-            </a:r>
-            <a:r>
-              <a:rPr lang="en-US" sz="1800" b="0" i="0" dirty="0">
-                <a:solidFill>
-                  <a:srgbClr val="0F0F0F"/>
-                </a:solidFill>
-                <a:effectLst/>
-                <a:latin typeface="Söhne"/>
-              </a:rPr>
-              <a:t> </a:t>
-            </a:r>
-            <a:r>
-              <a:rPr lang="en-US" sz="1800" b="0" i="0" dirty="0" err="1">
-                <a:solidFill>
-                  <a:srgbClr val="0F0F0F"/>
-                </a:solidFill>
-                <a:effectLst/>
-                <a:latin typeface="Söhne"/>
-              </a:rPr>
-              <a:t>bo'lgan</a:t>
-            </a:r>
-            <a:r>
-              <a:rPr lang="en-US" sz="1800" b="0" i="0" dirty="0">
-                <a:solidFill>
-                  <a:srgbClr val="0F0F0F"/>
-                </a:solidFill>
-                <a:effectLst/>
-                <a:latin typeface="Söhne"/>
-              </a:rPr>
-              <a:t> </a:t>
-            </a:r>
-            <a:r>
-              <a:rPr lang="en-US" sz="1800" b="0" i="0" dirty="0" err="1">
-                <a:solidFill>
-                  <a:srgbClr val="0F0F0F"/>
-                </a:solidFill>
-                <a:effectLst/>
-                <a:latin typeface="Söhne"/>
-              </a:rPr>
-              <a:t>bo'lishi</a:t>
-            </a:r>
-            <a:r>
-              <a:rPr lang="en-US" sz="1800" b="0" i="0" dirty="0">
-                <a:solidFill>
-                  <a:srgbClr val="0F0F0F"/>
-                </a:solidFill>
-                <a:effectLst/>
-                <a:latin typeface="Söhne"/>
-              </a:rPr>
-              <a:t> </a:t>
-            </a:r>
-            <a:r>
-              <a:rPr lang="en-US" sz="1800" b="0" i="0" dirty="0" err="1">
-                <a:solidFill>
-                  <a:srgbClr val="0F0F0F"/>
-                </a:solidFill>
-                <a:effectLst/>
-                <a:latin typeface="Söhne"/>
-              </a:rPr>
-              <a:t>kerak</a:t>
-            </a:r>
-            <a:r>
-              <a:rPr lang="en-US" sz="1800" b="0" i="0" dirty="0">
-                <a:solidFill>
-                  <a:srgbClr val="0F0F0F"/>
-                </a:solidFill>
-                <a:effectLst/>
-                <a:latin typeface="Söhne"/>
-              </a:rPr>
-              <a:t>. Bu </a:t>
-            </a:r>
-            <a:r>
-              <a:rPr lang="en-US" sz="1800" b="0" i="0" dirty="0" err="1">
-                <a:solidFill>
-                  <a:srgbClr val="0F0F0F"/>
-                </a:solidFill>
-                <a:effectLst/>
-                <a:latin typeface="Söhne"/>
-              </a:rPr>
-              <a:t>qadamda</a:t>
-            </a:r>
-            <a:r>
-              <a:rPr lang="en-US" sz="1800" b="0" i="0" dirty="0">
-                <a:solidFill>
-                  <a:srgbClr val="0F0F0F"/>
-                </a:solidFill>
-                <a:effectLst/>
-                <a:latin typeface="Söhne"/>
-              </a:rPr>
-              <a:t>, </a:t>
-            </a:r>
-            <a:r>
-              <a:rPr lang="en-US" sz="1800" b="0" i="0" dirty="0" err="1">
-                <a:solidFill>
-                  <a:srgbClr val="0F0F0F"/>
-                </a:solidFill>
-                <a:effectLst/>
-                <a:latin typeface="Söhne"/>
-              </a:rPr>
-              <a:t>ma'lumotlar</a:t>
-            </a:r>
-            <a:r>
-              <a:rPr lang="en-US" sz="1800" b="0" i="0" dirty="0">
-                <a:solidFill>
-                  <a:srgbClr val="0F0F0F"/>
-                </a:solidFill>
-                <a:effectLst/>
-                <a:latin typeface="Söhne"/>
-              </a:rPr>
-              <a:t> </a:t>
-            </a:r>
-            <a:r>
-              <a:rPr lang="en-US" sz="1800" b="0" i="0" dirty="0" err="1">
-                <a:solidFill>
-                  <a:srgbClr val="0F0F0F"/>
-                </a:solidFill>
-                <a:effectLst/>
-                <a:latin typeface="Söhne"/>
-              </a:rPr>
-              <a:t>modelga</a:t>
-            </a:r>
-            <a:r>
-              <a:rPr lang="en-US" sz="1800" b="0" i="0" dirty="0">
-                <a:solidFill>
-                  <a:srgbClr val="0F0F0F"/>
-                </a:solidFill>
-                <a:effectLst/>
-                <a:latin typeface="Söhne"/>
-              </a:rPr>
-              <a:t> </a:t>
-            </a:r>
-            <a:r>
-              <a:rPr lang="en-US" sz="1800" b="0" i="0" dirty="0" err="1">
-                <a:solidFill>
-                  <a:srgbClr val="0F0F0F"/>
-                </a:solidFill>
-                <a:effectLst/>
-                <a:latin typeface="Söhne"/>
-              </a:rPr>
-              <a:t>mos</a:t>
-            </a:r>
-            <a:r>
-              <a:rPr lang="en-US" sz="1800" b="0" i="0" dirty="0">
-                <a:solidFill>
-                  <a:srgbClr val="0F0F0F"/>
-                </a:solidFill>
-                <a:effectLst/>
-                <a:latin typeface="Söhne"/>
-              </a:rPr>
-              <a:t> </a:t>
-            </a:r>
-            <a:r>
-              <a:rPr lang="en-US" sz="1800" b="0" i="0" dirty="0" err="1">
-                <a:solidFill>
-                  <a:srgbClr val="0F0F0F"/>
-                </a:solidFill>
-                <a:effectLst/>
-                <a:latin typeface="Söhne"/>
-              </a:rPr>
-              <a:t>ravishda</a:t>
-            </a:r>
-            <a:r>
-              <a:rPr lang="en-US" sz="1800" b="0" i="0" dirty="0">
-                <a:solidFill>
-                  <a:srgbClr val="0F0F0F"/>
-                </a:solidFill>
-                <a:effectLst/>
-                <a:latin typeface="Söhne"/>
-              </a:rPr>
-              <a:t> </a:t>
-            </a:r>
-            <a:r>
-              <a:rPr lang="en-US" sz="1800" b="0" i="0" dirty="0" err="1">
-                <a:solidFill>
-                  <a:srgbClr val="0F0F0F"/>
-                </a:solidFill>
-                <a:effectLst/>
-                <a:latin typeface="Söhne"/>
-              </a:rPr>
-              <a:t>tuziladi</a:t>
-            </a:r>
-            <a:r>
-              <a:rPr lang="en-US" sz="1800" b="0" i="0" dirty="0">
-                <a:solidFill>
-                  <a:srgbClr val="0F0F0F"/>
-                </a:solidFill>
-                <a:effectLst/>
-                <a:latin typeface="Söhne"/>
-              </a:rPr>
-              <a:t> </a:t>
-            </a:r>
-            <a:r>
-              <a:rPr lang="en-US" sz="1800" b="0" i="0" dirty="0" err="1">
-                <a:solidFill>
-                  <a:srgbClr val="0F0F0F"/>
-                </a:solidFill>
-                <a:effectLst/>
-                <a:latin typeface="Söhne"/>
-              </a:rPr>
-              <a:t>va</a:t>
-            </a:r>
-            <a:r>
-              <a:rPr lang="en-US" sz="1800" b="0" i="0" dirty="0">
-                <a:solidFill>
-                  <a:srgbClr val="0F0F0F"/>
-                </a:solidFill>
-                <a:effectLst/>
-                <a:latin typeface="Söhne"/>
-              </a:rPr>
-              <a:t> </a:t>
-            </a:r>
-            <a:r>
-              <a:rPr lang="en-US" sz="1800" b="0" i="0" dirty="0" err="1">
-                <a:solidFill>
-                  <a:srgbClr val="0F0F0F"/>
-                </a:solidFill>
-                <a:effectLst/>
-                <a:latin typeface="Söhne"/>
-              </a:rPr>
-              <a:t>uni</a:t>
-            </a:r>
-            <a:r>
-              <a:rPr lang="en-US" sz="1800" b="0" i="0" dirty="0">
-                <a:solidFill>
-                  <a:srgbClr val="0F0F0F"/>
-                </a:solidFill>
-                <a:effectLst/>
-                <a:latin typeface="Söhne"/>
-              </a:rPr>
-              <a:t> </a:t>
-            </a:r>
-            <a:r>
-              <a:rPr lang="en-US" sz="1800" b="0" i="0" dirty="0" err="1">
-                <a:solidFill>
-                  <a:srgbClr val="0F0F0F"/>
-                </a:solidFill>
-                <a:effectLst/>
-                <a:latin typeface="Söhne"/>
-              </a:rPr>
-              <a:t>o'rgatish</a:t>
-            </a:r>
-            <a:r>
-              <a:rPr lang="en-US" sz="1800" b="0" i="0" dirty="0">
-                <a:solidFill>
-                  <a:srgbClr val="0F0F0F"/>
-                </a:solidFill>
-                <a:effectLst/>
-                <a:latin typeface="Söhne"/>
-              </a:rPr>
-              <a:t> </a:t>
-            </a:r>
-            <a:r>
-              <a:rPr lang="en-US" sz="1800" b="0" i="0" dirty="0" err="1">
-                <a:solidFill>
-                  <a:srgbClr val="0F0F0F"/>
-                </a:solidFill>
-                <a:effectLst/>
-                <a:latin typeface="Söhne"/>
-              </a:rPr>
-              <a:t>uchun</a:t>
-            </a:r>
-            <a:r>
-              <a:rPr lang="en-US" sz="1800" b="0" i="0" dirty="0">
-                <a:solidFill>
-                  <a:srgbClr val="0F0F0F"/>
-                </a:solidFill>
-                <a:effectLst/>
-                <a:latin typeface="Söhne"/>
-              </a:rPr>
-              <a:t> </a:t>
-            </a:r>
-            <a:r>
-              <a:rPr lang="en-US" sz="1800" b="0" i="0" dirty="0" err="1">
-                <a:solidFill>
-                  <a:srgbClr val="0F0F0F"/>
-                </a:solidFill>
-                <a:effectLst/>
-                <a:latin typeface="Söhne"/>
-              </a:rPr>
-              <a:t>tayyorlash</a:t>
-            </a:r>
-            <a:r>
-              <a:rPr lang="en-US" sz="1800" b="0" i="0" dirty="0">
-                <a:solidFill>
-                  <a:srgbClr val="0F0F0F"/>
-                </a:solidFill>
-                <a:effectLst/>
-                <a:latin typeface="Söhne"/>
-              </a:rPr>
-              <a:t> </a:t>
-            </a:r>
-            <a:r>
-              <a:rPr lang="en-US" sz="1800" b="0" i="0" dirty="0" err="1">
-                <a:solidFill>
-                  <a:srgbClr val="0F0F0F"/>
-                </a:solidFill>
-                <a:effectLst/>
-                <a:latin typeface="Söhne"/>
-              </a:rPr>
-              <a:t>jarayoni</a:t>
-            </a:r>
-            <a:r>
-              <a:rPr lang="en-US" sz="1800" b="0" i="0" dirty="0">
-                <a:solidFill>
-                  <a:srgbClr val="0F0F0F"/>
-                </a:solidFill>
-                <a:effectLst/>
-                <a:latin typeface="Söhne"/>
-              </a:rPr>
-              <a:t> </a:t>
-            </a:r>
-            <a:r>
-              <a:rPr lang="en-US" sz="1800" b="0" i="0" dirty="0" err="1">
-                <a:solidFill>
-                  <a:srgbClr val="0F0F0F"/>
-                </a:solidFill>
-                <a:effectLst/>
-                <a:latin typeface="Söhne"/>
-              </a:rPr>
-              <a:t>boshlanadi</a:t>
-            </a:r>
-            <a:r>
-              <a:rPr lang="en-US" sz="1800" b="0" i="0" dirty="0">
-                <a:solidFill>
-                  <a:srgbClr val="0F0F0F"/>
-                </a:solidFill>
-                <a:effectLst/>
-                <a:latin typeface="Söhne"/>
-              </a:rPr>
-              <a:t>.</a:t>
-            </a:r>
-            <a:endParaRPr lang="en-US" sz="1800" dirty="0"/>
           </a:p>
         </p:txBody>
       </p:sp>
